--- a/WhiteBoard.pptx
+++ b/WhiteBoard.pptx
@@ -38,6 +38,11 @@
     <p:sldId id="286" r:id="rId35"/>
     <p:sldId id="287" r:id="rId36"/>
     <p:sldId id="288" r:id="rId37"/>
+    <p:sldId id="289" r:id="rId38"/>
+    <p:sldId id="290" r:id="rId39"/>
+    <p:sldId id="291" r:id="rId40"/>
+    <p:sldId id="292" r:id="rId41"/>
+    <p:sldId id="293" r:id="rId42"/>
   </p:sldIdLst>
   <p:sldSz cx="12192000" cy="6858000"/>
   <p:notesSz cx="6858000" cy="9144000"/>
@@ -299,7 +304,7 @@
           <a:p>
             <a:fld id="{FBF31617-8630-4A27-A9A6-00AC9773FA7C}" type="datetimeFigureOut">
               <a:rPr lang="en-US" smtClean="0"/>
-              <a:t>10/4/2021</a:t>
+              <a:t>10/9/2021</a:t>
             </a:fld>
             <a:endParaRPr lang="en-US"/>
           </a:p>
@@ -497,7 +502,7 @@
           <a:p>
             <a:fld id="{FBF31617-8630-4A27-A9A6-00AC9773FA7C}" type="datetimeFigureOut">
               <a:rPr lang="en-US" smtClean="0"/>
-              <a:t>10/4/2021</a:t>
+              <a:t>10/9/2021</a:t>
             </a:fld>
             <a:endParaRPr lang="en-US"/>
           </a:p>
@@ -705,7 +710,7 @@
           <a:p>
             <a:fld id="{FBF31617-8630-4A27-A9A6-00AC9773FA7C}" type="datetimeFigureOut">
               <a:rPr lang="en-US" smtClean="0"/>
-              <a:t>10/4/2021</a:t>
+              <a:t>10/9/2021</a:t>
             </a:fld>
             <a:endParaRPr lang="en-US"/>
           </a:p>
@@ -903,7 +908,7 @@
           <a:p>
             <a:fld id="{FBF31617-8630-4A27-A9A6-00AC9773FA7C}" type="datetimeFigureOut">
               <a:rPr lang="en-US" smtClean="0"/>
-              <a:t>10/4/2021</a:t>
+              <a:t>10/9/2021</a:t>
             </a:fld>
             <a:endParaRPr lang="en-US"/>
           </a:p>
@@ -1178,7 +1183,7 @@
           <a:p>
             <a:fld id="{FBF31617-8630-4A27-A9A6-00AC9773FA7C}" type="datetimeFigureOut">
               <a:rPr lang="en-US" smtClean="0"/>
-              <a:t>10/4/2021</a:t>
+              <a:t>10/9/2021</a:t>
             </a:fld>
             <a:endParaRPr lang="en-US"/>
           </a:p>
@@ -1443,7 +1448,7 @@
           <a:p>
             <a:fld id="{FBF31617-8630-4A27-A9A6-00AC9773FA7C}" type="datetimeFigureOut">
               <a:rPr lang="en-US" smtClean="0"/>
-              <a:t>10/4/2021</a:t>
+              <a:t>10/9/2021</a:t>
             </a:fld>
             <a:endParaRPr lang="en-US"/>
           </a:p>
@@ -1855,7 +1860,7 @@
           <a:p>
             <a:fld id="{FBF31617-8630-4A27-A9A6-00AC9773FA7C}" type="datetimeFigureOut">
               <a:rPr lang="en-US" smtClean="0"/>
-              <a:t>10/4/2021</a:t>
+              <a:t>10/9/2021</a:t>
             </a:fld>
             <a:endParaRPr lang="en-US"/>
           </a:p>
@@ -1996,7 +2001,7 @@
           <a:p>
             <a:fld id="{FBF31617-8630-4A27-A9A6-00AC9773FA7C}" type="datetimeFigureOut">
               <a:rPr lang="en-US" smtClean="0"/>
-              <a:t>10/4/2021</a:t>
+              <a:t>10/9/2021</a:t>
             </a:fld>
             <a:endParaRPr lang="en-US"/>
           </a:p>
@@ -2109,7 +2114,7 @@
           <a:p>
             <a:fld id="{FBF31617-8630-4A27-A9A6-00AC9773FA7C}" type="datetimeFigureOut">
               <a:rPr lang="en-US" smtClean="0"/>
-              <a:t>10/4/2021</a:t>
+              <a:t>10/9/2021</a:t>
             </a:fld>
             <a:endParaRPr lang="en-US"/>
           </a:p>
@@ -2420,7 +2425,7 @@
           <a:p>
             <a:fld id="{FBF31617-8630-4A27-A9A6-00AC9773FA7C}" type="datetimeFigureOut">
               <a:rPr lang="en-US" smtClean="0"/>
-              <a:t>10/4/2021</a:t>
+              <a:t>10/9/2021</a:t>
             </a:fld>
             <a:endParaRPr lang="en-US"/>
           </a:p>
@@ -2708,7 +2713,7 @@
           <a:p>
             <a:fld id="{FBF31617-8630-4A27-A9A6-00AC9773FA7C}" type="datetimeFigureOut">
               <a:rPr lang="en-US" smtClean="0"/>
-              <a:t>10/4/2021</a:t>
+              <a:t>10/9/2021</a:t>
             </a:fld>
             <a:endParaRPr lang="en-US"/>
           </a:p>
@@ -2949,7 +2954,7 @@
           <a:p>
             <a:fld id="{FBF31617-8630-4A27-A9A6-00AC9773FA7C}" type="datetimeFigureOut">
               <a:rPr lang="en-US" smtClean="0"/>
-              <a:t>10/4/2021</a:t>
+              <a:t>10/9/2021</a:t>
             </a:fld>
             <a:endParaRPr lang="en-US"/>
           </a:p>
@@ -20128,6 +20133,5433 @@
 </p:sld>
 </file>
 
+<file path=ppt/slides/slide34.xml><?xml version="1.0" encoding="utf-8"?>
+<p:sld xmlns:a="http://schemas.openxmlformats.org/drawingml/2006/main" xmlns:r="http://schemas.openxmlformats.org/officeDocument/2006/relationships" xmlns:p="http://schemas.openxmlformats.org/presentationml/2006/main">
+  <p:cSld>
+    <p:spTree>
+      <p:nvGrpSpPr>
+        <p:cNvPr id="1" name=""/>
+        <p:cNvGrpSpPr/>
+        <p:nvPr/>
+      </p:nvGrpSpPr>
+      <p:grpSpPr>
+        <a:xfrm>
+          <a:off x="0" y="0"/>
+          <a:ext cx="0" cy="0"/>
+          <a:chOff x="0" y="0"/>
+          <a:chExt cx="0" cy="0"/>
+        </a:xfrm>
+      </p:grpSpPr>
+      <p:sp>
+        <p:nvSpPr>
+          <p:cNvPr id="4" name="Rectangle 3">
+            <a:extLst>
+              <a:ext uri="{FF2B5EF4-FFF2-40B4-BE49-F238E27FC236}">
+                <a16:creationId xmlns:a16="http://schemas.microsoft.com/office/drawing/2014/main" id="{06244400-B1E3-4F56-884B-AD02C4645492}"/>
+              </a:ext>
+            </a:extLst>
+          </p:cNvPr>
+          <p:cNvSpPr/>
+          <p:nvPr/>
+        </p:nvSpPr>
+        <p:spPr>
+          <a:xfrm>
+            <a:off x="1057275" y="1000125"/>
+            <a:ext cx="2047875" cy="2809875"/>
+          </a:xfrm>
+          <a:prstGeom prst="rect">
+            <a:avLst/>
+          </a:prstGeom>
+        </p:spPr>
+        <p:style>
+          <a:lnRef idx="2">
+            <a:schemeClr val="accent1">
+              <a:shade val="50000"/>
+            </a:schemeClr>
+          </a:lnRef>
+          <a:fillRef idx="1">
+            <a:schemeClr val="accent1"/>
+          </a:fillRef>
+          <a:effectRef idx="0">
+            <a:schemeClr val="accent1"/>
+          </a:effectRef>
+          <a:fontRef idx="minor">
+            <a:schemeClr val="lt1"/>
+          </a:fontRef>
+        </p:style>
+        <p:txBody>
+          <a:bodyPr rtlCol="0" anchor="ctr"/>
+          <a:lstStyle/>
+          <a:p>
+            <a:pPr algn="ctr"/>
+            <a:endParaRPr lang="en-US"/>
+          </a:p>
+        </p:txBody>
+      </p:sp>
+      <p:sp>
+        <p:nvSpPr>
+          <p:cNvPr id="5" name="TextBox 4">
+            <a:extLst>
+              <a:ext uri="{FF2B5EF4-FFF2-40B4-BE49-F238E27FC236}">
+                <a16:creationId xmlns:a16="http://schemas.microsoft.com/office/drawing/2014/main" id="{5C27ACA7-0766-4C97-A678-18E21171B964}"/>
+              </a:ext>
+            </a:extLst>
+          </p:cNvPr>
+          <p:cNvSpPr txBox="1"/>
+          <p:nvPr/>
+        </p:nvSpPr>
+        <p:spPr>
+          <a:xfrm>
+            <a:off x="1219200" y="1095375"/>
+            <a:ext cx="981075" cy="369332"/>
+          </a:xfrm>
+          <a:prstGeom prst="rect">
+            <a:avLst/>
+          </a:prstGeom>
+          <a:noFill/>
+        </p:spPr>
+        <p:txBody>
+          <a:bodyPr wrap="square" rtlCol="0">
+            <a:spAutoFit/>
+          </a:bodyPr>
+          <a:lstStyle/>
+          <a:p>
+            <a:r>
+              <a:rPr lang="en-US" dirty="0">
+                <a:solidFill>
+                  <a:schemeClr val="bg1"/>
+                </a:solidFill>
+              </a:rPr>
+              <a:t>Node 1</a:t>
+            </a:r>
+          </a:p>
+        </p:txBody>
+      </p:sp>
+      <p:sp>
+        <p:nvSpPr>
+          <p:cNvPr id="6" name="Rectangle 5">
+            <a:extLst>
+              <a:ext uri="{FF2B5EF4-FFF2-40B4-BE49-F238E27FC236}">
+                <a16:creationId xmlns:a16="http://schemas.microsoft.com/office/drawing/2014/main" id="{EB2CDBC2-9B05-4277-BB06-E37B783FFD8E}"/>
+              </a:ext>
+            </a:extLst>
+          </p:cNvPr>
+          <p:cNvSpPr/>
+          <p:nvPr/>
+        </p:nvSpPr>
+        <p:spPr>
+          <a:xfrm>
+            <a:off x="4162425" y="1000124"/>
+            <a:ext cx="2047875" cy="2809875"/>
+          </a:xfrm>
+          <a:prstGeom prst="rect">
+            <a:avLst/>
+          </a:prstGeom>
+        </p:spPr>
+        <p:style>
+          <a:lnRef idx="2">
+            <a:schemeClr val="accent1">
+              <a:shade val="50000"/>
+            </a:schemeClr>
+          </a:lnRef>
+          <a:fillRef idx="1">
+            <a:schemeClr val="accent1"/>
+          </a:fillRef>
+          <a:effectRef idx="0">
+            <a:schemeClr val="accent1"/>
+          </a:effectRef>
+          <a:fontRef idx="minor">
+            <a:schemeClr val="lt1"/>
+          </a:fontRef>
+        </p:style>
+        <p:txBody>
+          <a:bodyPr rtlCol="0" anchor="ctr"/>
+          <a:lstStyle/>
+          <a:p>
+            <a:pPr algn="ctr"/>
+            <a:endParaRPr lang="en-US"/>
+          </a:p>
+        </p:txBody>
+      </p:sp>
+      <p:sp>
+        <p:nvSpPr>
+          <p:cNvPr id="7" name="TextBox 6">
+            <a:extLst>
+              <a:ext uri="{FF2B5EF4-FFF2-40B4-BE49-F238E27FC236}">
+                <a16:creationId xmlns:a16="http://schemas.microsoft.com/office/drawing/2014/main" id="{DF7C4345-9765-4C66-A30C-B8C3C8683B37}"/>
+              </a:ext>
+            </a:extLst>
+          </p:cNvPr>
+          <p:cNvSpPr txBox="1"/>
+          <p:nvPr/>
+        </p:nvSpPr>
+        <p:spPr>
+          <a:xfrm>
+            <a:off x="4243387" y="1095375"/>
+            <a:ext cx="981075" cy="369332"/>
+          </a:xfrm>
+          <a:prstGeom prst="rect">
+            <a:avLst/>
+          </a:prstGeom>
+          <a:noFill/>
+        </p:spPr>
+        <p:txBody>
+          <a:bodyPr wrap="square" rtlCol="0">
+            <a:spAutoFit/>
+          </a:bodyPr>
+          <a:lstStyle/>
+          <a:p>
+            <a:r>
+              <a:rPr lang="en-US" dirty="0">
+                <a:solidFill>
+                  <a:schemeClr val="bg1"/>
+                </a:solidFill>
+              </a:rPr>
+              <a:t>Node 2</a:t>
+            </a:r>
+          </a:p>
+        </p:txBody>
+      </p:sp>
+      <p:sp>
+        <p:nvSpPr>
+          <p:cNvPr id="8" name="Rectangle 7">
+            <a:extLst>
+              <a:ext uri="{FF2B5EF4-FFF2-40B4-BE49-F238E27FC236}">
+                <a16:creationId xmlns:a16="http://schemas.microsoft.com/office/drawing/2014/main" id="{2D2C302A-6C4C-40C1-9460-A37A935B8D3A}"/>
+              </a:ext>
+            </a:extLst>
+          </p:cNvPr>
+          <p:cNvSpPr/>
+          <p:nvPr/>
+        </p:nvSpPr>
+        <p:spPr>
+          <a:xfrm>
+            <a:off x="7267575" y="1000123"/>
+            <a:ext cx="2047875" cy="2809875"/>
+          </a:xfrm>
+          <a:prstGeom prst="rect">
+            <a:avLst/>
+          </a:prstGeom>
+        </p:spPr>
+        <p:style>
+          <a:lnRef idx="2">
+            <a:schemeClr val="accent1">
+              <a:shade val="50000"/>
+            </a:schemeClr>
+          </a:lnRef>
+          <a:fillRef idx="1">
+            <a:schemeClr val="accent1"/>
+          </a:fillRef>
+          <a:effectRef idx="0">
+            <a:schemeClr val="accent1"/>
+          </a:effectRef>
+          <a:fontRef idx="minor">
+            <a:schemeClr val="lt1"/>
+          </a:fontRef>
+        </p:style>
+        <p:txBody>
+          <a:bodyPr rtlCol="0" anchor="ctr"/>
+          <a:lstStyle/>
+          <a:p>
+            <a:pPr algn="ctr"/>
+            <a:endParaRPr lang="en-US"/>
+          </a:p>
+        </p:txBody>
+      </p:sp>
+      <p:sp>
+        <p:nvSpPr>
+          <p:cNvPr id="9" name="TextBox 8">
+            <a:extLst>
+              <a:ext uri="{FF2B5EF4-FFF2-40B4-BE49-F238E27FC236}">
+                <a16:creationId xmlns:a16="http://schemas.microsoft.com/office/drawing/2014/main" id="{11E65BAC-B615-4E0D-82F4-55D55BCDEA7F}"/>
+              </a:ext>
+            </a:extLst>
+          </p:cNvPr>
+          <p:cNvSpPr txBox="1"/>
+          <p:nvPr/>
+        </p:nvSpPr>
+        <p:spPr>
+          <a:xfrm>
+            <a:off x="7310437" y="1080016"/>
+            <a:ext cx="981075" cy="369332"/>
+          </a:xfrm>
+          <a:prstGeom prst="rect">
+            <a:avLst/>
+          </a:prstGeom>
+          <a:noFill/>
+        </p:spPr>
+        <p:txBody>
+          <a:bodyPr wrap="square" rtlCol="0">
+            <a:spAutoFit/>
+          </a:bodyPr>
+          <a:lstStyle/>
+          <a:p>
+            <a:r>
+              <a:rPr lang="en-US" dirty="0">
+                <a:solidFill>
+                  <a:schemeClr val="bg1"/>
+                </a:solidFill>
+              </a:rPr>
+              <a:t>Node 2</a:t>
+            </a:r>
+          </a:p>
+        </p:txBody>
+      </p:sp>
+      <p:sp>
+        <p:nvSpPr>
+          <p:cNvPr id="10" name="Rectangle 9">
+            <a:extLst>
+              <a:ext uri="{FF2B5EF4-FFF2-40B4-BE49-F238E27FC236}">
+                <a16:creationId xmlns:a16="http://schemas.microsoft.com/office/drawing/2014/main" id="{E626C86B-5C0F-4AAB-AE68-050BDEA7F589}"/>
+              </a:ext>
+            </a:extLst>
+          </p:cNvPr>
+          <p:cNvSpPr/>
+          <p:nvPr/>
+        </p:nvSpPr>
+        <p:spPr>
+          <a:xfrm>
+            <a:off x="1323975" y="1750457"/>
+            <a:ext cx="781050" cy="628650"/>
+          </a:xfrm>
+          <a:prstGeom prst="rect">
+            <a:avLst/>
+          </a:prstGeom>
+        </p:spPr>
+        <p:style>
+          <a:lnRef idx="2">
+            <a:schemeClr val="dk1">
+              <a:shade val="50000"/>
+            </a:schemeClr>
+          </a:lnRef>
+          <a:fillRef idx="1">
+            <a:schemeClr val="dk1"/>
+          </a:fillRef>
+          <a:effectRef idx="0">
+            <a:schemeClr val="dk1"/>
+          </a:effectRef>
+          <a:fontRef idx="minor">
+            <a:schemeClr val="lt1"/>
+          </a:fontRef>
+        </p:style>
+        <p:txBody>
+          <a:bodyPr rtlCol="0" anchor="ctr"/>
+          <a:lstStyle/>
+          <a:p>
+            <a:pPr algn="ctr"/>
+            <a:r>
+              <a:rPr lang="en-US" dirty="0"/>
+              <a:t>Pod A</a:t>
+            </a:r>
+          </a:p>
+        </p:txBody>
+      </p:sp>
+      <p:sp>
+        <p:nvSpPr>
+          <p:cNvPr id="11" name="Rectangle 10">
+            <a:extLst>
+              <a:ext uri="{FF2B5EF4-FFF2-40B4-BE49-F238E27FC236}">
+                <a16:creationId xmlns:a16="http://schemas.microsoft.com/office/drawing/2014/main" id="{73C517D3-586A-4BFE-B939-68780A26DD27}"/>
+              </a:ext>
+            </a:extLst>
+          </p:cNvPr>
+          <p:cNvSpPr/>
+          <p:nvPr/>
+        </p:nvSpPr>
+        <p:spPr>
+          <a:xfrm>
+            <a:off x="4405312" y="1750457"/>
+            <a:ext cx="781050" cy="628650"/>
+          </a:xfrm>
+          <a:prstGeom prst="rect">
+            <a:avLst/>
+          </a:prstGeom>
+        </p:spPr>
+        <p:style>
+          <a:lnRef idx="2">
+            <a:schemeClr val="dk1">
+              <a:shade val="50000"/>
+            </a:schemeClr>
+          </a:lnRef>
+          <a:fillRef idx="1">
+            <a:schemeClr val="dk1"/>
+          </a:fillRef>
+          <a:effectRef idx="0">
+            <a:schemeClr val="dk1"/>
+          </a:effectRef>
+          <a:fontRef idx="minor">
+            <a:schemeClr val="lt1"/>
+          </a:fontRef>
+        </p:style>
+        <p:txBody>
+          <a:bodyPr rtlCol="0" anchor="ctr"/>
+          <a:lstStyle/>
+          <a:p>
+            <a:pPr algn="ctr"/>
+            <a:r>
+              <a:rPr lang="en-US" dirty="0"/>
+              <a:t>Pod B</a:t>
+            </a:r>
+          </a:p>
+        </p:txBody>
+      </p:sp>
+      <p:sp>
+        <p:nvSpPr>
+          <p:cNvPr id="13" name="Rectangle 12">
+            <a:extLst>
+              <a:ext uri="{FF2B5EF4-FFF2-40B4-BE49-F238E27FC236}">
+                <a16:creationId xmlns:a16="http://schemas.microsoft.com/office/drawing/2014/main" id="{226C3472-BBDC-4267-B3CA-99F73BA43A25}"/>
+              </a:ext>
+            </a:extLst>
+          </p:cNvPr>
+          <p:cNvSpPr/>
+          <p:nvPr/>
+        </p:nvSpPr>
+        <p:spPr>
+          <a:xfrm>
+            <a:off x="4443412" y="2781001"/>
+            <a:ext cx="781050" cy="628650"/>
+          </a:xfrm>
+          <a:prstGeom prst="rect">
+            <a:avLst/>
+          </a:prstGeom>
+        </p:spPr>
+        <p:style>
+          <a:lnRef idx="2">
+            <a:schemeClr val="dk1">
+              <a:shade val="50000"/>
+            </a:schemeClr>
+          </a:lnRef>
+          <a:fillRef idx="1">
+            <a:schemeClr val="dk1"/>
+          </a:fillRef>
+          <a:effectRef idx="0">
+            <a:schemeClr val="dk1"/>
+          </a:effectRef>
+          <a:fontRef idx="minor">
+            <a:schemeClr val="lt1"/>
+          </a:fontRef>
+        </p:style>
+        <p:txBody>
+          <a:bodyPr rtlCol="0" anchor="ctr"/>
+          <a:lstStyle/>
+          <a:p>
+            <a:pPr algn="ctr"/>
+            <a:r>
+              <a:rPr lang="en-US" dirty="0"/>
+              <a:t>Pod A</a:t>
+            </a:r>
+          </a:p>
+        </p:txBody>
+      </p:sp>
+      <p:cxnSp>
+        <p:nvCxnSpPr>
+          <p:cNvPr id="15" name="Straight Connector 14">
+            <a:extLst>
+              <a:ext uri="{FF2B5EF4-FFF2-40B4-BE49-F238E27FC236}">
+                <a16:creationId xmlns:a16="http://schemas.microsoft.com/office/drawing/2014/main" id="{AC3DDACD-EB22-4EE9-8C01-753669AABB13}"/>
+              </a:ext>
+            </a:extLst>
+          </p:cNvPr>
+          <p:cNvCxnSpPr/>
+          <p:nvPr/>
+        </p:nvCxnSpPr>
+        <p:spPr>
+          <a:xfrm>
+            <a:off x="6667500" y="1095375"/>
+            <a:ext cx="3190875" cy="2333625"/>
+          </a:xfrm>
+          <a:prstGeom prst="line">
+            <a:avLst/>
+          </a:prstGeom>
+        </p:spPr>
+        <p:style>
+          <a:lnRef idx="1">
+            <a:schemeClr val="accent1"/>
+          </a:lnRef>
+          <a:fillRef idx="0">
+            <a:schemeClr val="accent1"/>
+          </a:fillRef>
+          <a:effectRef idx="0">
+            <a:schemeClr val="accent1"/>
+          </a:effectRef>
+          <a:fontRef idx="minor">
+            <a:schemeClr val="tx1"/>
+          </a:fontRef>
+        </p:style>
+      </p:cxnSp>
+      <p:cxnSp>
+        <p:nvCxnSpPr>
+          <p:cNvPr id="17" name="Straight Connector 16">
+            <a:extLst>
+              <a:ext uri="{FF2B5EF4-FFF2-40B4-BE49-F238E27FC236}">
+                <a16:creationId xmlns:a16="http://schemas.microsoft.com/office/drawing/2014/main" id="{73C889B4-3293-4A26-B07C-4743A39BE862}"/>
+              </a:ext>
+            </a:extLst>
+          </p:cNvPr>
+          <p:cNvCxnSpPr/>
+          <p:nvPr/>
+        </p:nvCxnSpPr>
+        <p:spPr>
+          <a:xfrm flipH="1">
+            <a:off x="6781800" y="1449348"/>
+            <a:ext cx="3171825" cy="2170152"/>
+          </a:xfrm>
+          <a:prstGeom prst="line">
+            <a:avLst/>
+          </a:prstGeom>
+        </p:spPr>
+        <p:style>
+          <a:lnRef idx="1">
+            <a:schemeClr val="accent1"/>
+          </a:lnRef>
+          <a:fillRef idx="0">
+            <a:schemeClr val="accent1"/>
+          </a:fillRef>
+          <a:effectRef idx="0">
+            <a:schemeClr val="accent1"/>
+          </a:effectRef>
+          <a:fontRef idx="minor">
+            <a:schemeClr val="tx1"/>
+          </a:fontRef>
+        </p:style>
+      </p:cxnSp>
+      <p:sp>
+        <p:nvSpPr>
+          <p:cNvPr id="18" name="Rectangle 17">
+            <a:extLst>
+              <a:ext uri="{FF2B5EF4-FFF2-40B4-BE49-F238E27FC236}">
+                <a16:creationId xmlns:a16="http://schemas.microsoft.com/office/drawing/2014/main" id="{F1D3AABA-7B12-449C-881D-9CE964932289}"/>
+              </a:ext>
+            </a:extLst>
+          </p:cNvPr>
+          <p:cNvSpPr/>
+          <p:nvPr/>
+        </p:nvSpPr>
+        <p:spPr>
+          <a:xfrm>
+            <a:off x="7398543" y="1446430"/>
+            <a:ext cx="1433513" cy="992743"/>
+          </a:xfrm>
+          <a:prstGeom prst="rect">
+            <a:avLst/>
+          </a:prstGeom>
+        </p:spPr>
+        <p:style>
+          <a:lnRef idx="2">
+            <a:schemeClr val="accent6"/>
+          </a:lnRef>
+          <a:fillRef idx="1">
+            <a:schemeClr val="lt1"/>
+          </a:fillRef>
+          <a:effectRef idx="0">
+            <a:schemeClr val="accent6"/>
+          </a:effectRef>
+          <a:fontRef idx="minor">
+            <a:schemeClr val="dk1"/>
+          </a:fontRef>
+        </p:style>
+        <p:txBody>
+          <a:bodyPr rtlCol="0" anchor="ctr"/>
+          <a:lstStyle/>
+          <a:p>
+            <a:pPr algn="ctr"/>
+            <a:endParaRPr lang="en-US"/>
+          </a:p>
+        </p:txBody>
+      </p:sp>
+      <p:sp>
+        <p:nvSpPr>
+          <p:cNvPr id="12" name="Rectangle 11">
+            <a:extLst>
+              <a:ext uri="{FF2B5EF4-FFF2-40B4-BE49-F238E27FC236}">
+                <a16:creationId xmlns:a16="http://schemas.microsoft.com/office/drawing/2014/main" id="{6A3CDB4C-2A5B-4DD2-A2F3-94B63D7BE27F}"/>
+              </a:ext>
+            </a:extLst>
+          </p:cNvPr>
+          <p:cNvSpPr/>
+          <p:nvPr/>
+        </p:nvSpPr>
+        <p:spPr>
+          <a:xfrm>
+            <a:off x="7510462" y="1686698"/>
+            <a:ext cx="781050" cy="628650"/>
+          </a:xfrm>
+          <a:prstGeom prst="rect">
+            <a:avLst/>
+          </a:prstGeom>
+        </p:spPr>
+        <p:style>
+          <a:lnRef idx="2">
+            <a:schemeClr val="dk1">
+              <a:shade val="50000"/>
+            </a:schemeClr>
+          </a:lnRef>
+          <a:fillRef idx="1">
+            <a:schemeClr val="dk1"/>
+          </a:fillRef>
+          <a:effectRef idx="0">
+            <a:schemeClr val="dk1"/>
+          </a:effectRef>
+          <a:fontRef idx="minor">
+            <a:schemeClr val="lt1"/>
+          </a:fontRef>
+        </p:style>
+        <p:txBody>
+          <a:bodyPr rtlCol="0" anchor="ctr"/>
+          <a:lstStyle/>
+          <a:p>
+            <a:pPr algn="ctr"/>
+            <a:r>
+              <a:rPr lang="en-US" dirty="0"/>
+              <a:t>Pod C</a:t>
+            </a:r>
+          </a:p>
+        </p:txBody>
+      </p:sp>
+      <p:sp>
+        <p:nvSpPr>
+          <p:cNvPr id="19" name="TextBox 18">
+            <a:extLst>
+              <a:ext uri="{FF2B5EF4-FFF2-40B4-BE49-F238E27FC236}">
+                <a16:creationId xmlns:a16="http://schemas.microsoft.com/office/drawing/2014/main" id="{165019B1-1277-4047-B9C9-BFD29C1F3E5C}"/>
+              </a:ext>
+            </a:extLst>
+          </p:cNvPr>
+          <p:cNvSpPr txBox="1"/>
+          <p:nvPr/>
+        </p:nvSpPr>
+        <p:spPr>
+          <a:xfrm>
+            <a:off x="8434387" y="1437678"/>
+            <a:ext cx="457200" cy="369332"/>
+          </a:xfrm>
+          <a:prstGeom prst="rect">
+            <a:avLst/>
+          </a:prstGeom>
+          <a:noFill/>
+        </p:spPr>
+        <p:txBody>
+          <a:bodyPr wrap="square" rtlCol="0">
+            <a:spAutoFit/>
+          </a:bodyPr>
+          <a:lstStyle/>
+          <a:p>
+            <a:r>
+              <a:rPr lang="en-US" dirty="0"/>
+              <a:t>RS</a:t>
+            </a:r>
+          </a:p>
+        </p:txBody>
+      </p:sp>
+      <p:sp>
+        <p:nvSpPr>
+          <p:cNvPr id="20" name="Rectangle 19">
+            <a:extLst>
+              <a:ext uri="{FF2B5EF4-FFF2-40B4-BE49-F238E27FC236}">
+                <a16:creationId xmlns:a16="http://schemas.microsoft.com/office/drawing/2014/main" id="{8E370D3F-97B8-40D7-A16A-9B29680F9227}"/>
+              </a:ext>
+            </a:extLst>
+          </p:cNvPr>
+          <p:cNvSpPr/>
+          <p:nvPr/>
+        </p:nvSpPr>
+        <p:spPr>
+          <a:xfrm>
+            <a:off x="1219200" y="2598182"/>
+            <a:ext cx="1433513" cy="992743"/>
+          </a:xfrm>
+          <a:prstGeom prst="rect">
+            <a:avLst/>
+          </a:prstGeom>
+        </p:spPr>
+        <p:style>
+          <a:lnRef idx="2">
+            <a:schemeClr val="accent6"/>
+          </a:lnRef>
+          <a:fillRef idx="1">
+            <a:schemeClr val="lt1"/>
+          </a:fillRef>
+          <a:effectRef idx="0">
+            <a:schemeClr val="accent6"/>
+          </a:effectRef>
+          <a:fontRef idx="minor">
+            <a:schemeClr val="dk1"/>
+          </a:fontRef>
+        </p:style>
+        <p:txBody>
+          <a:bodyPr rtlCol="0" anchor="ctr"/>
+          <a:lstStyle/>
+          <a:p>
+            <a:pPr algn="ctr"/>
+            <a:endParaRPr lang="en-US"/>
+          </a:p>
+        </p:txBody>
+      </p:sp>
+      <p:sp>
+        <p:nvSpPr>
+          <p:cNvPr id="21" name="Rectangle 20">
+            <a:extLst>
+              <a:ext uri="{FF2B5EF4-FFF2-40B4-BE49-F238E27FC236}">
+                <a16:creationId xmlns:a16="http://schemas.microsoft.com/office/drawing/2014/main" id="{8730983E-1ABF-4F42-9053-2BEBC5767309}"/>
+              </a:ext>
+            </a:extLst>
+          </p:cNvPr>
+          <p:cNvSpPr/>
+          <p:nvPr/>
+        </p:nvSpPr>
+        <p:spPr>
+          <a:xfrm>
+            <a:off x="1331119" y="2838450"/>
+            <a:ext cx="781050" cy="628650"/>
+          </a:xfrm>
+          <a:prstGeom prst="rect">
+            <a:avLst/>
+          </a:prstGeom>
+        </p:spPr>
+        <p:style>
+          <a:lnRef idx="2">
+            <a:schemeClr val="dk1">
+              <a:shade val="50000"/>
+            </a:schemeClr>
+          </a:lnRef>
+          <a:fillRef idx="1">
+            <a:schemeClr val="dk1"/>
+          </a:fillRef>
+          <a:effectRef idx="0">
+            <a:schemeClr val="dk1"/>
+          </a:effectRef>
+          <a:fontRef idx="minor">
+            <a:schemeClr val="lt1"/>
+          </a:fontRef>
+        </p:style>
+        <p:txBody>
+          <a:bodyPr rtlCol="0" anchor="ctr"/>
+          <a:lstStyle/>
+          <a:p>
+            <a:pPr algn="ctr"/>
+            <a:r>
+              <a:rPr lang="en-US" dirty="0"/>
+              <a:t>Pod C</a:t>
+            </a:r>
+          </a:p>
+        </p:txBody>
+      </p:sp>
+      <p:sp>
+        <p:nvSpPr>
+          <p:cNvPr id="22" name="TextBox 21">
+            <a:extLst>
+              <a:ext uri="{FF2B5EF4-FFF2-40B4-BE49-F238E27FC236}">
+                <a16:creationId xmlns:a16="http://schemas.microsoft.com/office/drawing/2014/main" id="{49C1B39E-A9D5-45A1-8CB4-E00869771F45}"/>
+              </a:ext>
+            </a:extLst>
+          </p:cNvPr>
+          <p:cNvSpPr txBox="1"/>
+          <p:nvPr/>
+        </p:nvSpPr>
+        <p:spPr>
+          <a:xfrm>
+            <a:off x="2237185" y="2592347"/>
+            <a:ext cx="457200" cy="369332"/>
+          </a:xfrm>
+          <a:prstGeom prst="rect">
+            <a:avLst/>
+          </a:prstGeom>
+          <a:noFill/>
+        </p:spPr>
+        <p:txBody>
+          <a:bodyPr wrap="square" rtlCol="0">
+            <a:spAutoFit/>
+          </a:bodyPr>
+          <a:lstStyle/>
+          <a:p>
+            <a:r>
+              <a:rPr lang="en-US" dirty="0"/>
+              <a:t>RS</a:t>
+            </a:r>
+          </a:p>
+        </p:txBody>
+      </p:sp>
+    </p:spTree>
+    <p:extLst>
+      <p:ext uri="{BB962C8B-B14F-4D97-AF65-F5344CB8AC3E}">
+        <p14:creationId xmlns:p14="http://schemas.microsoft.com/office/powerpoint/2010/main" val="2499219393"/>
+      </p:ext>
+    </p:extLst>
+  </p:cSld>
+  <p:clrMapOvr>
+    <a:masterClrMapping/>
+  </p:clrMapOvr>
+</p:sld>
+</file>
+
+<file path=ppt/slides/slide35.xml><?xml version="1.0" encoding="utf-8"?>
+<p:sld xmlns:a="http://schemas.openxmlformats.org/drawingml/2006/main" xmlns:r="http://schemas.openxmlformats.org/officeDocument/2006/relationships" xmlns:p="http://schemas.openxmlformats.org/presentationml/2006/main">
+  <p:cSld>
+    <p:spTree>
+      <p:nvGrpSpPr>
+        <p:cNvPr id="1" name=""/>
+        <p:cNvGrpSpPr/>
+        <p:nvPr/>
+      </p:nvGrpSpPr>
+      <p:grpSpPr>
+        <a:xfrm>
+          <a:off x="0" y="0"/>
+          <a:ext cx="0" cy="0"/>
+          <a:chOff x="0" y="0"/>
+          <a:chExt cx="0" cy="0"/>
+        </a:xfrm>
+      </p:grpSpPr>
+      <p:sp>
+        <p:nvSpPr>
+          <p:cNvPr id="4" name="Rectangle 3">
+            <a:extLst>
+              <a:ext uri="{FF2B5EF4-FFF2-40B4-BE49-F238E27FC236}">
+                <a16:creationId xmlns:a16="http://schemas.microsoft.com/office/drawing/2014/main" id="{05429C70-6A83-484C-ABDC-735F5BCFCA38}"/>
+              </a:ext>
+            </a:extLst>
+          </p:cNvPr>
+          <p:cNvSpPr/>
+          <p:nvPr/>
+        </p:nvSpPr>
+        <p:spPr>
+          <a:xfrm>
+            <a:off x="2324101" y="2657475"/>
+            <a:ext cx="1790700" cy="876300"/>
+          </a:xfrm>
+          <a:prstGeom prst="rect">
+            <a:avLst/>
+          </a:prstGeom>
+        </p:spPr>
+        <p:style>
+          <a:lnRef idx="2">
+            <a:schemeClr val="accent1">
+              <a:shade val="50000"/>
+            </a:schemeClr>
+          </a:lnRef>
+          <a:fillRef idx="1">
+            <a:schemeClr val="accent1"/>
+          </a:fillRef>
+          <a:effectRef idx="0">
+            <a:schemeClr val="accent1"/>
+          </a:effectRef>
+          <a:fontRef idx="minor">
+            <a:schemeClr val="lt1"/>
+          </a:fontRef>
+        </p:style>
+        <p:txBody>
+          <a:bodyPr rtlCol="0" anchor="ctr"/>
+          <a:lstStyle/>
+          <a:p>
+            <a:pPr algn="ctr"/>
+            <a:r>
+              <a:rPr lang="en-US" dirty="0"/>
+              <a:t>Pod</a:t>
+            </a:r>
+          </a:p>
+          <a:p>
+            <a:pPr algn="ctr"/>
+            <a:r>
+              <a:rPr lang="en-US" dirty="0"/>
+              <a:t>C – V1</a:t>
+            </a:r>
+          </a:p>
+        </p:txBody>
+      </p:sp>
+      <p:sp>
+        <p:nvSpPr>
+          <p:cNvPr id="6" name="Rectangle 5">
+            <a:extLst>
+              <a:ext uri="{FF2B5EF4-FFF2-40B4-BE49-F238E27FC236}">
+                <a16:creationId xmlns:a16="http://schemas.microsoft.com/office/drawing/2014/main" id="{76DBD141-CDD5-4C53-B677-3FACADF8D2D3}"/>
+              </a:ext>
+            </a:extLst>
+          </p:cNvPr>
+          <p:cNvSpPr/>
+          <p:nvPr/>
+        </p:nvSpPr>
+        <p:spPr>
+          <a:xfrm>
+            <a:off x="4581526" y="2657475"/>
+            <a:ext cx="1790700" cy="876300"/>
+          </a:xfrm>
+          <a:prstGeom prst="rect">
+            <a:avLst/>
+          </a:prstGeom>
+        </p:spPr>
+        <p:style>
+          <a:lnRef idx="2">
+            <a:schemeClr val="accent1">
+              <a:shade val="50000"/>
+            </a:schemeClr>
+          </a:lnRef>
+          <a:fillRef idx="1">
+            <a:schemeClr val="accent1"/>
+          </a:fillRef>
+          <a:effectRef idx="0">
+            <a:schemeClr val="accent1"/>
+          </a:effectRef>
+          <a:fontRef idx="minor">
+            <a:schemeClr val="lt1"/>
+          </a:fontRef>
+        </p:style>
+        <p:txBody>
+          <a:bodyPr rtlCol="0" anchor="ctr"/>
+          <a:lstStyle/>
+          <a:p>
+            <a:pPr algn="ctr"/>
+            <a:r>
+              <a:rPr lang="en-US" dirty="0"/>
+              <a:t>Pod</a:t>
+            </a:r>
+          </a:p>
+          <a:p>
+            <a:pPr algn="ctr"/>
+            <a:r>
+              <a:rPr lang="en-US" dirty="0"/>
+              <a:t>C – V1</a:t>
+            </a:r>
+          </a:p>
+        </p:txBody>
+      </p:sp>
+      <p:sp>
+        <p:nvSpPr>
+          <p:cNvPr id="7" name="Rectangle 6">
+            <a:extLst>
+              <a:ext uri="{FF2B5EF4-FFF2-40B4-BE49-F238E27FC236}">
+                <a16:creationId xmlns:a16="http://schemas.microsoft.com/office/drawing/2014/main" id="{69F00314-3605-42C1-939B-CDC746415A6A}"/>
+              </a:ext>
+            </a:extLst>
+          </p:cNvPr>
+          <p:cNvSpPr/>
+          <p:nvPr/>
+        </p:nvSpPr>
+        <p:spPr>
+          <a:xfrm>
+            <a:off x="6838951" y="2657475"/>
+            <a:ext cx="1790700" cy="876300"/>
+          </a:xfrm>
+          <a:prstGeom prst="rect">
+            <a:avLst/>
+          </a:prstGeom>
+        </p:spPr>
+        <p:style>
+          <a:lnRef idx="2">
+            <a:schemeClr val="accent1">
+              <a:shade val="50000"/>
+            </a:schemeClr>
+          </a:lnRef>
+          <a:fillRef idx="1">
+            <a:schemeClr val="accent1"/>
+          </a:fillRef>
+          <a:effectRef idx="0">
+            <a:schemeClr val="accent1"/>
+          </a:effectRef>
+          <a:fontRef idx="minor">
+            <a:schemeClr val="lt1"/>
+          </a:fontRef>
+        </p:style>
+        <p:txBody>
+          <a:bodyPr rtlCol="0" anchor="ctr"/>
+          <a:lstStyle/>
+          <a:p>
+            <a:pPr algn="ctr"/>
+            <a:r>
+              <a:rPr lang="en-US" dirty="0"/>
+              <a:t>Pod</a:t>
+            </a:r>
+          </a:p>
+          <a:p>
+            <a:pPr algn="ctr"/>
+            <a:r>
+              <a:rPr lang="en-US" dirty="0"/>
+              <a:t>C- V1</a:t>
+            </a:r>
+          </a:p>
+        </p:txBody>
+      </p:sp>
+      <p:sp>
+        <p:nvSpPr>
+          <p:cNvPr id="8" name="Oval 7">
+            <a:extLst>
+              <a:ext uri="{FF2B5EF4-FFF2-40B4-BE49-F238E27FC236}">
+                <a16:creationId xmlns:a16="http://schemas.microsoft.com/office/drawing/2014/main" id="{8E15FA5D-EFDC-42B0-BEFD-DC0CA191C8EB}"/>
+              </a:ext>
+            </a:extLst>
+          </p:cNvPr>
+          <p:cNvSpPr/>
+          <p:nvPr/>
+        </p:nvSpPr>
+        <p:spPr>
+          <a:xfrm>
+            <a:off x="4314825" y="352425"/>
+            <a:ext cx="2152650" cy="876300"/>
+          </a:xfrm>
+          <a:prstGeom prst="ellipse">
+            <a:avLst/>
+          </a:prstGeom>
+        </p:spPr>
+        <p:style>
+          <a:lnRef idx="2">
+            <a:schemeClr val="accent1">
+              <a:shade val="50000"/>
+            </a:schemeClr>
+          </a:lnRef>
+          <a:fillRef idx="1">
+            <a:schemeClr val="accent1"/>
+          </a:fillRef>
+          <a:effectRef idx="0">
+            <a:schemeClr val="accent1"/>
+          </a:effectRef>
+          <a:fontRef idx="minor">
+            <a:schemeClr val="lt1"/>
+          </a:fontRef>
+        </p:style>
+        <p:txBody>
+          <a:bodyPr rtlCol="0" anchor="ctr"/>
+          <a:lstStyle/>
+          <a:p>
+            <a:pPr algn="ctr"/>
+            <a:r>
+              <a:rPr lang="en-US" dirty="0"/>
+              <a:t>Service</a:t>
+            </a:r>
+          </a:p>
+        </p:txBody>
+      </p:sp>
+      <p:sp>
+        <p:nvSpPr>
+          <p:cNvPr id="9" name="Rectangle 8">
+            <a:extLst>
+              <a:ext uri="{FF2B5EF4-FFF2-40B4-BE49-F238E27FC236}">
+                <a16:creationId xmlns:a16="http://schemas.microsoft.com/office/drawing/2014/main" id="{E2765704-4D84-49A4-840C-98CC949A6AC3}"/>
+              </a:ext>
+            </a:extLst>
+          </p:cNvPr>
+          <p:cNvSpPr/>
+          <p:nvPr/>
+        </p:nvSpPr>
+        <p:spPr>
+          <a:xfrm>
+            <a:off x="485775" y="390525"/>
+            <a:ext cx="828675" cy="733425"/>
+          </a:xfrm>
+          <a:prstGeom prst="rect">
+            <a:avLst/>
+          </a:prstGeom>
+        </p:spPr>
+        <p:style>
+          <a:lnRef idx="2">
+            <a:schemeClr val="accent6"/>
+          </a:lnRef>
+          <a:fillRef idx="1">
+            <a:schemeClr val="lt1"/>
+          </a:fillRef>
+          <a:effectRef idx="0">
+            <a:schemeClr val="accent6"/>
+          </a:effectRef>
+          <a:fontRef idx="minor">
+            <a:schemeClr val="dk1"/>
+          </a:fontRef>
+        </p:style>
+        <p:txBody>
+          <a:bodyPr rtlCol="0" anchor="ctr"/>
+          <a:lstStyle/>
+          <a:p>
+            <a:pPr algn="ctr"/>
+            <a:r>
+              <a:rPr lang="en-US" dirty="0"/>
+              <a:t>Client</a:t>
+            </a:r>
+          </a:p>
+        </p:txBody>
+      </p:sp>
+      <p:cxnSp>
+        <p:nvCxnSpPr>
+          <p:cNvPr id="11" name="Straight Arrow Connector 10">
+            <a:extLst>
+              <a:ext uri="{FF2B5EF4-FFF2-40B4-BE49-F238E27FC236}">
+                <a16:creationId xmlns:a16="http://schemas.microsoft.com/office/drawing/2014/main" id="{5C3256BA-07D8-44E5-BBBF-071FE30DC498}"/>
+              </a:ext>
+            </a:extLst>
+          </p:cNvPr>
+          <p:cNvCxnSpPr>
+            <a:stCxn id="9" idx="3"/>
+            <a:endCxn id="8" idx="2"/>
+          </p:cNvCxnSpPr>
+          <p:nvPr/>
+        </p:nvCxnSpPr>
+        <p:spPr>
+          <a:xfrm>
+            <a:off x="1314450" y="757238"/>
+            <a:ext cx="3000375" cy="33337"/>
+          </a:xfrm>
+          <a:prstGeom prst="straightConnector1">
+            <a:avLst/>
+          </a:prstGeom>
+          <a:ln>
+            <a:tailEnd type="triangle"/>
+          </a:ln>
+        </p:spPr>
+        <p:style>
+          <a:lnRef idx="1">
+            <a:schemeClr val="accent1"/>
+          </a:lnRef>
+          <a:fillRef idx="0">
+            <a:schemeClr val="accent1"/>
+          </a:fillRef>
+          <a:effectRef idx="0">
+            <a:schemeClr val="accent1"/>
+          </a:effectRef>
+          <a:fontRef idx="minor">
+            <a:schemeClr val="tx1"/>
+          </a:fontRef>
+        </p:style>
+      </p:cxnSp>
+      <p:cxnSp>
+        <p:nvCxnSpPr>
+          <p:cNvPr id="13" name="Straight Connector 12">
+            <a:extLst>
+              <a:ext uri="{FF2B5EF4-FFF2-40B4-BE49-F238E27FC236}">
+                <a16:creationId xmlns:a16="http://schemas.microsoft.com/office/drawing/2014/main" id="{90D29765-A62E-40CF-8583-334D6DD4E05D}"/>
+              </a:ext>
+            </a:extLst>
+          </p:cNvPr>
+          <p:cNvCxnSpPr>
+            <a:stCxn id="8" idx="4"/>
+          </p:cNvCxnSpPr>
+          <p:nvPr/>
+        </p:nvCxnSpPr>
+        <p:spPr>
+          <a:xfrm>
+            <a:off x="5391150" y="1228725"/>
+            <a:ext cx="0" cy="514350"/>
+          </a:xfrm>
+          <a:prstGeom prst="line">
+            <a:avLst/>
+          </a:prstGeom>
+        </p:spPr>
+        <p:style>
+          <a:lnRef idx="1">
+            <a:schemeClr val="accent1"/>
+          </a:lnRef>
+          <a:fillRef idx="0">
+            <a:schemeClr val="accent1"/>
+          </a:fillRef>
+          <a:effectRef idx="0">
+            <a:schemeClr val="accent1"/>
+          </a:effectRef>
+          <a:fontRef idx="minor">
+            <a:schemeClr val="tx1"/>
+          </a:fontRef>
+        </p:style>
+      </p:cxnSp>
+      <p:cxnSp>
+        <p:nvCxnSpPr>
+          <p:cNvPr id="15" name="Straight Connector 14">
+            <a:extLst>
+              <a:ext uri="{FF2B5EF4-FFF2-40B4-BE49-F238E27FC236}">
+                <a16:creationId xmlns:a16="http://schemas.microsoft.com/office/drawing/2014/main" id="{CB1F02F8-6D10-4AE7-BD8C-DE5B87EB0FA1}"/>
+              </a:ext>
+            </a:extLst>
+          </p:cNvPr>
+          <p:cNvCxnSpPr>
+            <a:cxnSpLocks/>
+          </p:cNvCxnSpPr>
+          <p:nvPr/>
+        </p:nvCxnSpPr>
+        <p:spPr>
+          <a:xfrm>
+            <a:off x="2676525" y="1800225"/>
+            <a:ext cx="5276850" cy="0"/>
+          </a:xfrm>
+          <a:prstGeom prst="line">
+            <a:avLst/>
+          </a:prstGeom>
+        </p:spPr>
+        <p:style>
+          <a:lnRef idx="1">
+            <a:schemeClr val="accent1"/>
+          </a:lnRef>
+          <a:fillRef idx="0">
+            <a:schemeClr val="accent1"/>
+          </a:fillRef>
+          <a:effectRef idx="0">
+            <a:schemeClr val="accent1"/>
+          </a:effectRef>
+          <a:fontRef idx="minor">
+            <a:schemeClr val="tx1"/>
+          </a:fontRef>
+        </p:style>
+      </p:cxnSp>
+      <p:cxnSp>
+        <p:nvCxnSpPr>
+          <p:cNvPr id="18" name="Straight Arrow Connector 17">
+            <a:extLst>
+              <a:ext uri="{FF2B5EF4-FFF2-40B4-BE49-F238E27FC236}">
+                <a16:creationId xmlns:a16="http://schemas.microsoft.com/office/drawing/2014/main" id="{DDAD9FD3-4223-484A-9C61-771D5DA8FFF8}"/>
+              </a:ext>
+            </a:extLst>
+          </p:cNvPr>
+          <p:cNvCxnSpPr/>
+          <p:nvPr/>
+        </p:nvCxnSpPr>
+        <p:spPr>
+          <a:xfrm>
+            <a:off x="2686050" y="1838325"/>
+            <a:ext cx="0" cy="819150"/>
+          </a:xfrm>
+          <a:prstGeom prst="straightConnector1">
+            <a:avLst/>
+          </a:prstGeom>
+          <a:ln>
+            <a:tailEnd type="triangle"/>
+          </a:ln>
+        </p:spPr>
+        <p:style>
+          <a:lnRef idx="1">
+            <a:schemeClr val="accent1"/>
+          </a:lnRef>
+          <a:fillRef idx="0">
+            <a:schemeClr val="accent1"/>
+          </a:fillRef>
+          <a:effectRef idx="0">
+            <a:schemeClr val="accent1"/>
+          </a:effectRef>
+          <a:fontRef idx="minor">
+            <a:schemeClr val="tx1"/>
+          </a:fontRef>
+        </p:style>
+      </p:cxnSp>
+      <p:cxnSp>
+        <p:nvCxnSpPr>
+          <p:cNvPr id="20" name="Straight Arrow Connector 19">
+            <a:extLst>
+              <a:ext uri="{FF2B5EF4-FFF2-40B4-BE49-F238E27FC236}">
+                <a16:creationId xmlns:a16="http://schemas.microsoft.com/office/drawing/2014/main" id="{AF7302EE-AB47-40F9-B49D-31E4AEBC8630}"/>
+              </a:ext>
+            </a:extLst>
+          </p:cNvPr>
+          <p:cNvCxnSpPr/>
+          <p:nvPr/>
+        </p:nvCxnSpPr>
+        <p:spPr>
+          <a:xfrm>
+            <a:off x="5572125" y="1800225"/>
+            <a:ext cx="0" cy="781050"/>
+          </a:xfrm>
+          <a:prstGeom prst="straightConnector1">
+            <a:avLst/>
+          </a:prstGeom>
+          <a:ln>
+            <a:tailEnd type="triangle"/>
+          </a:ln>
+        </p:spPr>
+        <p:style>
+          <a:lnRef idx="1">
+            <a:schemeClr val="accent1"/>
+          </a:lnRef>
+          <a:fillRef idx="0">
+            <a:schemeClr val="accent1"/>
+          </a:fillRef>
+          <a:effectRef idx="0">
+            <a:schemeClr val="accent1"/>
+          </a:effectRef>
+          <a:fontRef idx="minor">
+            <a:schemeClr val="tx1"/>
+          </a:fontRef>
+        </p:style>
+      </p:cxnSp>
+      <p:cxnSp>
+        <p:nvCxnSpPr>
+          <p:cNvPr id="22" name="Straight Arrow Connector 21">
+            <a:extLst>
+              <a:ext uri="{FF2B5EF4-FFF2-40B4-BE49-F238E27FC236}">
+                <a16:creationId xmlns:a16="http://schemas.microsoft.com/office/drawing/2014/main" id="{01FEF34B-43BB-43C1-BA6A-9159C9740EC7}"/>
+              </a:ext>
+            </a:extLst>
+          </p:cNvPr>
+          <p:cNvCxnSpPr/>
+          <p:nvPr/>
+        </p:nvCxnSpPr>
+        <p:spPr>
+          <a:xfrm>
+            <a:off x="7953375" y="1838325"/>
+            <a:ext cx="0" cy="819150"/>
+          </a:xfrm>
+          <a:prstGeom prst="straightConnector1">
+            <a:avLst/>
+          </a:prstGeom>
+          <a:ln>
+            <a:tailEnd type="triangle"/>
+          </a:ln>
+        </p:spPr>
+        <p:style>
+          <a:lnRef idx="1">
+            <a:schemeClr val="accent1"/>
+          </a:lnRef>
+          <a:fillRef idx="0">
+            <a:schemeClr val="accent1"/>
+          </a:fillRef>
+          <a:effectRef idx="0">
+            <a:schemeClr val="accent1"/>
+          </a:effectRef>
+          <a:fontRef idx="minor">
+            <a:schemeClr val="tx1"/>
+          </a:fontRef>
+        </p:style>
+      </p:cxnSp>
+      <p:sp>
+        <p:nvSpPr>
+          <p:cNvPr id="23" name="Rectangle 22">
+            <a:extLst>
+              <a:ext uri="{FF2B5EF4-FFF2-40B4-BE49-F238E27FC236}">
+                <a16:creationId xmlns:a16="http://schemas.microsoft.com/office/drawing/2014/main" id="{396FD0A7-CD29-4EF9-BC4F-5772171D38F4}"/>
+              </a:ext>
+            </a:extLst>
+          </p:cNvPr>
+          <p:cNvSpPr/>
+          <p:nvPr/>
+        </p:nvSpPr>
+        <p:spPr>
+          <a:xfrm>
+            <a:off x="3281363" y="4391024"/>
+            <a:ext cx="4391025" cy="876296"/>
+          </a:xfrm>
+          <a:prstGeom prst="rect">
+            <a:avLst/>
+          </a:prstGeom>
+        </p:spPr>
+        <p:style>
+          <a:lnRef idx="2">
+            <a:schemeClr val="accent1">
+              <a:shade val="50000"/>
+            </a:schemeClr>
+          </a:lnRef>
+          <a:fillRef idx="1">
+            <a:schemeClr val="accent1"/>
+          </a:fillRef>
+          <a:effectRef idx="0">
+            <a:schemeClr val="accent1"/>
+          </a:effectRef>
+          <a:fontRef idx="minor">
+            <a:schemeClr val="lt1"/>
+          </a:fontRef>
+        </p:style>
+        <p:txBody>
+          <a:bodyPr rtlCol="0" anchor="ctr"/>
+          <a:lstStyle/>
+          <a:p>
+            <a:pPr algn="ctr"/>
+            <a:r>
+              <a:rPr lang="en-US" dirty="0"/>
+              <a:t>Replica Set</a:t>
+            </a:r>
+          </a:p>
+          <a:p>
+            <a:pPr algn="ctr"/>
+            <a:r>
+              <a:rPr lang="en-US" dirty="0"/>
+              <a:t>C – V2</a:t>
+            </a:r>
+          </a:p>
+        </p:txBody>
+      </p:sp>
+      <p:cxnSp>
+        <p:nvCxnSpPr>
+          <p:cNvPr id="27" name="Straight Arrow Connector 26">
+            <a:extLst>
+              <a:ext uri="{FF2B5EF4-FFF2-40B4-BE49-F238E27FC236}">
+                <a16:creationId xmlns:a16="http://schemas.microsoft.com/office/drawing/2014/main" id="{58B41144-B6CF-4BA1-8726-A2ABF01BEF66}"/>
+              </a:ext>
+            </a:extLst>
+          </p:cNvPr>
+          <p:cNvCxnSpPr>
+            <a:stCxn id="23" idx="0"/>
+            <a:endCxn id="6" idx="2"/>
+          </p:cNvCxnSpPr>
+          <p:nvPr/>
+        </p:nvCxnSpPr>
+        <p:spPr>
+          <a:xfrm flipV="1">
+            <a:off x="5476876" y="3533775"/>
+            <a:ext cx="0" cy="857249"/>
+          </a:xfrm>
+          <a:prstGeom prst="straightConnector1">
+            <a:avLst/>
+          </a:prstGeom>
+          <a:ln>
+            <a:prstDash val="dash"/>
+            <a:tailEnd type="triangle"/>
+          </a:ln>
+        </p:spPr>
+        <p:style>
+          <a:lnRef idx="1">
+            <a:schemeClr val="accent1"/>
+          </a:lnRef>
+          <a:fillRef idx="0">
+            <a:schemeClr val="accent1"/>
+          </a:fillRef>
+          <a:effectRef idx="0">
+            <a:schemeClr val="accent1"/>
+          </a:effectRef>
+          <a:fontRef idx="minor">
+            <a:schemeClr val="tx1"/>
+          </a:fontRef>
+        </p:style>
+      </p:cxnSp>
+      <p:cxnSp>
+        <p:nvCxnSpPr>
+          <p:cNvPr id="30" name="Straight Arrow Connector 29">
+            <a:extLst>
+              <a:ext uri="{FF2B5EF4-FFF2-40B4-BE49-F238E27FC236}">
+                <a16:creationId xmlns:a16="http://schemas.microsoft.com/office/drawing/2014/main" id="{7ECBB483-9EA2-4C8C-BBAE-96CC6988CE41}"/>
+              </a:ext>
+            </a:extLst>
+          </p:cNvPr>
+          <p:cNvCxnSpPr>
+            <a:stCxn id="23" idx="0"/>
+            <a:endCxn id="4" idx="2"/>
+          </p:cNvCxnSpPr>
+          <p:nvPr/>
+        </p:nvCxnSpPr>
+        <p:spPr>
+          <a:xfrm flipH="1" flipV="1">
+            <a:off x="3219451" y="3533775"/>
+            <a:ext cx="2257425" cy="857249"/>
+          </a:xfrm>
+          <a:prstGeom prst="straightConnector1">
+            <a:avLst/>
+          </a:prstGeom>
+          <a:ln>
+            <a:prstDash val="lgDash"/>
+            <a:tailEnd type="triangle"/>
+          </a:ln>
+        </p:spPr>
+        <p:style>
+          <a:lnRef idx="1">
+            <a:schemeClr val="accent1"/>
+          </a:lnRef>
+          <a:fillRef idx="0">
+            <a:schemeClr val="accent1"/>
+          </a:fillRef>
+          <a:effectRef idx="0">
+            <a:schemeClr val="accent1"/>
+          </a:effectRef>
+          <a:fontRef idx="minor">
+            <a:schemeClr val="tx1"/>
+          </a:fontRef>
+        </p:style>
+      </p:cxnSp>
+      <p:cxnSp>
+        <p:nvCxnSpPr>
+          <p:cNvPr id="32" name="Straight Arrow Connector 31">
+            <a:extLst>
+              <a:ext uri="{FF2B5EF4-FFF2-40B4-BE49-F238E27FC236}">
+                <a16:creationId xmlns:a16="http://schemas.microsoft.com/office/drawing/2014/main" id="{73B47A92-C372-44D1-84DF-A6D10221B979}"/>
+              </a:ext>
+            </a:extLst>
+          </p:cNvPr>
+          <p:cNvCxnSpPr>
+            <a:stCxn id="23" idx="0"/>
+          </p:cNvCxnSpPr>
+          <p:nvPr/>
+        </p:nvCxnSpPr>
+        <p:spPr>
+          <a:xfrm flipV="1">
+            <a:off x="5476876" y="3609975"/>
+            <a:ext cx="2362199" cy="781049"/>
+          </a:xfrm>
+          <a:prstGeom prst="straightConnector1">
+            <a:avLst/>
+          </a:prstGeom>
+          <a:ln>
+            <a:prstDash val="dash"/>
+            <a:tailEnd type="triangle"/>
+          </a:ln>
+        </p:spPr>
+        <p:style>
+          <a:lnRef idx="1">
+            <a:schemeClr val="accent1"/>
+          </a:lnRef>
+          <a:fillRef idx="0">
+            <a:schemeClr val="accent1"/>
+          </a:fillRef>
+          <a:effectRef idx="0">
+            <a:schemeClr val="accent1"/>
+          </a:effectRef>
+          <a:fontRef idx="minor">
+            <a:schemeClr val="tx1"/>
+          </a:fontRef>
+        </p:style>
+      </p:cxnSp>
+      <p:sp>
+        <p:nvSpPr>
+          <p:cNvPr id="33" name="TextBox 32">
+            <a:extLst>
+              <a:ext uri="{FF2B5EF4-FFF2-40B4-BE49-F238E27FC236}">
+                <a16:creationId xmlns:a16="http://schemas.microsoft.com/office/drawing/2014/main" id="{80436DB8-803D-4635-B19E-9F9F175B233D}"/>
+              </a:ext>
+            </a:extLst>
+          </p:cNvPr>
+          <p:cNvSpPr txBox="1"/>
+          <p:nvPr/>
+        </p:nvSpPr>
+        <p:spPr>
+          <a:xfrm>
+            <a:off x="1428749" y="403265"/>
+            <a:ext cx="2771776" cy="369332"/>
+          </a:xfrm>
+          <a:prstGeom prst="rect">
+            <a:avLst/>
+          </a:prstGeom>
+          <a:noFill/>
+        </p:spPr>
+        <p:txBody>
+          <a:bodyPr wrap="square" rtlCol="0">
+            <a:spAutoFit/>
+          </a:bodyPr>
+          <a:lstStyle/>
+          <a:p>
+            <a:r>
+              <a:rPr lang="en-US" dirty="0"/>
+              <a:t>https://hostname/directory</a:t>
+            </a:r>
+          </a:p>
+        </p:txBody>
+      </p:sp>
+    </p:spTree>
+    <p:extLst>
+      <p:ext uri="{BB962C8B-B14F-4D97-AF65-F5344CB8AC3E}">
+        <p14:creationId xmlns:p14="http://schemas.microsoft.com/office/powerpoint/2010/main" val="1856135497"/>
+      </p:ext>
+    </p:extLst>
+  </p:cSld>
+  <p:clrMapOvr>
+    <a:masterClrMapping/>
+  </p:clrMapOvr>
+</p:sld>
+</file>
+
+<file path=ppt/slides/slide36.xml><?xml version="1.0" encoding="utf-8"?>
+<p:sld xmlns:a="http://schemas.openxmlformats.org/drawingml/2006/main" xmlns:r="http://schemas.openxmlformats.org/officeDocument/2006/relationships" xmlns:p="http://schemas.openxmlformats.org/presentationml/2006/main">
+  <p:cSld>
+    <p:spTree>
+      <p:nvGrpSpPr>
+        <p:cNvPr id="1" name=""/>
+        <p:cNvGrpSpPr/>
+        <p:nvPr/>
+      </p:nvGrpSpPr>
+      <p:grpSpPr>
+        <a:xfrm>
+          <a:off x="0" y="0"/>
+          <a:ext cx="0" cy="0"/>
+          <a:chOff x="0" y="0"/>
+          <a:chExt cx="0" cy="0"/>
+        </a:xfrm>
+      </p:grpSpPr>
+      <p:grpSp>
+        <p:nvGrpSpPr>
+          <p:cNvPr id="17" name="Group 16">
+            <a:extLst>
+              <a:ext uri="{FF2B5EF4-FFF2-40B4-BE49-F238E27FC236}">
+                <a16:creationId xmlns:a16="http://schemas.microsoft.com/office/drawing/2014/main" id="{641C4B39-BD1A-42A2-8DA4-243E4FDAE3C0}"/>
+              </a:ext>
+            </a:extLst>
+          </p:cNvPr>
+          <p:cNvGrpSpPr/>
+          <p:nvPr/>
+        </p:nvGrpSpPr>
+        <p:grpSpPr>
+          <a:xfrm>
+            <a:off x="190501" y="247650"/>
+            <a:ext cx="2857499" cy="4914895"/>
+            <a:chOff x="457201" y="200025"/>
+            <a:chExt cx="6305550" cy="4914895"/>
+          </a:xfrm>
+        </p:grpSpPr>
+        <p:sp>
+          <p:nvSpPr>
+            <p:cNvPr id="4" name="Rectangle 3">
+              <a:extLst>
+                <a:ext uri="{FF2B5EF4-FFF2-40B4-BE49-F238E27FC236}">
+                  <a16:creationId xmlns:a16="http://schemas.microsoft.com/office/drawing/2014/main" id="{C511AB99-CB3A-4FCA-9115-2154C87348A3}"/>
+                </a:ext>
+              </a:extLst>
+            </p:cNvPr>
+            <p:cNvSpPr/>
+            <p:nvPr/>
+          </p:nvSpPr>
+          <p:spPr>
+            <a:xfrm>
+              <a:off x="457201" y="2505075"/>
+              <a:ext cx="1790700" cy="876300"/>
+            </a:xfrm>
+            <a:prstGeom prst="rect">
+              <a:avLst/>
+            </a:prstGeom>
+          </p:spPr>
+          <p:style>
+            <a:lnRef idx="2">
+              <a:schemeClr val="accent1">
+                <a:shade val="50000"/>
+              </a:schemeClr>
+            </a:lnRef>
+            <a:fillRef idx="1">
+              <a:schemeClr val="accent1"/>
+            </a:fillRef>
+            <a:effectRef idx="0">
+              <a:schemeClr val="accent1"/>
+            </a:effectRef>
+            <a:fontRef idx="minor">
+              <a:schemeClr val="lt1"/>
+            </a:fontRef>
+          </p:style>
+          <p:txBody>
+            <a:bodyPr rtlCol="0" anchor="ctr"/>
+            <a:lstStyle/>
+            <a:p>
+              <a:pPr algn="ctr"/>
+              <a:r>
+                <a:rPr lang="en-US" dirty="0"/>
+                <a:t>Pod</a:t>
+              </a:r>
+            </a:p>
+            <a:p>
+              <a:pPr algn="ctr"/>
+              <a:r>
+                <a:rPr lang="en-US" dirty="0"/>
+                <a:t>C – V1</a:t>
+              </a:r>
+            </a:p>
+          </p:txBody>
+        </p:sp>
+        <p:sp>
+          <p:nvSpPr>
+            <p:cNvPr id="5" name="Rectangle 4">
+              <a:extLst>
+                <a:ext uri="{FF2B5EF4-FFF2-40B4-BE49-F238E27FC236}">
+                  <a16:creationId xmlns:a16="http://schemas.microsoft.com/office/drawing/2014/main" id="{0DDF89BE-7BE6-4609-943D-4B4BA13113B8}"/>
+                </a:ext>
+              </a:extLst>
+            </p:cNvPr>
+            <p:cNvSpPr/>
+            <p:nvPr/>
+          </p:nvSpPr>
+          <p:spPr>
+            <a:xfrm>
+              <a:off x="2714626" y="2505075"/>
+              <a:ext cx="1790700" cy="876300"/>
+            </a:xfrm>
+            <a:prstGeom prst="rect">
+              <a:avLst/>
+            </a:prstGeom>
+          </p:spPr>
+          <p:style>
+            <a:lnRef idx="2">
+              <a:schemeClr val="accent1">
+                <a:shade val="50000"/>
+              </a:schemeClr>
+            </a:lnRef>
+            <a:fillRef idx="1">
+              <a:schemeClr val="accent1"/>
+            </a:fillRef>
+            <a:effectRef idx="0">
+              <a:schemeClr val="accent1"/>
+            </a:effectRef>
+            <a:fontRef idx="minor">
+              <a:schemeClr val="lt1"/>
+            </a:fontRef>
+          </p:style>
+          <p:txBody>
+            <a:bodyPr rtlCol="0" anchor="ctr"/>
+            <a:lstStyle/>
+            <a:p>
+              <a:pPr algn="ctr"/>
+              <a:r>
+                <a:rPr lang="en-US" dirty="0"/>
+                <a:t>Pod</a:t>
+              </a:r>
+            </a:p>
+            <a:p>
+              <a:pPr algn="ctr"/>
+              <a:r>
+                <a:rPr lang="en-US" dirty="0"/>
+                <a:t>C – V1</a:t>
+              </a:r>
+            </a:p>
+          </p:txBody>
+        </p:sp>
+        <p:sp>
+          <p:nvSpPr>
+            <p:cNvPr id="6" name="Rectangle 5">
+              <a:extLst>
+                <a:ext uri="{FF2B5EF4-FFF2-40B4-BE49-F238E27FC236}">
+                  <a16:creationId xmlns:a16="http://schemas.microsoft.com/office/drawing/2014/main" id="{8D93AB39-59F4-4A2D-AF1D-9440B50CCD52}"/>
+                </a:ext>
+              </a:extLst>
+            </p:cNvPr>
+            <p:cNvSpPr/>
+            <p:nvPr/>
+          </p:nvSpPr>
+          <p:spPr>
+            <a:xfrm>
+              <a:off x="4972051" y="2505075"/>
+              <a:ext cx="1790700" cy="876300"/>
+            </a:xfrm>
+            <a:prstGeom prst="rect">
+              <a:avLst/>
+            </a:prstGeom>
+          </p:spPr>
+          <p:style>
+            <a:lnRef idx="2">
+              <a:schemeClr val="accent1">
+                <a:shade val="50000"/>
+              </a:schemeClr>
+            </a:lnRef>
+            <a:fillRef idx="1">
+              <a:schemeClr val="accent1"/>
+            </a:fillRef>
+            <a:effectRef idx="0">
+              <a:schemeClr val="accent1"/>
+            </a:effectRef>
+            <a:fontRef idx="minor">
+              <a:schemeClr val="lt1"/>
+            </a:fontRef>
+          </p:style>
+          <p:txBody>
+            <a:bodyPr rtlCol="0" anchor="ctr"/>
+            <a:lstStyle/>
+            <a:p>
+              <a:pPr algn="ctr"/>
+              <a:r>
+                <a:rPr lang="en-US" dirty="0"/>
+                <a:t>Pod</a:t>
+              </a:r>
+            </a:p>
+            <a:p>
+              <a:pPr algn="ctr"/>
+              <a:r>
+                <a:rPr lang="en-US" dirty="0"/>
+                <a:t>C- V1</a:t>
+              </a:r>
+            </a:p>
+          </p:txBody>
+        </p:sp>
+        <p:sp>
+          <p:nvSpPr>
+            <p:cNvPr id="7" name="Oval 6">
+              <a:extLst>
+                <a:ext uri="{FF2B5EF4-FFF2-40B4-BE49-F238E27FC236}">
+                  <a16:creationId xmlns:a16="http://schemas.microsoft.com/office/drawing/2014/main" id="{F2D41CBC-1BD2-4C62-A055-722CF949FC0C}"/>
+                </a:ext>
+              </a:extLst>
+            </p:cNvPr>
+            <p:cNvSpPr/>
+            <p:nvPr/>
+          </p:nvSpPr>
+          <p:spPr>
+            <a:xfrm>
+              <a:off x="2447925" y="200025"/>
+              <a:ext cx="2152650" cy="876300"/>
+            </a:xfrm>
+            <a:prstGeom prst="ellipse">
+              <a:avLst/>
+            </a:prstGeom>
+          </p:spPr>
+          <p:style>
+            <a:lnRef idx="2">
+              <a:schemeClr val="accent1">
+                <a:shade val="50000"/>
+              </a:schemeClr>
+            </a:lnRef>
+            <a:fillRef idx="1">
+              <a:schemeClr val="accent1"/>
+            </a:fillRef>
+            <a:effectRef idx="0">
+              <a:schemeClr val="accent1"/>
+            </a:effectRef>
+            <a:fontRef idx="minor">
+              <a:schemeClr val="lt1"/>
+            </a:fontRef>
+          </p:style>
+          <p:txBody>
+            <a:bodyPr rtlCol="0" anchor="ctr"/>
+            <a:lstStyle/>
+            <a:p>
+              <a:pPr algn="ctr"/>
+              <a:r>
+                <a:rPr lang="en-US" dirty="0"/>
+                <a:t>Service</a:t>
+              </a:r>
+            </a:p>
+          </p:txBody>
+        </p:sp>
+        <p:cxnSp>
+          <p:nvCxnSpPr>
+            <p:cNvPr id="8" name="Straight Connector 7">
+              <a:extLst>
+                <a:ext uri="{FF2B5EF4-FFF2-40B4-BE49-F238E27FC236}">
+                  <a16:creationId xmlns:a16="http://schemas.microsoft.com/office/drawing/2014/main" id="{8A961521-15F8-4049-BE2A-803E7DE2177F}"/>
+                </a:ext>
+              </a:extLst>
+            </p:cNvPr>
+            <p:cNvCxnSpPr>
+              <a:stCxn id="7" idx="4"/>
+            </p:cNvCxnSpPr>
+            <p:nvPr/>
+          </p:nvCxnSpPr>
+          <p:spPr>
+            <a:xfrm>
+              <a:off x="3524250" y="1076325"/>
+              <a:ext cx="0" cy="514350"/>
+            </a:xfrm>
+            <a:prstGeom prst="line">
+              <a:avLst/>
+            </a:prstGeom>
+          </p:spPr>
+          <p:style>
+            <a:lnRef idx="1">
+              <a:schemeClr val="accent1"/>
+            </a:lnRef>
+            <a:fillRef idx="0">
+              <a:schemeClr val="accent1"/>
+            </a:fillRef>
+            <a:effectRef idx="0">
+              <a:schemeClr val="accent1"/>
+            </a:effectRef>
+            <a:fontRef idx="minor">
+              <a:schemeClr val="tx1"/>
+            </a:fontRef>
+          </p:style>
+        </p:cxnSp>
+        <p:cxnSp>
+          <p:nvCxnSpPr>
+            <p:cNvPr id="9" name="Straight Connector 8">
+              <a:extLst>
+                <a:ext uri="{FF2B5EF4-FFF2-40B4-BE49-F238E27FC236}">
+                  <a16:creationId xmlns:a16="http://schemas.microsoft.com/office/drawing/2014/main" id="{47088203-3367-463D-A125-2BFA669753A5}"/>
+                </a:ext>
+              </a:extLst>
+            </p:cNvPr>
+            <p:cNvCxnSpPr>
+              <a:cxnSpLocks/>
+            </p:cNvCxnSpPr>
+            <p:nvPr/>
+          </p:nvCxnSpPr>
+          <p:spPr>
+            <a:xfrm>
+              <a:off x="809625" y="1647825"/>
+              <a:ext cx="5276850" cy="0"/>
+            </a:xfrm>
+            <a:prstGeom prst="line">
+              <a:avLst/>
+            </a:prstGeom>
+          </p:spPr>
+          <p:style>
+            <a:lnRef idx="1">
+              <a:schemeClr val="accent1"/>
+            </a:lnRef>
+            <a:fillRef idx="0">
+              <a:schemeClr val="accent1"/>
+            </a:fillRef>
+            <a:effectRef idx="0">
+              <a:schemeClr val="accent1"/>
+            </a:effectRef>
+            <a:fontRef idx="minor">
+              <a:schemeClr val="tx1"/>
+            </a:fontRef>
+          </p:style>
+        </p:cxnSp>
+        <p:cxnSp>
+          <p:nvCxnSpPr>
+            <p:cNvPr id="10" name="Straight Arrow Connector 9">
+              <a:extLst>
+                <a:ext uri="{FF2B5EF4-FFF2-40B4-BE49-F238E27FC236}">
+                  <a16:creationId xmlns:a16="http://schemas.microsoft.com/office/drawing/2014/main" id="{DB2663FE-4783-4170-AA3F-A78E8DEA11A0}"/>
+                </a:ext>
+              </a:extLst>
+            </p:cNvPr>
+            <p:cNvCxnSpPr/>
+            <p:nvPr/>
+          </p:nvCxnSpPr>
+          <p:spPr>
+            <a:xfrm>
+              <a:off x="819150" y="1685925"/>
+              <a:ext cx="0" cy="819150"/>
+            </a:xfrm>
+            <a:prstGeom prst="straightConnector1">
+              <a:avLst/>
+            </a:prstGeom>
+            <a:ln>
+              <a:tailEnd type="triangle"/>
+            </a:ln>
+          </p:spPr>
+          <p:style>
+            <a:lnRef idx="1">
+              <a:schemeClr val="accent1"/>
+            </a:lnRef>
+            <a:fillRef idx="0">
+              <a:schemeClr val="accent1"/>
+            </a:fillRef>
+            <a:effectRef idx="0">
+              <a:schemeClr val="accent1"/>
+            </a:effectRef>
+            <a:fontRef idx="minor">
+              <a:schemeClr val="tx1"/>
+            </a:fontRef>
+          </p:style>
+        </p:cxnSp>
+        <p:cxnSp>
+          <p:nvCxnSpPr>
+            <p:cNvPr id="11" name="Straight Arrow Connector 10">
+              <a:extLst>
+                <a:ext uri="{FF2B5EF4-FFF2-40B4-BE49-F238E27FC236}">
+                  <a16:creationId xmlns:a16="http://schemas.microsoft.com/office/drawing/2014/main" id="{72530D12-0659-4F6B-B42F-522EDFD9C0D6}"/>
+                </a:ext>
+              </a:extLst>
+            </p:cNvPr>
+            <p:cNvCxnSpPr/>
+            <p:nvPr/>
+          </p:nvCxnSpPr>
+          <p:spPr>
+            <a:xfrm>
+              <a:off x="3705225" y="1647825"/>
+              <a:ext cx="0" cy="781050"/>
+            </a:xfrm>
+            <a:prstGeom prst="straightConnector1">
+              <a:avLst/>
+            </a:prstGeom>
+            <a:ln>
+              <a:tailEnd type="triangle"/>
+            </a:ln>
+          </p:spPr>
+          <p:style>
+            <a:lnRef idx="1">
+              <a:schemeClr val="accent1"/>
+            </a:lnRef>
+            <a:fillRef idx="0">
+              <a:schemeClr val="accent1"/>
+            </a:fillRef>
+            <a:effectRef idx="0">
+              <a:schemeClr val="accent1"/>
+            </a:effectRef>
+            <a:fontRef idx="minor">
+              <a:schemeClr val="tx1"/>
+            </a:fontRef>
+          </p:style>
+        </p:cxnSp>
+        <p:cxnSp>
+          <p:nvCxnSpPr>
+            <p:cNvPr id="12" name="Straight Arrow Connector 11">
+              <a:extLst>
+                <a:ext uri="{FF2B5EF4-FFF2-40B4-BE49-F238E27FC236}">
+                  <a16:creationId xmlns:a16="http://schemas.microsoft.com/office/drawing/2014/main" id="{B1E29ADB-A032-4796-A639-86033FDC75AD}"/>
+                </a:ext>
+              </a:extLst>
+            </p:cNvPr>
+            <p:cNvCxnSpPr/>
+            <p:nvPr/>
+          </p:nvCxnSpPr>
+          <p:spPr>
+            <a:xfrm>
+              <a:off x="6086475" y="1685925"/>
+              <a:ext cx="0" cy="819150"/>
+            </a:xfrm>
+            <a:prstGeom prst="straightConnector1">
+              <a:avLst/>
+            </a:prstGeom>
+            <a:ln>
+              <a:tailEnd type="triangle"/>
+            </a:ln>
+          </p:spPr>
+          <p:style>
+            <a:lnRef idx="1">
+              <a:schemeClr val="accent1"/>
+            </a:lnRef>
+            <a:fillRef idx="0">
+              <a:schemeClr val="accent1"/>
+            </a:fillRef>
+            <a:effectRef idx="0">
+              <a:schemeClr val="accent1"/>
+            </a:effectRef>
+            <a:fontRef idx="minor">
+              <a:schemeClr val="tx1"/>
+            </a:fontRef>
+          </p:style>
+        </p:cxnSp>
+        <p:sp>
+          <p:nvSpPr>
+            <p:cNvPr id="13" name="Rectangle 12">
+              <a:extLst>
+                <a:ext uri="{FF2B5EF4-FFF2-40B4-BE49-F238E27FC236}">
+                  <a16:creationId xmlns:a16="http://schemas.microsoft.com/office/drawing/2014/main" id="{9CA089E9-22B9-4EC3-8DC7-E3FB909E802A}"/>
+                </a:ext>
+              </a:extLst>
+            </p:cNvPr>
+            <p:cNvSpPr/>
+            <p:nvPr/>
+          </p:nvSpPr>
+          <p:spPr>
+            <a:xfrm>
+              <a:off x="1414463" y="4238624"/>
+              <a:ext cx="4391025" cy="876296"/>
+            </a:xfrm>
+            <a:prstGeom prst="rect">
+              <a:avLst/>
+            </a:prstGeom>
+          </p:spPr>
+          <p:style>
+            <a:lnRef idx="2">
+              <a:schemeClr val="accent1">
+                <a:shade val="50000"/>
+              </a:schemeClr>
+            </a:lnRef>
+            <a:fillRef idx="1">
+              <a:schemeClr val="accent1"/>
+            </a:fillRef>
+            <a:effectRef idx="0">
+              <a:schemeClr val="accent1"/>
+            </a:effectRef>
+            <a:fontRef idx="minor">
+              <a:schemeClr val="lt1"/>
+            </a:fontRef>
+          </p:style>
+          <p:txBody>
+            <a:bodyPr rtlCol="0" anchor="ctr"/>
+            <a:lstStyle/>
+            <a:p>
+              <a:pPr algn="ctr"/>
+              <a:r>
+                <a:rPr lang="en-US" dirty="0"/>
+                <a:t>Replica Set</a:t>
+              </a:r>
+            </a:p>
+            <a:p>
+              <a:pPr algn="ctr"/>
+              <a:r>
+                <a:rPr lang="en-US" dirty="0"/>
+                <a:t>C – V1</a:t>
+              </a:r>
+            </a:p>
+          </p:txBody>
+        </p:sp>
+        <p:cxnSp>
+          <p:nvCxnSpPr>
+            <p:cNvPr id="14" name="Straight Arrow Connector 13">
+              <a:extLst>
+                <a:ext uri="{FF2B5EF4-FFF2-40B4-BE49-F238E27FC236}">
+                  <a16:creationId xmlns:a16="http://schemas.microsoft.com/office/drawing/2014/main" id="{51DAA60A-A083-498C-B8D2-E3E6FF4AFDB6}"/>
+                </a:ext>
+              </a:extLst>
+            </p:cNvPr>
+            <p:cNvCxnSpPr>
+              <a:stCxn id="13" idx="0"/>
+              <a:endCxn id="5" idx="2"/>
+            </p:cNvCxnSpPr>
+            <p:nvPr/>
+          </p:nvCxnSpPr>
+          <p:spPr>
+            <a:xfrm flipV="1">
+              <a:off x="3609976" y="3381375"/>
+              <a:ext cx="0" cy="857249"/>
+            </a:xfrm>
+            <a:prstGeom prst="straightConnector1">
+              <a:avLst/>
+            </a:prstGeom>
+            <a:ln>
+              <a:prstDash val="dash"/>
+              <a:tailEnd type="triangle"/>
+            </a:ln>
+          </p:spPr>
+          <p:style>
+            <a:lnRef idx="1">
+              <a:schemeClr val="accent1"/>
+            </a:lnRef>
+            <a:fillRef idx="0">
+              <a:schemeClr val="accent1"/>
+            </a:fillRef>
+            <a:effectRef idx="0">
+              <a:schemeClr val="accent1"/>
+            </a:effectRef>
+            <a:fontRef idx="minor">
+              <a:schemeClr val="tx1"/>
+            </a:fontRef>
+          </p:style>
+        </p:cxnSp>
+        <p:cxnSp>
+          <p:nvCxnSpPr>
+            <p:cNvPr id="15" name="Straight Arrow Connector 14">
+              <a:extLst>
+                <a:ext uri="{FF2B5EF4-FFF2-40B4-BE49-F238E27FC236}">
+                  <a16:creationId xmlns:a16="http://schemas.microsoft.com/office/drawing/2014/main" id="{EFF1DD99-8164-4721-8561-CFD0F294174C}"/>
+                </a:ext>
+              </a:extLst>
+            </p:cNvPr>
+            <p:cNvCxnSpPr>
+              <a:stCxn id="13" idx="0"/>
+              <a:endCxn id="4" idx="2"/>
+            </p:cNvCxnSpPr>
+            <p:nvPr/>
+          </p:nvCxnSpPr>
+          <p:spPr>
+            <a:xfrm flipH="1" flipV="1">
+              <a:off x="1352551" y="3381375"/>
+              <a:ext cx="2257425" cy="857249"/>
+            </a:xfrm>
+            <a:prstGeom prst="straightConnector1">
+              <a:avLst/>
+            </a:prstGeom>
+            <a:ln>
+              <a:prstDash val="lgDash"/>
+              <a:tailEnd type="triangle"/>
+            </a:ln>
+          </p:spPr>
+          <p:style>
+            <a:lnRef idx="1">
+              <a:schemeClr val="accent1"/>
+            </a:lnRef>
+            <a:fillRef idx="0">
+              <a:schemeClr val="accent1"/>
+            </a:fillRef>
+            <a:effectRef idx="0">
+              <a:schemeClr val="accent1"/>
+            </a:effectRef>
+            <a:fontRef idx="minor">
+              <a:schemeClr val="tx1"/>
+            </a:fontRef>
+          </p:style>
+        </p:cxnSp>
+        <p:cxnSp>
+          <p:nvCxnSpPr>
+            <p:cNvPr id="16" name="Straight Arrow Connector 15">
+              <a:extLst>
+                <a:ext uri="{FF2B5EF4-FFF2-40B4-BE49-F238E27FC236}">
+                  <a16:creationId xmlns:a16="http://schemas.microsoft.com/office/drawing/2014/main" id="{B8DE9B9D-B352-485E-98D5-0037900E4DA1}"/>
+                </a:ext>
+              </a:extLst>
+            </p:cNvPr>
+            <p:cNvCxnSpPr>
+              <a:stCxn id="13" idx="0"/>
+            </p:cNvCxnSpPr>
+            <p:nvPr/>
+          </p:nvCxnSpPr>
+          <p:spPr>
+            <a:xfrm flipV="1">
+              <a:off x="3609976" y="3457575"/>
+              <a:ext cx="2362199" cy="781049"/>
+            </a:xfrm>
+            <a:prstGeom prst="straightConnector1">
+              <a:avLst/>
+            </a:prstGeom>
+            <a:ln>
+              <a:prstDash val="dash"/>
+              <a:tailEnd type="triangle"/>
+            </a:ln>
+          </p:spPr>
+          <p:style>
+            <a:lnRef idx="1">
+              <a:schemeClr val="accent1"/>
+            </a:lnRef>
+            <a:fillRef idx="0">
+              <a:schemeClr val="accent1"/>
+            </a:fillRef>
+            <a:effectRef idx="0">
+              <a:schemeClr val="accent1"/>
+            </a:effectRef>
+            <a:fontRef idx="minor">
+              <a:schemeClr val="tx1"/>
+            </a:fontRef>
+          </p:style>
+        </p:cxnSp>
+      </p:grpSp>
+      <p:cxnSp>
+        <p:nvCxnSpPr>
+          <p:cNvPr id="19" name="Straight Arrow Connector 18">
+            <a:extLst>
+              <a:ext uri="{FF2B5EF4-FFF2-40B4-BE49-F238E27FC236}">
+                <a16:creationId xmlns:a16="http://schemas.microsoft.com/office/drawing/2014/main" id="{E960198A-26FF-4819-833F-EB5A66B88FC4}"/>
+              </a:ext>
+            </a:extLst>
+          </p:cNvPr>
+          <p:cNvCxnSpPr/>
+          <p:nvPr/>
+        </p:nvCxnSpPr>
+        <p:spPr>
+          <a:xfrm>
+            <a:off x="3505200" y="2228850"/>
+            <a:ext cx="1514475" cy="0"/>
+          </a:xfrm>
+          <a:prstGeom prst="straightConnector1">
+            <a:avLst/>
+          </a:prstGeom>
+          <a:ln>
+            <a:tailEnd type="triangle"/>
+          </a:ln>
+        </p:spPr>
+        <p:style>
+          <a:lnRef idx="1">
+            <a:schemeClr val="accent1"/>
+          </a:lnRef>
+          <a:fillRef idx="0">
+            <a:schemeClr val="accent1"/>
+          </a:fillRef>
+          <a:effectRef idx="0">
+            <a:schemeClr val="accent1"/>
+          </a:effectRef>
+          <a:fontRef idx="minor">
+            <a:schemeClr val="tx1"/>
+          </a:fontRef>
+        </p:style>
+      </p:cxnSp>
+      <p:sp>
+        <p:nvSpPr>
+          <p:cNvPr id="20" name="TextBox 19">
+            <a:extLst>
+              <a:ext uri="{FF2B5EF4-FFF2-40B4-BE49-F238E27FC236}">
+                <a16:creationId xmlns:a16="http://schemas.microsoft.com/office/drawing/2014/main" id="{CC9BB3A3-03E9-41CD-834B-54BA055E8B02}"/>
+              </a:ext>
+            </a:extLst>
+          </p:cNvPr>
+          <p:cNvSpPr txBox="1"/>
+          <p:nvPr/>
+        </p:nvSpPr>
+        <p:spPr>
+          <a:xfrm>
+            <a:off x="3693655" y="2228850"/>
+            <a:ext cx="1240287" cy="2031325"/>
+          </a:xfrm>
+          <a:prstGeom prst="rect">
+            <a:avLst/>
+          </a:prstGeom>
+          <a:noFill/>
+        </p:spPr>
+        <p:txBody>
+          <a:bodyPr wrap="square" rtlCol="0">
+            <a:spAutoFit/>
+          </a:bodyPr>
+          <a:lstStyle/>
+          <a:p>
+            <a:r>
+              <a:rPr lang="en-US" dirty="0"/>
+              <a:t>Update </a:t>
+            </a:r>
+            <a:r>
+              <a:rPr lang="en-US" dirty="0" err="1"/>
+              <a:t>ReplicaSet</a:t>
+            </a:r>
+            <a:r>
+              <a:rPr lang="en-US" dirty="0"/>
+              <a:t> </a:t>
+            </a:r>
+            <a:r>
+              <a:rPr lang="en-US" dirty="0" err="1"/>
+              <a:t>Yaml</a:t>
+            </a:r>
+            <a:r>
+              <a:rPr lang="en-US" dirty="0"/>
+              <a:t> file to use new Container Tag which is V2</a:t>
+            </a:r>
+          </a:p>
+        </p:txBody>
+      </p:sp>
+      <p:grpSp>
+        <p:nvGrpSpPr>
+          <p:cNvPr id="21" name="Group 20">
+            <a:extLst>
+              <a:ext uri="{FF2B5EF4-FFF2-40B4-BE49-F238E27FC236}">
+                <a16:creationId xmlns:a16="http://schemas.microsoft.com/office/drawing/2014/main" id="{6D0EEB15-0450-4995-B1D7-F5F17E6F1E97}"/>
+              </a:ext>
+            </a:extLst>
+          </p:cNvPr>
+          <p:cNvGrpSpPr/>
+          <p:nvPr/>
+        </p:nvGrpSpPr>
+        <p:grpSpPr>
+          <a:xfrm>
+            <a:off x="5030176" y="247650"/>
+            <a:ext cx="2857499" cy="4914895"/>
+            <a:chOff x="457201" y="200025"/>
+            <a:chExt cx="6305550" cy="4914895"/>
+          </a:xfrm>
+        </p:grpSpPr>
+        <p:sp>
+          <p:nvSpPr>
+            <p:cNvPr id="22" name="Rectangle 21">
+              <a:extLst>
+                <a:ext uri="{FF2B5EF4-FFF2-40B4-BE49-F238E27FC236}">
+                  <a16:creationId xmlns:a16="http://schemas.microsoft.com/office/drawing/2014/main" id="{B8CE11A9-D720-47D0-AEEE-742C77789AC9}"/>
+                </a:ext>
+              </a:extLst>
+            </p:cNvPr>
+            <p:cNvSpPr/>
+            <p:nvPr/>
+          </p:nvSpPr>
+          <p:spPr>
+            <a:xfrm>
+              <a:off x="457201" y="2505075"/>
+              <a:ext cx="1790700" cy="876300"/>
+            </a:xfrm>
+            <a:prstGeom prst="rect">
+              <a:avLst/>
+            </a:prstGeom>
+          </p:spPr>
+          <p:style>
+            <a:lnRef idx="2">
+              <a:schemeClr val="accent2">
+                <a:shade val="50000"/>
+              </a:schemeClr>
+            </a:lnRef>
+            <a:fillRef idx="1">
+              <a:schemeClr val="accent2"/>
+            </a:fillRef>
+            <a:effectRef idx="0">
+              <a:schemeClr val="accent2"/>
+            </a:effectRef>
+            <a:fontRef idx="minor">
+              <a:schemeClr val="lt1"/>
+            </a:fontRef>
+          </p:style>
+          <p:txBody>
+            <a:bodyPr rtlCol="0" anchor="ctr"/>
+            <a:lstStyle/>
+            <a:p>
+              <a:pPr algn="ctr"/>
+              <a:r>
+                <a:rPr lang="en-US" dirty="0"/>
+                <a:t>Pod</a:t>
+              </a:r>
+            </a:p>
+            <a:p>
+              <a:pPr algn="ctr"/>
+              <a:r>
+                <a:rPr lang="en-US" dirty="0"/>
+                <a:t>C – V1</a:t>
+              </a:r>
+            </a:p>
+          </p:txBody>
+        </p:sp>
+        <p:sp>
+          <p:nvSpPr>
+            <p:cNvPr id="23" name="Rectangle 22">
+              <a:extLst>
+                <a:ext uri="{FF2B5EF4-FFF2-40B4-BE49-F238E27FC236}">
+                  <a16:creationId xmlns:a16="http://schemas.microsoft.com/office/drawing/2014/main" id="{098C4BE5-E3ED-4791-BB61-CE821F2B00C2}"/>
+                </a:ext>
+              </a:extLst>
+            </p:cNvPr>
+            <p:cNvSpPr/>
+            <p:nvPr/>
+          </p:nvSpPr>
+          <p:spPr>
+            <a:xfrm>
+              <a:off x="2714626" y="2505075"/>
+              <a:ext cx="1790700" cy="876300"/>
+            </a:xfrm>
+            <a:prstGeom prst="rect">
+              <a:avLst/>
+            </a:prstGeom>
+          </p:spPr>
+          <p:style>
+            <a:lnRef idx="2">
+              <a:schemeClr val="accent2">
+                <a:shade val="50000"/>
+              </a:schemeClr>
+            </a:lnRef>
+            <a:fillRef idx="1">
+              <a:schemeClr val="accent2"/>
+            </a:fillRef>
+            <a:effectRef idx="0">
+              <a:schemeClr val="accent2"/>
+            </a:effectRef>
+            <a:fontRef idx="minor">
+              <a:schemeClr val="lt1"/>
+            </a:fontRef>
+          </p:style>
+          <p:txBody>
+            <a:bodyPr rtlCol="0" anchor="ctr"/>
+            <a:lstStyle/>
+            <a:p>
+              <a:pPr algn="ctr"/>
+              <a:r>
+                <a:rPr lang="en-US" dirty="0"/>
+                <a:t>Pod</a:t>
+              </a:r>
+            </a:p>
+            <a:p>
+              <a:pPr algn="ctr"/>
+              <a:r>
+                <a:rPr lang="en-US" dirty="0"/>
+                <a:t>C – V1</a:t>
+              </a:r>
+            </a:p>
+          </p:txBody>
+        </p:sp>
+        <p:sp>
+          <p:nvSpPr>
+            <p:cNvPr id="24" name="Rectangle 23">
+              <a:extLst>
+                <a:ext uri="{FF2B5EF4-FFF2-40B4-BE49-F238E27FC236}">
+                  <a16:creationId xmlns:a16="http://schemas.microsoft.com/office/drawing/2014/main" id="{01560159-E1D1-4A8B-84CA-E6104986C24E}"/>
+                </a:ext>
+              </a:extLst>
+            </p:cNvPr>
+            <p:cNvSpPr/>
+            <p:nvPr/>
+          </p:nvSpPr>
+          <p:spPr>
+            <a:xfrm>
+              <a:off x="4972051" y="2505075"/>
+              <a:ext cx="1790700" cy="876300"/>
+            </a:xfrm>
+            <a:prstGeom prst="rect">
+              <a:avLst/>
+            </a:prstGeom>
+          </p:spPr>
+          <p:style>
+            <a:lnRef idx="2">
+              <a:schemeClr val="accent2">
+                <a:shade val="50000"/>
+              </a:schemeClr>
+            </a:lnRef>
+            <a:fillRef idx="1">
+              <a:schemeClr val="accent2"/>
+            </a:fillRef>
+            <a:effectRef idx="0">
+              <a:schemeClr val="accent2"/>
+            </a:effectRef>
+            <a:fontRef idx="minor">
+              <a:schemeClr val="lt1"/>
+            </a:fontRef>
+          </p:style>
+          <p:txBody>
+            <a:bodyPr rtlCol="0" anchor="ctr"/>
+            <a:lstStyle/>
+            <a:p>
+              <a:pPr algn="ctr"/>
+              <a:r>
+                <a:rPr lang="en-US" dirty="0"/>
+                <a:t>Pod</a:t>
+              </a:r>
+            </a:p>
+            <a:p>
+              <a:pPr algn="ctr"/>
+              <a:r>
+                <a:rPr lang="en-US" dirty="0"/>
+                <a:t>C- V1</a:t>
+              </a:r>
+            </a:p>
+          </p:txBody>
+        </p:sp>
+        <p:sp>
+          <p:nvSpPr>
+            <p:cNvPr id="25" name="Oval 24">
+              <a:extLst>
+                <a:ext uri="{FF2B5EF4-FFF2-40B4-BE49-F238E27FC236}">
+                  <a16:creationId xmlns:a16="http://schemas.microsoft.com/office/drawing/2014/main" id="{7049858D-105C-4F4F-B926-8D5F2520042B}"/>
+                </a:ext>
+              </a:extLst>
+            </p:cNvPr>
+            <p:cNvSpPr/>
+            <p:nvPr/>
+          </p:nvSpPr>
+          <p:spPr>
+            <a:xfrm>
+              <a:off x="2447924" y="200025"/>
+              <a:ext cx="2152650" cy="876300"/>
+            </a:xfrm>
+            <a:prstGeom prst="ellipse">
+              <a:avLst/>
+            </a:prstGeom>
+          </p:spPr>
+          <p:style>
+            <a:lnRef idx="2">
+              <a:schemeClr val="accent1">
+                <a:shade val="50000"/>
+              </a:schemeClr>
+            </a:lnRef>
+            <a:fillRef idx="1">
+              <a:schemeClr val="accent1"/>
+            </a:fillRef>
+            <a:effectRef idx="0">
+              <a:schemeClr val="accent1"/>
+            </a:effectRef>
+            <a:fontRef idx="minor">
+              <a:schemeClr val="lt1"/>
+            </a:fontRef>
+          </p:style>
+          <p:txBody>
+            <a:bodyPr rtlCol="0" anchor="ctr"/>
+            <a:lstStyle/>
+            <a:p>
+              <a:pPr algn="ctr"/>
+              <a:r>
+                <a:rPr lang="en-US" dirty="0"/>
+                <a:t>Service</a:t>
+              </a:r>
+            </a:p>
+          </p:txBody>
+        </p:sp>
+        <p:cxnSp>
+          <p:nvCxnSpPr>
+            <p:cNvPr id="26" name="Straight Connector 25">
+              <a:extLst>
+                <a:ext uri="{FF2B5EF4-FFF2-40B4-BE49-F238E27FC236}">
+                  <a16:creationId xmlns:a16="http://schemas.microsoft.com/office/drawing/2014/main" id="{C5A605EE-6E4F-4145-8A0C-7663AD9A08B9}"/>
+                </a:ext>
+              </a:extLst>
+            </p:cNvPr>
+            <p:cNvCxnSpPr>
+              <a:cxnSpLocks/>
+              <a:stCxn id="25" idx="4"/>
+            </p:cNvCxnSpPr>
+            <p:nvPr/>
+          </p:nvCxnSpPr>
+          <p:spPr>
+            <a:xfrm>
+              <a:off x="3524250" y="1076325"/>
+              <a:ext cx="0" cy="514350"/>
+            </a:xfrm>
+            <a:prstGeom prst="line">
+              <a:avLst/>
+            </a:prstGeom>
+          </p:spPr>
+          <p:style>
+            <a:lnRef idx="1">
+              <a:schemeClr val="accent1"/>
+            </a:lnRef>
+            <a:fillRef idx="0">
+              <a:schemeClr val="accent1"/>
+            </a:fillRef>
+            <a:effectRef idx="0">
+              <a:schemeClr val="accent1"/>
+            </a:effectRef>
+            <a:fontRef idx="minor">
+              <a:schemeClr val="tx1"/>
+            </a:fontRef>
+          </p:style>
+        </p:cxnSp>
+        <p:cxnSp>
+          <p:nvCxnSpPr>
+            <p:cNvPr id="27" name="Straight Connector 26">
+              <a:extLst>
+                <a:ext uri="{FF2B5EF4-FFF2-40B4-BE49-F238E27FC236}">
+                  <a16:creationId xmlns:a16="http://schemas.microsoft.com/office/drawing/2014/main" id="{259543AC-6BC8-4747-BBB3-722AF90F55D8}"/>
+                </a:ext>
+              </a:extLst>
+            </p:cNvPr>
+            <p:cNvCxnSpPr>
+              <a:cxnSpLocks/>
+            </p:cNvCxnSpPr>
+            <p:nvPr/>
+          </p:nvCxnSpPr>
+          <p:spPr>
+            <a:xfrm>
+              <a:off x="809625" y="1647825"/>
+              <a:ext cx="5276850" cy="0"/>
+            </a:xfrm>
+            <a:prstGeom prst="line">
+              <a:avLst/>
+            </a:prstGeom>
+          </p:spPr>
+          <p:style>
+            <a:lnRef idx="1">
+              <a:schemeClr val="accent1"/>
+            </a:lnRef>
+            <a:fillRef idx="0">
+              <a:schemeClr val="accent1"/>
+            </a:fillRef>
+            <a:effectRef idx="0">
+              <a:schemeClr val="accent1"/>
+            </a:effectRef>
+            <a:fontRef idx="minor">
+              <a:schemeClr val="tx1"/>
+            </a:fontRef>
+          </p:style>
+        </p:cxnSp>
+        <p:cxnSp>
+          <p:nvCxnSpPr>
+            <p:cNvPr id="28" name="Straight Arrow Connector 27">
+              <a:extLst>
+                <a:ext uri="{FF2B5EF4-FFF2-40B4-BE49-F238E27FC236}">
+                  <a16:creationId xmlns:a16="http://schemas.microsoft.com/office/drawing/2014/main" id="{9005548C-AE02-4FC3-A3DF-AA0F54487B91}"/>
+                </a:ext>
+              </a:extLst>
+            </p:cNvPr>
+            <p:cNvCxnSpPr/>
+            <p:nvPr/>
+          </p:nvCxnSpPr>
+          <p:spPr>
+            <a:xfrm>
+              <a:off x="819150" y="1685925"/>
+              <a:ext cx="0" cy="819150"/>
+            </a:xfrm>
+            <a:prstGeom prst="straightConnector1">
+              <a:avLst/>
+            </a:prstGeom>
+            <a:ln>
+              <a:tailEnd type="triangle"/>
+            </a:ln>
+          </p:spPr>
+          <p:style>
+            <a:lnRef idx="1">
+              <a:schemeClr val="accent1"/>
+            </a:lnRef>
+            <a:fillRef idx="0">
+              <a:schemeClr val="accent1"/>
+            </a:fillRef>
+            <a:effectRef idx="0">
+              <a:schemeClr val="accent1"/>
+            </a:effectRef>
+            <a:fontRef idx="minor">
+              <a:schemeClr val="tx1"/>
+            </a:fontRef>
+          </p:style>
+        </p:cxnSp>
+        <p:cxnSp>
+          <p:nvCxnSpPr>
+            <p:cNvPr id="29" name="Straight Arrow Connector 28">
+              <a:extLst>
+                <a:ext uri="{FF2B5EF4-FFF2-40B4-BE49-F238E27FC236}">
+                  <a16:creationId xmlns:a16="http://schemas.microsoft.com/office/drawing/2014/main" id="{8753188E-CE1C-4CCA-81A1-4357ABB00B2D}"/>
+                </a:ext>
+              </a:extLst>
+            </p:cNvPr>
+            <p:cNvCxnSpPr/>
+            <p:nvPr/>
+          </p:nvCxnSpPr>
+          <p:spPr>
+            <a:xfrm>
+              <a:off x="3705225" y="1647825"/>
+              <a:ext cx="0" cy="781050"/>
+            </a:xfrm>
+            <a:prstGeom prst="straightConnector1">
+              <a:avLst/>
+            </a:prstGeom>
+            <a:ln>
+              <a:tailEnd type="triangle"/>
+            </a:ln>
+          </p:spPr>
+          <p:style>
+            <a:lnRef idx="1">
+              <a:schemeClr val="accent1"/>
+            </a:lnRef>
+            <a:fillRef idx="0">
+              <a:schemeClr val="accent1"/>
+            </a:fillRef>
+            <a:effectRef idx="0">
+              <a:schemeClr val="accent1"/>
+            </a:effectRef>
+            <a:fontRef idx="minor">
+              <a:schemeClr val="tx1"/>
+            </a:fontRef>
+          </p:style>
+        </p:cxnSp>
+        <p:cxnSp>
+          <p:nvCxnSpPr>
+            <p:cNvPr id="30" name="Straight Arrow Connector 29">
+              <a:extLst>
+                <a:ext uri="{FF2B5EF4-FFF2-40B4-BE49-F238E27FC236}">
+                  <a16:creationId xmlns:a16="http://schemas.microsoft.com/office/drawing/2014/main" id="{3A89EC36-5D26-426A-AFEC-338411A4EFCA}"/>
+                </a:ext>
+              </a:extLst>
+            </p:cNvPr>
+            <p:cNvCxnSpPr/>
+            <p:nvPr/>
+          </p:nvCxnSpPr>
+          <p:spPr>
+            <a:xfrm>
+              <a:off x="6086475" y="1685925"/>
+              <a:ext cx="0" cy="819150"/>
+            </a:xfrm>
+            <a:prstGeom prst="straightConnector1">
+              <a:avLst/>
+            </a:prstGeom>
+            <a:ln>
+              <a:tailEnd type="triangle"/>
+            </a:ln>
+          </p:spPr>
+          <p:style>
+            <a:lnRef idx="1">
+              <a:schemeClr val="accent1"/>
+            </a:lnRef>
+            <a:fillRef idx="0">
+              <a:schemeClr val="accent1"/>
+            </a:fillRef>
+            <a:effectRef idx="0">
+              <a:schemeClr val="accent1"/>
+            </a:effectRef>
+            <a:fontRef idx="minor">
+              <a:schemeClr val="tx1"/>
+            </a:fontRef>
+          </p:style>
+        </p:cxnSp>
+        <p:sp>
+          <p:nvSpPr>
+            <p:cNvPr id="31" name="Rectangle 30">
+              <a:extLst>
+                <a:ext uri="{FF2B5EF4-FFF2-40B4-BE49-F238E27FC236}">
+                  <a16:creationId xmlns:a16="http://schemas.microsoft.com/office/drawing/2014/main" id="{5B8859D8-E1E9-4E65-BA66-464EA1D38636}"/>
+                </a:ext>
+              </a:extLst>
+            </p:cNvPr>
+            <p:cNvSpPr/>
+            <p:nvPr/>
+          </p:nvSpPr>
+          <p:spPr>
+            <a:xfrm>
+              <a:off x="1414463" y="4238624"/>
+              <a:ext cx="4391025" cy="876296"/>
+            </a:xfrm>
+            <a:prstGeom prst="rect">
+              <a:avLst/>
+            </a:prstGeom>
+          </p:spPr>
+          <p:style>
+            <a:lnRef idx="2">
+              <a:schemeClr val="accent1">
+                <a:shade val="50000"/>
+              </a:schemeClr>
+            </a:lnRef>
+            <a:fillRef idx="1">
+              <a:schemeClr val="accent1"/>
+            </a:fillRef>
+            <a:effectRef idx="0">
+              <a:schemeClr val="accent1"/>
+            </a:effectRef>
+            <a:fontRef idx="minor">
+              <a:schemeClr val="lt1"/>
+            </a:fontRef>
+          </p:style>
+          <p:txBody>
+            <a:bodyPr rtlCol="0" anchor="ctr"/>
+            <a:lstStyle/>
+            <a:p>
+              <a:pPr algn="ctr"/>
+              <a:r>
+                <a:rPr lang="en-US" dirty="0"/>
+                <a:t>Replica Set</a:t>
+              </a:r>
+            </a:p>
+            <a:p>
+              <a:pPr algn="ctr"/>
+              <a:r>
+                <a:rPr lang="en-US" dirty="0"/>
+                <a:t>C – V2</a:t>
+              </a:r>
+            </a:p>
+          </p:txBody>
+        </p:sp>
+        <p:cxnSp>
+          <p:nvCxnSpPr>
+            <p:cNvPr id="32" name="Straight Arrow Connector 31">
+              <a:extLst>
+                <a:ext uri="{FF2B5EF4-FFF2-40B4-BE49-F238E27FC236}">
+                  <a16:creationId xmlns:a16="http://schemas.microsoft.com/office/drawing/2014/main" id="{7A1D62BE-FAFF-470C-9FB0-8E19837D90F0}"/>
+                </a:ext>
+              </a:extLst>
+            </p:cNvPr>
+            <p:cNvCxnSpPr>
+              <a:stCxn id="31" idx="0"/>
+              <a:endCxn id="23" idx="2"/>
+            </p:cNvCxnSpPr>
+            <p:nvPr/>
+          </p:nvCxnSpPr>
+          <p:spPr>
+            <a:xfrm flipV="1">
+              <a:off x="3609976" y="3381375"/>
+              <a:ext cx="0" cy="857249"/>
+            </a:xfrm>
+            <a:prstGeom prst="straightConnector1">
+              <a:avLst/>
+            </a:prstGeom>
+            <a:ln>
+              <a:prstDash val="dash"/>
+              <a:tailEnd type="triangle"/>
+            </a:ln>
+          </p:spPr>
+          <p:style>
+            <a:lnRef idx="1">
+              <a:schemeClr val="accent1"/>
+            </a:lnRef>
+            <a:fillRef idx="0">
+              <a:schemeClr val="accent1"/>
+            </a:fillRef>
+            <a:effectRef idx="0">
+              <a:schemeClr val="accent1"/>
+            </a:effectRef>
+            <a:fontRef idx="minor">
+              <a:schemeClr val="tx1"/>
+            </a:fontRef>
+          </p:style>
+        </p:cxnSp>
+        <p:cxnSp>
+          <p:nvCxnSpPr>
+            <p:cNvPr id="33" name="Straight Arrow Connector 32">
+              <a:extLst>
+                <a:ext uri="{FF2B5EF4-FFF2-40B4-BE49-F238E27FC236}">
+                  <a16:creationId xmlns:a16="http://schemas.microsoft.com/office/drawing/2014/main" id="{A4DA7A32-4E64-48AF-9C67-9222D849E7B8}"/>
+                </a:ext>
+              </a:extLst>
+            </p:cNvPr>
+            <p:cNvCxnSpPr>
+              <a:stCxn id="31" idx="0"/>
+              <a:endCxn id="22" idx="2"/>
+            </p:cNvCxnSpPr>
+            <p:nvPr/>
+          </p:nvCxnSpPr>
+          <p:spPr>
+            <a:xfrm flipH="1" flipV="1">
+              <a:off x="1352551" y="3381375"/>
+              <a:ext cx="2257425" cy="857249"/>
+            </a:xfrm>
+            <a:prstGeom prst="straightConnector1">
+              <a:avLst/>
+            </a:prstGeom>
+            <a:ln>
+              <a:prstDash val="lgDash"/>
+              <a:tailEnd type="triangle"/>
+            </a:ln>
+          </p:spPr>
+          <p:style>
+            <a:lnRef idx="1">
+              <a:schemeClr val="accent1"/>
+            </a:lnRef>
+            <a:fillRef idx="0">
+              <a:schemeClr val="accent1"/>
+            </a:fillRef>
+            <a:effectRef idx="0">
+              <a:schemeClr val="accent1"/>
+            </a:effectRef>
+            <a:fontRef idx="minor">
+              <a:schemeClr val="tx1"/>
+            </a:fontRef>
+          </p:style>
+        </p:cxnSp>
+        <p:cxnSp>
+          <p:nvCxnSpPr>
+            <p:cNvPr id="34" name="Straight Arrow Connector 33">
+              <a:extLst>
+                <a:ext uri="{FF2B5EF4-FFF2-40B4-BE49-F238E27FC236}">
+                  <a16:creationId xmlns:a16="http://schemas.microsoft.com/office/drawing/2014/main" id="{4AFAF5A0-1B80-459A-A380-939721210835}"/>
+                </a:ext>
+              </a:extLst>
+            </p:cNvPr>
+            <p:cNvCxnSpPr>
+              <a:stCxn id="31" idx="0"/>
+            </p:cNvCxnSpPr>
+            <p:nvPr/>
+          </p:nvCxnSpPr>
+          <p:spPr>
+            <a:xfrm flipV="1">
+              <a:off x="3609976" y="3457575"/>
+              <a:ext cx="2362199" cy="781049"/>
+            </a:xfrm>
+            <a:prstGeom prst="straightConnector1">
+              <a:avLst/>
+            </a:prstGeom>
+            <a:ln>
+              <a:prstDash val="dash"/>
+              <a:tailEnd type="triangle"/>
+            </a:ln>
+          </p:spPr>
+          <p:style>
+            <a:lnRef idx="1">
+              <a:schemeClr val="accent1"/>
+            </a:lnRef>
+            <a:fillRef idx="0">
+              <a:schemeClr val="accent1"/>
+            </a:fillRef>
+            <a:effectRef idx="0">
+              <a:schemeClr val="accent1"/>
+            </a:effectRef>
+            <a:fontRef idx="minor">
+              <a:schemeClr val="tx1"/>
+            </a:fontRef>
+          </p:style>
+        </p:cxnSp>
+      </p:grpSp>
+      <p:grpSp>
+        <p:nvGrpSpPr>
+          <p:cNvPr id="35" name="Group 34">
+            <a:extLst>
+              <a:ext uri="{FF2B5EF4-FFF2-40B4-BE49-F238E27FC236}">
+                <a16:creationId xmlns:a16="http://schemas.microsoft.com/office/drawing/2014/main" id="{64A2576A-BB35-44F0-9616-61938C66990B}"/>
+              </a:ext>
+            </a:extLst>
+          </p:cNvPr>
+          <p:cNvGrpSpPr/>
+          <p:nvPr/>
+        </p:nvGrpSpPr>
+        <p:grpSpPr>
+          <a:xfrm>
+            <a:off x="9066070" y="247650"/>
+            <a:ext cx="2857499" cy="4914895"/>
+            <a:chOff x="457201" y="200025"/>
+            <a:chExt cx="6305550" cy="4914895"/>
+          </a:xfrm>
+        </p:grpSpPr>
+        <p:sp>
+          <p:nvSpPr>
+            <p:cNvPr id="36" name="Rectangle 35">
+              <a:extLst>
+                <a:ext uri="{FF2B5EF4-FFF2-40B4-BE49-F238E27FC236}">
+                  <a16:creationId xmlns:a16="http://schemas.microsoft.com/office/drawing/2014/main" id="{5733F227-BCCF-4923-92D1-D76F5DAAC19B}"/>
+                </a:ext>
+              </a:extLst>
+            </p:cNvPr>
+            <p:cNvSpPr/>
+            <p:nvPr/>
+          </p:nvSpPr>
+          <p:spPr>
+            <a:xfrm>
+              <a:off x="457201" y="2505075"/>
+              <a:ext cx="1790700" cy="876300"/>
+            </a:xfrm>
+            <a:prstGeom prst="rect">
+              <a:avLst/>
+            </a:prstGeom>
+          </p:spPr>
+          <p:style>
+            <a:lnRef idx="2">
+              <a:schemeClr val="accent1">
+                <a:shade val="50000"/>
+              </a:schemeClr>
+            </a:lnRef>
+            <a:fillRef idx="1">
+              <a:schemeClr val="accent1"/>
+            </a:fillRef>
+            <a:effectRef idx="0">
+              <a:schemeClr val="accent1"/>
+            </a:effectRef>
+            <a:fontRef idx="minor">
+              <a:schemeClr val="lt1"/>
+            </a:fontRef>
+          </p:style>
+          <p:txBody>
+            <a:bodyPr rtlCol="0" anchor="ctr"/>
+            <a:lstStyle/>
+            <a:p>
+              <a:pPr algn="ctr"/>
+              <a:r>
+                <a:rPr lang="en-US" dirty="0"/>
+                <a:t>Pod</a:t>
+              </a:r>
+            </a:p>
+            <a:p>
+              <a:pPr algn="ctr"/>
+              <a:r>
+                <a:rPr lang="en-US" dirty="0"/>
+                <a:t>C – V2</a:t>
+              </a:r>
+            </a:p>
+          </p:txBody>
+        </p:sp>
+        <p:sp>
+          <p:nvSpPr>
+            <p:cNvPr id="37" name="Rectangle 36">
+              <a:extLst>
+                <a:ext uri="{FF2B5EF4-FFF2-40B4-BE49-F238E27FC236}">
+                  <a16:creationId xmlns:a16="http://schemas.microsoft.com/office/drawing/2014/main" id="{18F4E269-4271-4445-90D7-137EFE4EA877}"/>
+                </a:ext>
+              </a:extLst>
+            </p:cNvPr>
+            <p:cNvSpPr/>
+            <p:nvPr/>
+          </p:nvSpPr>
+          <p:spPr>
+            <a:xfrm>
+              <a:off x="2714626" y="2505075"/>
+              <a:ext cx="1790700" cy="876300"/>
+            </a:xfrm>
+            <a:prstGeom prst="rect">
+              <a:avLst/>
+            </a:prstGeom>
+          </p:spPr>
+          <p:style>
+            <a:lnRef idx="2">
+              <a:schemeClr val="accent1">
+                <a:shade val="50000"/>
+              </a:schemeClr>
+            </a:lnRef>
+            <a:fillRef idx="1">
+              <a:schemeClr val="accent1"/>
+            </a:fillRef>
+            <a:effectRef idx="0">
+              <a:schemeClr val="accent1"/>
+            </a:effectRef>
+            <a:fontRef idx="minor">
+              <a:schemeClr val="lt1"/>
+            </a:fontRef>
+          </p:style>
+          <p:txBody>
+            <a:bodyPr rtlCol="0" anchor="ctr"/>
+            <a:lstStyle/>
+            <a:p>
+              <a:pPr algn="ctr"/>
+              <a:r>
+                <a:rPr lang="en-US" dirty="0"/>
+                <a:t>Pod</a:t>
+              </a:r>
+            </a:p>
+            <a:p>
+              <a:pPr algn="ctr"/>
+              <a:r>
+                <a:rPr lang="en-US" dirty="0"/>
+                <a:t>C – V2</a:t>
+              </a:r>
+            </a:p>
+          </p:txBody>
+        </p:sp>
+        <p:sp>
+          <p:nvSpPr>
+            <p:cNvPr id="38" name="Rectangle 37">
+              <a:extLst>
+                <a:ext uri="{FF2B5EF4-FFF2-40B4-BE49-F238E27FC236}">
+                  <a16:creationId xmlns:a16="http://schemas.microsoft.com/office/drawing/2014/main" id="{14757303-7EED-4694-A2D6-FBB563E1F585}"/>
+                </a:ext>
+              </a:extLst>
+            </p:cNvPr>
+            <p:cNvSpPr/>
+            <p:nvPr/>
+          </p:nvSpPr>
+          <p:spPr>
+            <a:xfrm>
+              <a:off x="4972051" y="2505075"/>
+              <a:ext cx="1790700" cy="876300"/>
+            </a:xfrm>
+            <a:prstGeom prst="rect">
+              <a:avLst/>
+            </a:prstGeom>
+          </p:spPr>
+          <p:style>
+            <a:lnRef idx="2">
+              <a:schemeClr val="accent1">
+                <a:shade val="50000"/>
+              </a:schemeClr>
+            </a:lnRef>
+            <a:fillRef idx="1">
+              <a:schemeClr val="accent1"/>
+            </a:fillRef>
+            <a:effectRef idx="0">
+              <a:schemeClr val="accent1"/>
+            </a:effectRef>
+            <a:fontRef idx="minor">
+              <a:schemeClr val="lt1"/>
+            </a:fontRef>
+          </p:style>
+          <p:txBody>
+            <a:bodyPr rtlCol="0" anchor="ctr"/>
+            <a:lstStyle/>
+            <a:p>
+              <a:pPr algn="ctr"/>
+              <a:r>
+                <a:rPr lang="en-US" dirty="0"/>
+                <a:t>Pod</a:t>
+              </a:r>
+            </a:p>
+            <a:p>
+              <a:pPr algn="ctr"/>
+              <a:r>
+                <a:rPr lang="en-US" dirty="0"/>
+                <a:t>C- V2</a:t>
+              </a:r>
+            </a:p>
+          </p:txBody>
+        </p:sp>
+        <p:sp>
+          <p:nvSpPr>
+            <p:cNvPr id="39" name="Oval 38">
+              <a:extLst>
+                <a:ext uri="{FF2B5EF4-FFF2-40B4-BE49-F238E27FC236}">
+                  <a16:creationId xmlns:a16="http://schemas.microsoft.com/office/drawing/2014/main" id="{A5560839-4E4E-41DF-9299-F5DE44B058D9}"/>
+                </a:ext>
+              </a:extLst>
+            </p:cNvPr>
+            <p:cNvSpPr/>
+            <p:nvPr/>
+          </p:nvSpPr>
+          <p:spPr>
+            <a:xfrm>
+              <a:off x="2447925" y="200025"/>
+              <a:ext cx="2152650" cy="876300"/>
+            </a:xfrm>
+            <a:prstGeom prst="ellipse">
+              <a:avLst/>
+            </a:prstGeom>
+          </p:spPr>
+          <p:style>
+            <a:lnRef idx="2">
+              <a:schemeClr val="accent1">
+                <a:shade val="50000"/>
+              </a:schemeClr>
+            </a:lnRef>
+            <a:fillRef idx="1">
+              <a:schemeClr val="accent1"/>
+            </a:fillRef>
+            <a:effectRef idx="0">
+              <a:schemeClr val="accent1"/>
+            </a:effectRef>
+            <a:fontRef idx="minor">
+              <a:schemeClr val="lt1"/>
+            </a:fontRef>
+          </p:style>
+          <p:txBody>
+            <a:bodyPr rtlCol="0" anchor="ctr"/>
+            <a:lstStyle/>
+            <a:p>
+              <a:pPr algn="ctr"/>
+              <a:r>
+                <a:rPr lang="en-US" dirty="0"/>
+                <a:t>Service</a:t>
+              </a:r>
+            </a:p>
+          </p:txBody>
+        </p:sp>
+        <p:cxnSp>
+          <p:nvCxnSpPr>
+            <p:cNvPr id="40" name="Straight Connector 39">
+              <a:extLst>
+                <a:ext uri="{FF2B5EF4-FFF2-40B4-BE49-F238E27FC236}">
+                  <a16:creationId xmlns:a16="http://schemas.microsoft.com/office/drawing/2014/main" id="{317AC56E-491C-4891-9881-401F28667AAA}"/>
+                </a:ext>
+              </a:extLst>
+            </p:cNvPr>
+            <p:cNvCxnSpPr>
+              <a:stCxn id="39" idx="4"/>
+            </p:cNvCxnSpPr>
+            <p:nvPr/>
+          </p:nvCxnSpPr>
+          <p:spPr>
+            <a:xfrm>
+              <a:off x="3524250" y="1076325"/>
+              <a:ext cx="0" cy="514350"/>
+            </a:xfrm>
+            <a:prstGeom prst="line">
+              <a:avLst/>
+            </a:prstGeom>
+          </p:spPr>
+          <p:style>
+            <a:lnRef idx="1">
+              <a:schemeClr val="accent1"/>
+            </a:lnRef>
+            <a:fillRef idx="0">
+              <a:schemeClr val="accent1"/>
+            </a:fillRef>
+            <a:effectRef idx="0">
+              <a:schemeClr val="accent1"/>
+            </a:effectRef>
+            <a:fontRef idx="minor">
+              <a:schemeClr val="tx1"/>
+            </a:fontRef>
+          </p:style>
+        </p:cxnSp>
+        <p:cxnSp>
+          <p:nvCxnSpPr>
+            <p:cNvPr id="41" name="Straight Connector 40">
+              <a:extLst>
+                <a:ext uri="{FF2B5EF4-FFF2-40B4-BE49-F238E27FC236}">
+                  <a16:creationId xmlns:a16="http://schemas.microsoft.com/office/drawing/2014/main" id="{A80473AD-DED5-4CBD-8CA7-D462DDC2EC38}"/>
+                </a:ext>
+              </a:extLst>
+            </p:cNvPr>
+            <p:cNvCxnSpPr>
+              <a:cxnSpLocks/>
+            </p:cNvCxnSpPr>
+            <p:nvPr/>
+          </p:nvCxnSpPr>
+          <p:spPr>
+            <a:xfrm>
+              <a:off x="809625" y="1647825"/>
+              <a:ext cx="5276850" cy="0"/>
+            </a:xfrm>
+            <a:prstGeom prst="line">
+              <a:avLst/>
+            </a:prstGeom>
+          </p:spPr>
+          <p:style>
+            <a:lnRef idx="1">
+              <a:schemeClr val="accent1"/>
+            </a:lnRef>
+            <a:fillRef idx="0">
+              <a:schemeClr val="accent1"/>
+            </a:fillRef>
+            <a:effectRef idx="0">
+              <a:schemeClr val="accent1"/>
+            </a:effectRef>
+            <a:fontRef idx="minor">
+              <a:schemeClr val="tx1"/>
+            </a:fontRef>
+          </p:style>
+        </p:cxnSp>
+        <p:cxnSp>
+          <p:nvCxnSpPr>
+            <p:cNvPr id="42" name="Straight Arrow Connector 41">
+              <a:extLst>
+                <a:ext uri="{FF2B5EF4-FFF2-40B4-BE49-F238E27FC236}">
+                  <a16:creationId xmlns:a16="http://schemas.microsoft.com/office/drawing/2014/main" id="{0B731B75-AE50-4749-B20A-3DD40A71ABDB}"/>
+                </a:ext>
+              </a:extLst>
+            </p:cNvPr>
+            <p:cNvCxnSpPr/>
+            <p:nvPr/>
+          </p:nvCxnSpPr>
+          <p:spPr>
+            <a:xfrm>
+              <a:off x="819150" y="1685925"/>
+              <a:ext cx="0" cy="819150"/>
+            </a:xfrm>
+            <a:prstGeom prst="straightConnector1">
+              <a:avLst/>
+            </a:prstGeom>
+            <a:ln>
+              <a:tailEnd type="triangle"/>
+            </a:ln>
+          </p:spPr>
+          <p:style>
+            <a:lnRef idx="1">
+              <a:schemeClr val="accent1"/>
+            </a:lnRef>
+            <a:fillRef idx="0">
+              <a:schemeClr val="accent1"/>
+            </a:fillRef>
+            <a:effectRef idx="0">
+              <a:schemeClr val="accent1"/>
+            </a:effectRef>
+            <a:fontRef idx="minor">
+              <a:schemeClr val="tx1"/>
+            </a:fontRef>
+          </p:style>
+        </p:cxnSp>
+        <p:cxnSp>
+          <p:nvCxnSpPr>
+            <p:cNvPr id="43" name="Straight Arrow Connector 42">
+              <a:extLst>
+                <a:ext uri="{FF2B5EF4-FFF2-40B4-BE49-F238E27FC236}">
+                  <a16:creationId xmlns:a16="http://schemas.microsoft.com/office/drawing/2014/main" id="{9EEEDDD4-03FF-4D84-B07F-43B51EA7B411}"/>
+                </a:ext>
+              </a:extLst>
+            </p:cNvPr>
+            <p:cNvCxnSpPr/>
+            <p:nvPr/>
+          </p:nvCxnSpPr>
+          <p:spPr>
+            <a:xfrm>
+              <a:off x="3705225" y="1647825"/>
+              <a:ext cx="0" cy="781050"/>
+            </a:xfrm>
+            <a:prstGeom prst="straightConnector1">
+              <a:avLst/>
+            </a:prstGeom>
+            <a:ln>
+              <a:tailEnd type="triangle"/>
+            </a:ln>
+          </p:spPr>
+          <p:style>
+            <a:lnRef idx="1">
+              <a:schemeClr val="accent1"/>
+            </a:lnRef>
+            <a:fillRef idx="0">
+              <a:schemeClr val="accent1"/>
+            </a:fillRef>
+            <a:effectRef idx="0">
+              <a:schemeClr val="accent1"/>
+            </a:effectRef>
+            <a:fontRef idx="minor">
+              <a:schemeClr val="tx1"/>
+            </a:fontRef>
+          </p:style>
+        </p:cxnSp>
+        <p:cxnSp>
+          <p:nvCxnSpPr>
+            <p:cNvPr id="44" name="Straight Arrow Connector 43">
+              <a:extLst>
+                <a:ext uri="{FF2B5EF4-FFF2-40B4-BE49-F238E27FC236}">
+                  <a16:creationId xmlns:a16="http://schemas.microsoft.com/office/drawing/2014/main" id="{3FC112BB-A39E-430D-AC3D-716B53575D66}"/>
+                </a:ext>
+              </a:extLst>
+            </p:cNvPr>
+            <p:cNvCxnSpPr/>
+            <p:nvPr/>
+          </p:nvCxnSpPr>
+          <p:spPr>
+            <a:xfrm>
+              <a:off x="6086475" y="1685925"/>
+              <a:ext cx="0" cy="819150"/>
+            </a:xfrm>
+            <a:prstGeom prst="straightConnector1">
+              <a:avLst/>
+            </a:prstGeom>
+            <a:ln>
+              <a:tailEnd type="triangle"/>
+            </a:ln>
+          </p:spPr>
+          <p:style>
+            <a:lnRef idx="1">
+              <a:schemeClr val="accent1"/>
+            </a:lnRef>
+            <a:fillRef idx="0">
+              <a:schemeClr val="accent1"/>
+            </a:fillRef>
+            <a:effectRef idx="0">
+              <a:schemeClr val="accent1"/>
+            </a:effectRef>
+            <a:fontRef idx="minor">
+              <a:schemeClr val="tx1"/>
+            </a:fontRef>
+          </p:style>
+        </p:cxnSp>
+        <p:sp>
+          <p:nvSpPr>
+            <p:cNvPr id="45" name="Rectangle 44">
+              <a:extLst>
+                <a:ext uri="{FF2B5EF4-FFF2-40B4-BE49-F238E27FC236}">
+                  <a16:creationId xmlns:a16="http://schemas.microsoft.com/office/drawing/2014/main" id="{08F1F377-3021-49D2-98C9-7B5F3F64A539}"/>
+                </a:ext>
+              </a:extLst>
+            </p:cNvPr>
+            <p:cNvSpPr/>
+            <p:nvPr/>
+          </p:nvSpPr>
+          <p:spPr>
+            <a:xfrm>
+              <a:off x="1414463" y="4238624"/>
+              <a:ext cx="4391025" cy="876296"/>
+            </a:xfrm>
+            <a:prstGeom prst="rect">
+              <a:avLst/>
+            </a:prstGeom>
+          </p:spPr>
+          <p:style>
+            <a:lnRef idx="2">
+              <a:schemeClr val="accent1">
+                <a:shade val="50000"/>
+              </a:schemeClr>
+            </a:lnRef>
+            <a:fillRef idx="1">
+              <a:schemeClr val="accent1"/>
+            </a:fillRef>
+            <a:effectRef idx="0">
+              <a:schemeClr val="accent1"/>
+            </a:effectRef>
+            <a:fontRef idx="minor">
+              <a:schemeClr val="lt1"/>
+            </a:fontRef>
+          </p:style>
+          <p:txBody>
+            <a:bodyPr rtlCol="0" anchor="ctr"/>
+            <a:lstStyle/>
+            <a:p>
+              <a:pPr algn="ctr"/>
+              <a:r>
+                <a:rPr lang="en-US" dirty="0"/>
+                <a:t>Replica Set</a:t>
+              </a:r>
+            </a:p>
+            <a:p>
+              <a:pPr algn="ctr"/>
+              <a:r>
+                <a:rPr lang="en-US" dirty="0"/>
+                <a:t>C – V2</a:t>
+              </a:r>
+            </a:p>
+          </p:txBody>
+        </p:sp>
+        <p:cxnSp>
+          <p:nvCxnSpPr>
+            <p:cNvPr id="46" name="Straight Arrow Connector 45">
+              <a:extLst>
+                <a:ext uri="{FF2B5EF4-FFF2-40B4-BE49-F238E27FC236}">
+                  <a16:creationId xmlns:a16="http://schemas.microsoft.com/office/drawing/2014/main" id="{3C168077-4CB0-4D83-B27D-A440C9310400}"/>
+                </a:ext>
+              </a:extLst>
+            </p:cNvPr>
+            <p:cNvCxnSpPr>
+              <a:stCxn id="45" idx="0"/>
+              <a:endCxn id="37" idx="2"/>
+            </p:cNvCxnSpPr>
+            <p:nvPr/>
+          </p:nvCxnSpPr>
+          <p:spPr>
+            <a:xfrm flipV="1">
+              <a:off x="3609976" y="3381375"/>
+              <a:ext cx="0" cy="857249"/>
+            </a:xfrm>
+            <a:prstGeom prst="straightConnector1">
+              <a:avLst/>
+            </a:prstGeom>
+            <a:ln>
+              <a:prstDash val="dash"/>
+              <a:tailEnd type="triangle"/>
+            </a:ln>
+          </p:spPr>
+          <p:style>
+            <a:lnRef idx="1">
+              <a:schemeClr val="accent1"/>
+            </a:lnRef>
+            <a:fillRef idx="0">
+              <a:schemeClr val="accent1"/>
+            </a:fillRef>
+            <a:effectRef idx="0">
+              <a:schemeClr val="accent1"/>
+            </a:effectRef>
+            <a:fontRef idx="minor">
+              <a:schemeClr val="tx1"/>
+            </a:fontRef>
+          </p:style>
+        </p:cxnSp>
+        <p:cxnSp>
+          <p:nvCxnSpPr>
+            <p:cNvPr id="47" name="Straight Arrow Connector 46">
+              <a:extLst>
+                <a:ext uri="{FF2B5EF4-FFF2-40B4-BE49-F238E27FC236}">
+                  <a16:creationId xmlns:a16="http://schemas.microsoft.com/office/drawing/2014/main" id="{E82E89DB-152B-4A20-B913-579F1DC0C42C}"/>
+                </a:ext>
+              </a:extLst>
+            </p:cNvPr>
+            <p:cNvCxnSpPr>
+              <a:stCxn id="45" idx="0"/>
+              <a:endCxn id="36" idx="2"/>
+            </p:cNvCxnSpPr>
+            <p:nvPr/>
+          </p:nvCxnSpPr>
+          <p:spPr>
+            <a:xfrm flipH="1" flipV="1">
+              <a:off x="1352551" y="3381375"/>
+              <a:ext cx="2257425" cy="857249"/>
+            </a:xfrm>
+            <a:prstGeom prst="straightConnector1">
+              <a:avLst/>
+            </a:prstGeom>
+            <a:ln>
+              <a:prstDash val="lgDash"/>
+              <a:tailEnd type="triangle"/>
+            </a:ln>
+          </p:spPr>
+          <p:style>
+            <a:lnRef idx="1">
+              <a:schemeClr val="accent1"/>
+            </a:lnRef>
+            <a:fillRef idx="0">
+              <a:schemeClr val="accent1"/>
+            </a:fillRef>
+            <a:effectRef idx="0">
+              <a:schemeClr val="accent1"/>
+            </a:effectRef>
+            <a:fontRef idx="minor">
+              <a:schemeClr val="tx1"/>
+            </a:fontRef>
+          </p:style>
+        </p:cxnSp>
+        <p:cxnSp>
+          <p:nvCxnSpPr>
+            <p:cNvPr id="48" name="Straight Arrow Connector 47">
+              <a:extLst>
+                <a:ext uri="{FF2B5EF4-FFF2-40B4-BE49-F238E27FC236}">
+                  <a16:creationId xmlns:a16="http://schemas.microsoft.com/office/drawing/2014/main" id="{9AAD4907-BDB0-4942-81C2-6604DA2A8B80}"/>
+                </a:ext>
+              </a:extLst>
+            </p:cNvPr>
+            <p:cNvCxnSpPr>
+              <a:stCxn id="45" idx="0"/>
+            </p:cNvCxnSpPr>
+            <p:nvPr/>
+          </p:nvCxnSpPr>
+          <p:spPr>
+            <a:xfrm flipV="1">
+              <a:off x="3609976" y="3457575"/>
+              <a:ext cx="2362199" cy="781049"/>
+            </a:xfrm>
+            <a:prstGeom prst="straightConnector1">
+              <a:avLst/>
+            </a:prstGeom>
+            <a:ln>
+              <a:prstDash val="dash"/>
+              <a:tailEnd type="triangle"/>
+            </a:ln>
+          </p:spPr>
+          <p:style>
+            <a:lnRef idx="1">
+              <a:schemeClr val="accent1"/>
+            </a:lnRef>
+            <a:fillRef idx="0">
+              <a:schemeClr val="accent1"/>
+            </a:fillRef>
+            <a:effectRef idx="0">
+              <a:schemeClr val="accent1"/>
+            </a:effectRef>
+            <a:fontRef idx="minor">
+              <a:schemeClr val="tx1"/>
+            </a:fontRef>
+          </p:style>
+        </p:cxnSp>
+      </p:grpSp>
+      <p:cxnSp>
+        <p:nvCxnSpPr>
+          <p:cNvPr id="50" name="Straight Arrow Connector 49">
+            <a:extLst>
+              <a:ext uri="{FF2B5EF4-FFF2-40B4-BE49-F238E27FC236}">
+                <a16:creationId xmlns:a16="http://schemas.microsoft.com/office/drawing/2014/main" id="{AE402824-6783-411E-8A92-DA9E3B810B8C}"/>
+              </a:ext>
+            </a:extLst>
+          </p:cNvPr>
+          <p:cNvCxnSpPr>
+            <a:cxnSpLocks/>
+          </p:cNvCxnSpPr>
+          <p:nvPr/>
+        </p:nvCxnSpPr>
+        <p:spPr>
+          <a:xfrm>
+            <a:off x="7839153" y="2124076"/>
+            <a:ext cx="1213621" cy="9525"/>
+          </a:xfrm>
+          <a:prstGeom prst="straightConnector1">
+            <a:avLst/>
+          </a:prstGeom>
+          <a:ln>
+            <a:tailEnd type="triangle"/>
+          </a:ln>
+        </p:spPr>
+        <p:style>
+          <a:lnRef idx="1">
+            <a:schemeClr val="accent1"/>
+          </a:lnRef>
+          <a:fillRef idx="0">
+            <a:schemeClr val="accent1"/>
+          </a:fillRef>
+          <a:effectRef idx="0">
+            <a:schemeClr val="accent1"/>
+          </a:effectRef>
+          <a:fontRef idx="minor">
+            <a:schemeClr val="tx1"/>
+          </a:fontRef>
+        </p:style>
+      </p:cxnSp>
+    </p:spTree>
+    <p:extLst>
+      <p:ext uri="{BB962C8B-B14F-4D97-AF65-F5344CB8AC3E}">
+        <p14:creationId xmlns:p14="http://schemas.microsoft.com/office/powerpoint/2010/main" val="2385684046"/>
+      </p:ext>
+    </p:extLst>
+  </p:cSld>
+  <p:clrMapOvr>
+    <a:masterClrMapping/>
+  </p:clrMapOvr>
+</p:sld>
+</file>
+
+<file path=ppt/slides/slide37.xml><?xml version="1.0" encoding="utf-8"?>
+<p:sld xmlns:a="http://schemas.openxmlformats.org/drawingml/2006/main" xmlns:r="http://schemas.openxmlformats.org/officeDocument/2006/relationships" xmlns:p="http://schemas.openxmlformats.org/presentationml/2006/main">
+  <p:cSld>
+    <p:spTree>
+      <p:nvGrpSpPr>
+        <p:cNvPr id="1" name=""/>
+        <p:cNvGrpSpPr/>
+        <p:nvPr/>
+      </p:nvGrpSpPr>
+      <p:grpSpPr>
+        <a:xfrm>
+          <a:off x="0" y="0"/>
+          <a:ext cx="0" cy="0"/>
+          <a:chOff x="0" y="0"/>
+          <a:chExt cx="0" cy="0"/>
+        </a:xfrm>
+      </p:grpSpPr>
+      <p:grpSp>
+        <p:nvGrpSpPr>
+          <p:cNvPr id="4" name="Group 3">
+            <a:extLst>
+              <a:ext uri="{FF2B5EF4-FFF2-40B4-BE49-F238E27FC236}">
+                <a16:creationId xmlns:a16="http://schemas.microsoft.com/office/drawing/2014/main" id="{4D76F0A1-A65D-4DFC-85CE-E89D1F2C6927}"/>
+              </a:ext>
+            </a:extLst>
+          </p:cNvPr>
+          <p:cNvGrpSpPr/>
+          <p:nvPr/>
+        </p:nvGrpSpPr>
+        <p:grpSpPr>
+          <a:xfrm>
+            <a:off x="923754" y="323850"/>
+            <a:ext cx="3019424" cy="3105150"/>
+            <a:chOff x="457201" y="200025"/>
+            <a:chExt cx="6305550" cy="4914895"/>
+          </a:xfrm>
+        </p:grpSpPr>
+        <p:sp>
+          <p:nvSpPr>
+            <p:cNvPr id="5" name="Rectangle 4">
+              <a:extLst>
+                <a:ext uri="{FF2B5EF4-FFF2-40B4-BE49-F238E27FC236}">
+                  <a16:creationId xmlns:a16="http://schemas.microsoft.com/office/drawing/2014/main" id="{9D969E10-DB92-4C13-87A3-4F7DAB3B56E8}"/>
+                </a:ext>
+              </a:extLst>
+            </p:cNvPr>
+            <p:cNvSpPr/>
+            <p:nvPr/>
+          </p:nvSpPr>
+          <p:spPr>
+            <a:xfrm>
+              <a:off x="457201" y="2505075"/>
+              <a:ext cx="1790700" cy="876300"/>
+            </a:xfrm>
+            <a:prstGeom prst="rect">
+              <a:avLst/>
+            </a:prstGeom>
+          </p:spPr>
+          <p:style>
+            <a:lnRef idx="2">
+              <a:schemeClr val="accent1">
+                <a:shade val="50000"/>
+              </a:schemeClr>
+            </a:lnRef>
+            <a:fillRef idx="1">
+              <a:schemeClr val="accent1"/>
+            </a:fillRef>
+            <a:effectRef idx="0">
+              <a:schemeClr val="accent1"/>
+            </a:effectRef>
+            <a:fontRef idx="minor">
+              <a:schemeClr val="lt1"/>
+            </a:fontRef>
+          </p:style>
+          <p:txBody>
+            <a:bodyPr rtlCol="0" anchor="ctr"/>
+            <a:lstStyle/>
+            <a:p>
+              <a:pPr algn="ctr"/>
+              <a:r>
+                <a:rPr lang="en-US" dirty="0"/>
+                <a:t>Pod</a:t>
+              </a:r>
+            </a:p>
+            <a:p>
+              <a:pPr algn="ctr"/>
+              <a:r>
+                <a:rPr lang="en-US" dirty="0"/>
+                <a:t>C – V1</a:t>
+              </a:r>
+            </a:p>
+          </p:txBody>
+        </p:sp>
+        <p:sp>
+          <p:nvSpPr>
+            <p:cNvPr id="6" name="Rectangle 5">
+              <a:extLst>
+                <a:ext uri="{FF2B5EF4-FFF2-40B4-BE49-F238E27FC236}">
+                  <a16:creationId xmlns:a16="http://schemas.microsoft.com/office/drawing/2014/main" id="{6CDBB8D4-2893-4F68-9C84-8B29508DFFD0}"/>
+                </a:ext>
+              </a:extLst>
+            </p:cNvPr>
+            <p:cNvSpPr/>
+            <p:nvPr/>
+          </p:nvSpPr>
+          <p:spPr>
+            <a:xfrm>
+              <a:off x="2714626" y="2505075"/>
+              <a:ext cx="1790700" cy="876300"/>
+            </a:xfrm>
+            <a:prstGeom prst="rect">
+              <a:avLst/>
+            </a:prstGeom>
+          </p:spPr>
+          <p:style>
+            <a:lnRef idx="2">
+              <a:schemeClr val="accent1">
+                <a:shade val="50000"/>
+              </a:schemeClr>
+            </a:lnRef>
+            <a:fillRef idx="1">
+              <a:schemeClr val="accent1"/>
+            </a:fillRef>
+            <a:effectRef idx="0">
+              <a:schemeClr val="accent1"/>
+            </a:effectRef>
+            <a:fontRef idx="minor">
+              <a:schemeClr val="lt1"/>
+            </a:fontRef>
+          </p:style>
+          <p:txBody>
+            <a:bodyPr rtlCol="0" anchor="ctr"/>
+            <a:lstStyle/>
+            <a:p>
+              <a:pPr algn="ctr"/>
+              <a:r>
+                <a:rPr lang="en-US" dirty="0"/>
+                <a:t>Pod</a:t>
+              </a:r>
+            </a:p>
+            <a:p>
+              <a:pPr algn="ctr"/>
+              <a:r>
+                <a:rPr lang="en-US" dirty="0"/>
+                <a:t>C – V1</a:t>
+              </a:r>
+            </a:p>
+          </p:txBody>
+        </p:sp>
+        <p:sp>
+          <p:nvSpPr>
+            <p:cNvPr id="7" name="Rectangle 6">
+              <a:extLst>
+                <a:ext uri="{FF2B5EF4-FFF2-40B4-BE49-F238E27FC236}">
+                  <a16:creationId xmlns:a16="http://schemas.microsoft.com/office/drawing/2014/main" id="{564F1D06-5B73-4703-A3AD-6B42310D9282}"/>
+                </a:ext>
+              </a:extLst>
+            </p:cNvPr>
+            <p:cNvSpPr/>
+            <p:nvPr/>
+          </p:nvSpPr>
+          <p:spPr>
+            <a:xfrm>
+              <a:off x="4972051" y="2505075"/>
+              <a:ext cx="1790700" cy="876300"/>
+            </a:xfrm>
+            <a:prstGeom prst="rect">
+              <a:avLst/>
+            </a:prstGeom>
+          </p:spPr>
+          <p:style>
+            <a:lnRef idx="2">
+              <a:schemeClr val="accent1">
+                <a:shade val="50000"/>
+              </a:schemeClr>
+            </a:lnRef>
+            <a:fillRef idx="1">
+              <a:schemeClr val="accent1"/>
+            </a:fillRef>
+            <a:effectRef idx="0">
+              <a:schemeClr val="accent1"/>
+            </a:effectRef>
+            <a:fontRef idx="minor">
+              <a:schemeClr val="lt1"/>
+            </a:fontRef>
+          </p:style>
+          <p:txBody>
+            <a:bodyPr rtlCol="0" anchor="ctr"/>
+            <a:lstStyle/>
+            <a:p>
+              <a:pPr algn="ctr"/>
+              <a:r>
+                <a:rPr lang="en-US" dirty="0"/>
+                <a:t>Pod</a:t>
+              </a:r>
+            </a:p>
+            <a:p>
+              <a:pPr algn="ctr"/>
+              <a:r>
+                <a:rPr lang="en-US" dirty="0"/>
+                <a:t>C- V1</a:t>
+              </a:r>
+            </a:p>
+          </p:txBody>
+        </p:sp>
+        <p:sp>
+          <p:nvSpPr>
+            <p:cNvPr id="8" name="Oval 7">
+              <a:extLst>
+                <a:ext uri="{FF2B5EF4-FFF2-40B4-BE49-F238E27FC236}">
+                  <a16:creationId xmlns:a16="http://schemas.microsoft.com/office/drawing/2014/main" id="{6C768C5D-464B-4B53-A94A-F5624881EAC9}"/>
+                </a:ext>
+              </a:extLst>
+            </p:cNvPr>
+            <p:cNvSpPr/>
+            <p:nvPr/>
+          </p:nvSpPr>
+          <p:spPr>
+            <a:xfrm>
+              <a:off x="2447925" y="200025"/>
+              <a:ext cx="2152650" cy="876300"/>
+            </a:xfrm>
+            <a:prstGeom prst="ellipse">
+              <a:avLst/>
+            </a:prstGeom>
+          </p:spPr>
+          <p:style>
+            <a:lnRef idx="2">
+              <a:schemeClr val="accent1">
+                <a:shade val="50000"/>
+              </a:schemeClr>
+            </a:lnRef>
+            <a:fillRef idx="1">
+              <a:schemeClr val="accent1"/>
+            </a:fillRef>
+            <a:effectRef idx="0">
+              <a:schemeClr val="accent1"/>
+            </a:effectRef>
+            <a:fontRef idx="minor">
+              <a:schemeClr val="lt1"/>
+            </a:fontRef>
+          </p:style>
+          <p:txBody>
+            <a:bodyPr rtlCol="0" anchor="ctr"/>
+            <a:lstStyle/>
+            <a:p>
+              <a:pPr algn="ctr"/>
+              <a:r>
+                <a:rPr lang="en-US" dirty="0"/>
+                <a:t>Service</a:t>
+              </a:r>
+            </a:p>
+          </p:txBody>
+        </p:sp>
+        <p:cxnSp>
+          <p:nvCxnSpPr>
+            <p:cNvPr id="9" name="Straight Connector 8">
+              <a:extLst>
+                <a:ext uri="{FF2B5EF4-FFF2-40B4-BE49-F238E27FC236}">
+                  <a16:creationId xmlns:a16="http://schemas.microsoft.com/office/drawing/2014/main" id="{73FCD223-B2DD-407D-92DE-26CDD0D3AC4C}"/>
+                </a:ext>
+              </a:extLst>
+            </p:cNvPr>
+            <p:cNvCxnSpPr>
+              <a:stCxn id="8" idx="4"/>
+            </p:cNvCxnSpPr>
+            <p:nvPr/>
+          </p:nvCxnSpPr>
+          <p:spPr>
+            <a:xfrm>
+              <a:off x="3524250" y="1076325"/>
+              <a:ext cx="0" cy="514350"/>
+            </a:xfrm>
+            <a:prstGeom prst="line">
+              <a:avLst/>
+            </a:prstGeom>
+          </p:spPr>
+          <p:style>
+            <a:lnRef idx="1">
+              <a:schemeClr val="accent1"/>
+            </a:lnRef>
+            <a:fillRef idx="0">
+              <a:schemeClr val="accent1"/>
+            </a:fillRef>
+            <a:effectRef idx="0">
+              <a:schemeClr val="accent1"/>
+            </a:effectRef>
+            <a:fontRef idx="minor">
+              <a:schemeClr val="tx1"/>
+            </a:fontRef>
+          </p:style>
+        </p:cxnSp>
+        <p:cxnSp>
+          <p:nvCxnSpPr>
+            <p:cNvPr id="10" name="Straight Connector 9">
+              <a:extLst>
+                <a:ext uri="{FF2B5EF4-FFF2-40B4-BE49-F238E27FC236}">
+                  <a16:creationId xmlns:a16="http://schemas.microsoft.com/office/drawing/2014/main" id="{0DC598CA-6D8F-4E08-A092-C081EE8475EA}"/>
+                </a:ext>
+              </a:extLst>
+            </p:cNvPr>
+            <p:cNvCxnSpPr>
+              <a:cxnSpLocks/>
+            </p:cNvCxnSpPr>
+            <p:nvPr/>
+          </p:nvCxnSpPr>
+          <p:spPr>
+            <a:xfrm>
+              <a:off x="809625" y="1647825"/>
+              <a:ext cx="5276850" cy="0"/>
+            </a:xfrm>
+            <a:prstGeom prst="line">
+              <a:avLst/>
+            </a:prstGeom>
+          </p:spPr>
+          <p:style>
+            <a:lnRef idx="1">
+              <a:schemeClr val="accent1"/>
+            </a:lnRef>
+            <a:fillRef idx="0">
+              <a:schemeClr val="accent1"/>
+            </a:fillRef>
+            <a:effectRef idx="0">
+              <a:schemeClr val="accent1"/>
+            </a:effectRef>
+            <a:fontRef idx="minor">
+              <a:schemeClr val="tx1"/>
+            </a:fontRef>
+          </p:style>
+        </p:cxnSp>
+        <p:cxnSp>
+          <p:nvCxnSpPr>
+            <p:cNvPr id="11" name="Straight Arrow Connector 10">
+              <a:extLst>
+                <a:ext uri="{FF2B5EF4-FFF2-40B4-BE49-F238E27FC236}">
+                  <a16:creationId xmlns:a16="http://schemas.microsoft.com/office/drawing/2014/main" id="{7CD51077-8990-44C7-BA38-DE22721E998D}"/>
+                </a:ext>
+              </a:extLst>
+            </p:cNvPr>
+            <p:cNvCxnSpPr/>
+            <p:nvPr/>
+          </p:nvCxnSpPr>
+          <p:spPr>
+            <a:xfrm>
+              <a:off x="819150" y="1685925"/>
+              <a:ext cx="0" cy="819150"/>
+            </a:xfrm>
+            <a:prstGeom prst="straightConnector1">
+              <a:avLst/>
+            </a:prstGeom>
+            <a:ln>
+              <a:tailEnd type="triangle"/>
+            </a:ln>
+          </p:spPr>
+          <p:style>
+            <a:lnRef idx="1">
+              <a:schemeClr val="accent1"/>
+            </a:lnRef>
+            <a:fillRef idx="0">
+              <a:schemeClr val="accent1"/>
+            </a:fillRef>
+            <a:effectRef idx="0">
+              <a:schemeClr val="accent1"/>
+            </a:effectRef>
+            <a:fontRef idx="minor">
+              <a:schemeClr val="tx1"/>
+            </a:fontRef>
+          </p:style>
+        </p:cxnSp>
+        <p:cxnSp>
+          <p:nvCxnSpPr>
+            <p:cNvPr id="12" name="Straight Arrow Connector 11">
+              <a:extLst>
+                <a:ext uri="{FF2B5EF4-FFF2-40B4-BE49-F238E27FC236}">
+                  <a16:creationId xmlns:a16="http://schemas.microsoft.com/office/drawing/2014/main" id="{F8A8135E-3558-49F4-AB4F-B9660C381585}"/>
+                </a:ext>
+              </a:extLst>
+            </p:cNvPr>
+            <p:cNvCxnSpPr/>
+            <p:nvPr/>
+          </p:nvCxnSpPr>
+          <p:spPr>
+            <a:xfrm>
+              <a:off x="3705225" y="1647825"/>
+              <a:ext cx="0" cy="781050"/>
+            </a:xfrm>
+            <a:prstGeom prst="straightConnector1">
+              <a:avLst/>
+            </a:prstGeom>
+            <a:ln>
+              <a:tailEnd type="triangle"/>
+            </a:ln>
+          </p:spPr>
+          <p:style>
+            <a:lnRef idx="1">
+              <a:schemeClr val="accent1"/>
+            </a:lnRef>
+            <a:fillRef idx="0">
+              <a:schemeClr val="accent1"/>
+            </a:fillRef>
+            <a:effectRef idx="0">
+              <a:schemeClr val="accent1"/>
+            </a:effectRef>
+            <a:fontRef idx="minor">
+              <a:schemeClr val="tx1"/>
+            </a:fontRef>
+          </p:style>
+        </p:cxnSp>
+        <p:cxnSp>
+          <p:nvCxnSpPr>
+            <p:cNvPr id="13" name="Straight Arrow Connector 12">
+              <a:extLst>
+                <a:ext uri="{FF2B5EF4-FFF2-40B4-BE49-F238E27FC236}">
+                  <a16:creationId xmlns:a16="http://schemas.microsoft.com/office/drawing/2014/main" id="{4CB3361C-BE72-477A-B0B0-E29446FB5D21}"/>
+                </a:ext>
+              </a:extLst>
+            </p:cNvPr>
+            <p:cNvCxnSpPr/>
+            <p:nvPr/>
+          </p:nvCxnSpPr>
+          <p:spPr>
+            <a:xfrm>
+              <a:off x="6086475" y="1685925"/>
+              <a:ext cx="0" cy="819150"/>
+            </a:xfrm>
+            <a:prstGeom prst="straightConnector1">
+              <a:avLst/>
+            </a:prstGeom>
+            <a:ln>
+              <a:tailEnd type="triangle"/>
+            </a:ln>
+          </p:spPr>
+          <p:style>
+            <a:lnRef idx="1">
+              <a:schemeClr val="accent1"/>
+            </a:lnRef>
+            <a:fillRef idx="0">
+              <a:schemeClr val="accent1"/>
+            </a:fillRef>
+            <a:effectRef idx="0">
+              <a:schemeClr val="accent1"/>
+            </a:effectRef>
+            <a:fontRef idx="minor">
+              <a:schemeClr val="tx1"/>
+            </a:fontRef>
+          </p:style>
+        </p:cxnSp>
+        <p:sp>
+          <p:nvSpPr>
+            <p:cNvPr id="14" name="Rectangle 13">
+              <a:extLst>
+                <a:ext uri="{FF2B5EF4-FFF2-40B4-BE49-F238E27FC236}">
+                  <a16:creationId xmlns:a16="http://schemas.microsoft.com/office/drawing/2014/main" id="{DADA8187-93BE-4CA0-9D25-525C8E6FB376}"/>
+                </a:ext>
+              </a:extLst>
+            </p:cNvPr>
+            <p:cNvSpPr/>
+            <p:nvPr/>
+          </p:nvSpPr>
+          <p:spPr>
+            <a:xfrm>
+              <a:off x="1414463" y="4238624"/>
+              <a:ext cx="4391025" cy="876296"/>
+            </a:xfrm>
+            <a:prstGeom prst="rect">
+              <a:avLst/>
+            </a:prstGeom>
+          </p:spPr>
+          <p:style>
+            <a:lnRef idx="2">
+              <a:schemeClr val="accent1">
+                <a:shade val="50000"/>
+              </a:schemeClr>
+            </a:lnRef>
+            <a:fillRef idx="1">
+              <a:schemeClr val="accent1"/>
+            </a:fillRef>
+            <a:effectRef idx="0">
+              <a:schemeClr val="accent1"/>
+            </a:effectRef>
+            <a:fontRef idx="minor">
+              <a:schemeClr val="lt1"/>
+            </a:fontRef>
+          </p:style>
+          <p:txBody>
+            <a:bodyPr rtlCol="0" anchor="ctr"/>
+            <a:lstStyle/>
+            <a:p>
+              <a:pPr algn="ctr"/>
+              <a:r>
+                <a:rPr lang="en-US" dirty="0"/>
+                <a:t>Replica Set 1</a:t>
+              </a:r>
+            </a:p>
+            <a:p>
+              <a:pPr algn="ctr"/>
+              <a:r>
+                <a:rPr lang="en-US" dirty="0"/>
+                <a:t>C – V1</a:t>
+              </a:r>
+            </a:p>
+          </p:txBody>
+        </p:sp>
+        <p:cxnSp>
+          <p:nvCxnSpPr>
+            <p:cNvPr id="15" name="Straight Arrow Connector 14">
+              <a:extLst>
+                <a:ext uri="{FF2B5EF4-FFF2-40B4-BE49-F238E27FC236}">
+                  <a16:creationId xmlns:a16="http://schemas.microsoft.com/office/drawing/2014/main" id="{37F8A296-7395-40A1-8258-1CDD1767F564}"/>
+                </a:ext>
+              </a:extLst>
+            </p:cNvPr>
+            <p:cNvCxnSpPr>
+              <a:stCxn id="14" idx="0"/>
+              <a:endCxn id="6" idx="2"/>
+            </p:cNvCxnSpPr>
+            <p:nvPr/>
+          </p:nvCxnSpPr>
+          <p:spPr>
+            <a:xfrm flipV="1">
+              <a:off x="3609976" y="3381375"/>
+              <a:ext cx="0" cy="857249"/>
+            </a:xfrm>
+            <a:prstGeom prst="straightConnector1">
+              <a:avLst/>
+            </a:prstGeom>
+            <a:ln>
+              <a:prstDash val="dash"/>
+              <a:tailEnd type="triangle"/>
+            </a:ln>
+          </p:spPr>
+          <p:style>
+            <a:lnRef idx="1">
+              <a:schemeClr val="accent1"/>
+            </a:lnRef>
+            <a:fillRef idx="0">
+              <a:schemeClr val="accent1"/>
+            </a:fillRef>
+            <a:effectRef idx="0">
+              <a:schemeClr val="accent1"/>
+            </a:effectRef>
+            <a:fontRef idx="minor">
+              <a:schemeClr val="tx1"/>
+            </a:fontRef>
+          </p:style>
+        </p:cxnSp>
+        <p:cxnSp>
+          <p:nvCxnSpPr>
+            <p:cNvPr id="16" name="Straight Arrow Connector 15">
+              <a:extLst>
+                <a:ext uri="{FF2B5EF4-FFF2-40B4-BE49-F238E27FC236}">
+                  <a16:creationId xmlns:a16="http://schemas.microsoft.com/office/drawing/2014/main" id="{5948F4AD-AEEA-4C2F-BFC3-EEB268E0EC83}"/>
+                </a:ext>
+              </a:extLst>
+            </p:cNvPr>
+            <p:cNvCxnSpPr>
+              <a:stCxn id="14" idx="0"/>
+              <a:endCxn id="5" idx="2"/>
+            </p:cNvCxnSpPr>
+            <p:nvPr/>
+          </p:nvCxnSpPr>
+          <p:spPr>
+            <a:xfrm flipH="1" flipV="1">
+              <a:off x="1352551" y="3381375"/>
+              <a:ext cx="2257425" cy="857249"/>
+            </a:xfrm>
+            <a:prstGeom prst="straightConnector1">
+              <a:avLst/>
+            </a:prstGeom>
+            <a:ln>
+              <a:prstDash val="lgDash"/>
+              <a:tailEnd type="triangle"/>
+            </a:ln>
+          </p:spPr>
+          <p:style>
+            <a:lnRef idx="1">
+              <a:schemeClr val="accent1"/>
+            </a:lnRef>
+            <a:fillRef idx="0">
+              <a:schemeClr val="accent1"/>
+            </a:fillRef>
+            <a:effectRef idx="0">
+              <a:schemeClr val="accent1"/>
+            </a:effectRef>
+            <a:fontRef idx="minor">
+              <a:schemeClr val="tx1"/>
+            </a:fontRef>
+          </p:style>
+        </p:cxnSp>
+        <p:cxnSp>
+          <p:nvCxnSpPr>
+            <p:cNvPr id="17" name="Straight Arrow Connector 16">
+              <a:extLst>
+                <a:ext uri="{FF2B5EF4-FFF2-40B4-BE49-F238E27FC236}">
+                  <a16:creationId xmlns:a16="http://schemas.microsoft.com/office/drawing/2014/main" id="{3D255F73-70D2-46DA-BFE4-9CF9386AA414}"/>
+                </a:ext>
+              </a:extLst>
+            </p:cNvPr>
+            <p:cNvCxnSpPr>
+              <a:stCxn id="14" idx="0"/>
+            </p:cNvCxnSpPr>
+            <p:nvPr/>
+          </p:nvCxnSpPr>
+          <p:spPr>
+            <a:xfrm flipV="1">
+              <a:off x="3609976" y="3457575"/>
+              <a:ext cx="2362199" cy="781049"/>
+            </a:xfrm>
+            <a:prstGeom prst="straightConnector1">
+              <a:avLst/>
+            </a:prstGeom>
+            <a:ln>
+              <a:prstDash val="dash"/>
+              <a:tailEnd type="triangle"/>
+            </a:ln>
+          </p:spPr>
+          <p:style>
+            <a:lnRef idx="1">
+              <a:schemeClr val="accent1"/>
+            </a:lnRef>
+            <a:fillRef idx="0">
+              <a:schemeClr val="accent1"/>
+            </a:fillRef>
+            <a:effectRef idx="0">
+              <a:schemeClr val="accent1"/>
+            </a:effectRef>
+            <a:fontRef idx="minor">
+              <a:schemeClr val="tx1"/>
+            </a:fontRef>
+          </p:style>
+        </p:cxnSp>
+      </p:grpSp>
+      <p:grpSp>
+        <p:nvGrpSpPr>
+          <p:cNvPr id="18" name="Group 17">
+            <a:extLst>
+              <a:ext uri="{FF2B5EF4-FFF2-40B4-BE49-F238E27FC236}">
+                <a16:creationId xmlns:a16="http://schemas.microsoft.com/office/drawing/2014/main" id="{65B42738-5B83-4ECD-BD6F-F53AD5263E95}"/>
+              </a:ext>
+            </a:extLst>
+          </p:cNvPr>
+          <p:cNvGrpSpPr/>
+          <p:nvPr/>
+        </p:nvGrpSpPr>
+        <p:grpSpPr>
+          <a:xfrm>
+            <a:off x="4586288" y="1780143"/>
+            <a:ext cx="3019424" cy="1648857"/>
+            <a:chOff x="457201" y="2505075"/>
+            <a:chExt cx="6305550" cy="2609845"/>
+          </a:xfrm>
+        </p:grpSpPr>
+        <p:sp>
+          <p:nvSpPr>
+            <p:cNvPr id="19" name="Rectangle 18">
+              <a:extLst>
+                <a:ext uri="{FF2B5EF4-FFF2-40B4-BE49-F238E27FC236}">
+                  <a16:creationId xmlns:a16="http://schemas.microsoft.com/office/drawing/2014/main" id="{A9E49E81-0684-4F99-8230-85729AC538A1}"/>
+                </a:ext>
+              </a:extLst>
+            </p:cNvPr>
+            <p:cNvSpPr/>
+            <p:nvPr/>
+          </p:nvSpPr>
+          <p:spPr>
+            <a:xfrm>
+              <a:off x="457201" y="2505075"/>
+              <a:ext cx="1790700" cy="876300"/>
+            </a:xfrm>
+            <a:prstGeom prst="rect">
+              <a:avLst/>
+            </a:prstGeom>
+          </p:spPr>
+          <p:style>
+            <a:lnRef idx="2">
+              <a:schemeClr val="accent1">
+                <a:shade val="50000"/>
+              </a:schemeClr>
+            </a:lnRef>
+            <a:fillRef idx="1">
+              <a:schemeClr val="accent1"/>
+            </a:fillRef>
+            <a:effectRef idx="0">
+              <a:schemeClr val="accent1"/>
+            </a:effectRef>
+            <a:fontRef idx="minor">
+              <a:schemeClr val="lt1"/>
+            </a:fontRef>
+          </p:style>
+          <p:txBody>
+            <a:bodyPr rtlCol="0" anchor="ctr"/>
+            <a:lstStyle/>
+            <a:p>
+              <a:pPr algn="ctr"/>
+              <a:r>
+                <a:rPr lang="en-US" dirty="0"/>
+                <a:t>Pod</a:t>
+              </a:r>
+            </a:p>
+            <a:p>
+              <a:pPr algn="ctr"/>
+              <a:r>
+                <a:rPr lang="en-US" dirty="0"/>
+                <a:t>C – V2</a:t>
+              </a:r>
+            </a:p>
+          </p:txBody>
+        </p:sp>
+        <p:sp>
+          <p:nvSpPr>
+            <p:cNvPr id="20" name="Rectangle 19">
+              <a:extLst>
+                <a:ext uri="{FF2B5EF4-FFF2-40B4-BE49-F238E27FC236}">
+                  <a16:creationId xmlns:a16="http://schemas.microsoft.com/office/drawing/2014/main" id="{F4A1F48C-7D44-48A1-97ED-9AF4873D9056}"/>
+                </a:ext>
+              </a:extLst>
+            </p:cNvPr>
+            <p:cNvSpPr/>
+            <p:nvPr/>
+          </p:nvSpPr>
+          <p:spPr>
+            <a:xfrm>
+              <a:off x="2714626" y="2505075"/>
+              <a:ext cx="1790700" cy="876300"/>
+            </a:xfrm>
+            <a:prstGeom prst="rect">
+              <a:avLst/>
+            </a:prstGeom>
+          </p:spPr>
+          <p:style>
+            <a:lnRef idx="2">
+              <a:schemeClr val="accent1">
+                <a:shade val="50000"/>
+              </a:schemeClr>
+            </a:lnRef>
+            <a:fillRef idx="1">
+              <a:schemeClr val="accent1"/>
+            </a:fillRef>
+            <a:effectRef idx="0">
+              <a:schemeClr val="accent1"/>
+            </a:effectRef>
+            <a:fontRef idx="minor">
+              <a:schemeClr val="lt1"/>
+            </a:fontRef>
+          </p:style>
+          <p:txBody>
+            <a:bodyPr rtlCol="0" anchor="ctr"/>
+            <a:lstStyle/>
+            <a:p>
+              <a:pPr algn="ctr"/>
+              <a:r>
+                <a:rPr lang="en-US" dirty="0"/>
+                <a:t>Pod</a:t>
+              </a:r>
+            </a:p>
+            <a:p>
+              <a:pPr algn="ctr"/>
+              <a:r>
+                <a:rPr lang="en-US" dirty="0"/>
+                <a:t>C – V2</a:t>
+              </a:r>
+            </a:p>
+          </p:txBody>
+        </p:sp>
+        <p:sp>
+          <p:nvSpPr>
+            <p:cNvPr id="21" name="Rectangle 20">
+              <a:extLst>
+                <a:ext uri="{FF2B5EF4-FFF2-40B4-BE49-F238E27FC236}">
+                  <a16:creationId xmlns:a16="http://schemas.microsoft.com/office/drawing/2014/main" id="{14E49F9D-0FA2-4D27-928E-79F252776DCC}"/>
+                </a:ext>
+              </a:extLst>
+            </p:cNvPr>
+            <p:cNvSpPr/>
+            <p:nvPr/>
+          </p:nvSpPr>
+          <p:spPr>
+            <a:xfrm>
+              <a:off x="4972051" y="2505075"/>
+              <a:ext cx="1790700" cy="876300"/>
+            </a:xfrm>
+            <a:prstGeom prst="rect">
+              <a:avLst/>
+            </a:prstGeom>
+          </p:spPr>
+          <p:style>
+            <a:lnRef idx="2">
+              <a:schemeClr val="accent1">
+                <a:shade val="50000"/>
+              </a:schemeClr>
+            </a:lnRef>
+            <a:fillRef idx="1">
+              <a:schemeClr val="accent1"/>
+            </a:fillRef>
+            <a:effectRef idx="0">
+              <a:schemeClr val="accent1"/>
+            </a:effectRef>
+            <a:fontRef idx="minor">
+              <a:schemeClr val="lt1"/>
+            </a:fontRef>
+          </p:style>
+          <p:txBody>
+            <a:bodyPr rtlCol="0" anchor="ctr"/>
+            <a:lstStyle/>
+            <a:p>
+              <a:pPr algn="ctr"/>
+              <a:r>
+                <a:rPr lang="en-US" dirty="0"/>
+                <a:t>Pod</a:t>
+              </a:r>
+            </a:p>
+            <a:p>
+              <a:pPr algn="ctr"/>
+              <a:r>
+                <a:rPr lang="en-US" dirty="0"/>
+                <a:t>C- V2</a:t>
+              </a:r>
+            </a:p>
+          </p:txBody>
+        </p:sp>
+        <p:sp>
+          <p:nvSpPr>
+            <p:cNvPr id="28" name="Rectangle 27">
+              <a:extLst>
+                <a:ext uri="{FF2B5EF4-FFF2-40B4-BE49-F238E27FC236}">
+                  <a16:creationId xmlns:a16="http://schemas.microsoft.com/office/drawing/2014/main" id="{4F0D4B13-CE1B-446F-91E7-74028387CAE3}"/>
+                </a:ext>
+              </a:extLst>
+            </p:cNvPr>
+            <p:cNvSpPr/>
+            <p:nvPr/>
+          </p:nvSpPr>
+          <p:spPr>
+            <a:xfrm>
+              <a:off x="1414463" y="4238624"/>
+              <a:ext cx="4391025" cy="876296"/>
+            </a:xfrm>
+            <a:prstGeom prst="rect">
+              <a:avLst/>
+            </a:prstGeom>
+          </p:spPr>
+          <p:style>
+            <a:lnRef idx="2">
+              <a:schemeClr val="accent1">
+                <a:shade val="50000"/>
+              </a:schemeClr>
+            </a:lnRef>
+            <a:fillRef idx="1">
+              <a:schemeClr val="accent1"/>
+            </a:fillRef>
+            <a:effectRef idx="0">
+              <a:schemeClr val="accent1"/>
+            </a:effectRef>
+            <a:fontRef idx="minor">
+              <a:schemeClr val="lt1"/>
+            </a:fontRef>
+          </p:style>
+          <p:txBody>
+            <a:bodyPr rtlCol="0" anchor="ctr"/>
+            <a:lstStyle/>
+            <a:p>
+              <a:pPr algn="ctr"/>
+              <a:r>
+                <a:rPr lang="en-US" dirty="0"/>
+                <a:t>Replica Set 2</a:t>
+              </a:r>
+            </a:p>
+            <a:p>
+              <a:pPr algn="ctr"/>
+              <a:r>
+                <a:rPr lang="en-US" dirty="0"/>
+                <a:t>C – V2</a:t>
+              </a:r>
+            </a:p>
+          </p:txBody>
+        </p:sp>
+        <p:cxnSp>
+          <p:nvCxnSpPr>
+            <p:cNvPr id="29" name="Straight Arrow Connector 28">
+              <a:extLst>
+                <a:ext uri="{FF2B5EF4-FFF2-40B4-BE49-F238E27FC236}">
+                  <a16:creationId xmlns:a16="http://schemas.microsoft.com/office/drawing/2014/main" id="{D11977BB-0272-4531-A09F-2EAC8C51A90E}"/>
+                </a:ext>
+              </a:extLst>
+            </p:cNvPr>
+            <p:cNvCxnSpPr>
+              <a:cxnSpLocks/>
+              <a:stCxn id="28" idx="0"/>
+              <a:endCxn id="20" idx="2"/>
+            </p:cNvCxnSpPr>
+            <p:nvPr/>
+          </p:nvCxnSpPr>
+          <p:spPr>
+            <a:xfrm flipV="1">
+              <a:off x="3609976" y="3381375"/>
+              <a:ext cx="0" cy="857249"/>
+            </a:xfrm>
+            <a:prstGeom prst="straightConnector1">
+              <a:avLst/>
+            </a:prstGeom>
+            <a:ln>
+              <a:prstDash val="dash"/>
+              <a:tailEnd type="triangle"/>
+            </a:ln>
+          </p:spPr>
+          <p:style>
+            <a:lnRef idx="1">
+              <a:schemeClr val="accent1"/>
+            </a:lnRef>
+            <a:fillRef idx="0">
+              <a:schemeClr val="accent1"/>
+            </a:fillRef>
+            <a:effectRef idx="0">
+              <a:schemeClr val="accent1"/>
+            </a:effectRef>
+            <a:fontRef idx="minor">
+              <a:schemeClr val="tx1"/>
+            </a:fontRef>
+          </p:style>
+        </p:cxnSp>
+        <p:cxnSp>
+          <p:nvCxnSpPr>
+            <p:cNvPr id="30" name="Straight Arrow Connector 29">
+              <a:extLst>
+                <a:ext uri="{FF2B5EF4-FFF2-40B4-BE49-F238E27FC236}">
+                  <a16:creationId xmlns:a16="http://schemas.microsoft.com/office/drawing/2014/main" id="{60E686B6-A99C-47B8-A38E-F302DA3AED7A}"/>
+                </a:ext>
+              </a:extLst>
+            </p:cNvPr>
+            <p:cNvCxnSpPr>
+              <a:cxnSpLocks/>
+              <a:stCxn id="28" idx="0"/>
+              <a:endCxn id="19" idx="2"/>
+            </p:cNvCxnSpPr>
+            <p:nvPr/>
+          </p:nvCxnSpPr>
+          <p:spPr>
+            <a:xfrm flipH="1" flipV="1">
+              <a:off x="1352551" y="3381375"/>
+              <a:ext cx="2257425" cy="857249"/>
+            </a:xfrm>
+            <a:prstGeom prst="straightConnector1">
+              <a:avLst/>
+            </a:prstGeom>
+            <a:ln>
+              <a:prstDash val="lgDash"/>
+              <a:tailEnd type="triangle"/>
+            </a:ln>
+          </p:spPr>
+          <p:style>
+            <a:lnRef idx="1">
+              <a:schemeClr val="accent1"/>
+            </a:lnRef>
+            <a:fillRef idx="0">
+              <a:schemeClr val="accent1"/>
+            </a:fillRef>
+            <a:effectRef idx="0">
+              <a:schemeClr val="accent1"/>
+            </a:effectRef>
+            <a:fontRef idx="minor">
+              <a:schemeClr val="tx1"/>
+            </a:fontRef>
+          </p:style>
+        </p:cxnSp>
+        <p:cxnSp>
+          <p:nvCxnSpPr>
+            <p:cNvPr id="31" name="Straight Arrow Connector 30">
+              <a:extLst>
+                <a:ext uri="{FF2B5EF4-FFF2-40B4-BE49-F238E27FC236}">
+                  <a16:creationId xmlns:a16="http://schemas.microsoft.com/office/drawing/2014/main" id="{6C03DBAF-9306-4816-8251-C3457B216DC8}"/>
+                </a:ext>
+              </a:extLst>
+            </p:cNvPr>
+            <p:cNvCxnSpPr>
+              <a:cxnSpLocks/>
+              <a:stCxn id="28" idx="0"/>
+            </p:cNvCxnSpPr>
+            <p:nvPr/>
+          </p:nvCxnSpPr>
+          <p:spPr>
+            <a:xfrm flipV="1">
+              <a:off x="3609976" y="3457575"/>
+              <a:ext cx="2362199" cy="781049"/>
+            </a:xfrm>
+            <a:prstGeom prst="straightConnector1">
+              <a:avLst/>
+            </a:prstGeom>
+            <a:ln>
+              <a:prstDash val="dash"/>
+              <a:tailEnd type="triangle"/>
+            </a:ln>
+          </p:spPr>
+          <p:style>
+            <a:lnRef idx="1">
+              <a:schemeClr val="accent1"/>
+            </a:lnRef>
+            <a:fillRef idx="0">
+              <a:schemeClr val="accent1"/>
+            </a:fillRef>
+            <a:effectRef idx="0">
+              <a:schemeClr val="accent1"/>
+            </a:effectRef>
+            <a:fontRef idx="minor">
+              <a:schemeClr val="tx1"/>
+            </a:fontRef>
+          </p:style>
+        </p:cxnSp>
+      </p:grpSp>
+      <p:grpSp>
+        <p:nvGrpSpPr>
+          <p:cNvPr id="32" name="Group 31">
+            <a:extLst>
+              <a:ext uri="{FF2B5EF4-FFF2-40B4-BE49-F238E27FC236}">
+                <a16:creationId xmlns:a16="http://schemas.microsoft.com/office/drawing/2014/main" id="{CD417181-F787-46ED-8FEC-49803769C700}"/>
+              </a:ext>
+            </a:extLst>
+          </p:cNvPr>
+          <p:cNvGrpSpPr/>
+          <p:nvPr/>
+        </p:nvGrpSpPr>
+        <p:grpSpPr>
+          <a:xfrm>
+            <a:off x="8289872" y="285750"/>
+            <a:ext cx="3019424" cy="3105150"/>
+            <a:chOff x="457201" y="200025"/>
+            <a:chExt cx="6305550" cy="4914895"/>
+          </a:xfrm>
+        </p:grpSpPr>
+        <p:sp>
+          <p:nvSpPr>
+            <p:cNvPr id="33" name="Rectangle 32">
+              <a:extLst>
+                <a:ext uri="{FF2B5EF4-FFF2-40B4-BE49-F238E27FC236}">
+                  <a16:creationId xmlns:a16="http://schemas.microsoft.com/office/drawing/2014/main" id="{493059BD-E957-4783-8A2D-C96A947B2861}"/>
+                </a:ext>
+              </a:extLst>
+            </p:cNvPr>
+            <p:cNvSpPr/>
+            <p:nvPr/>
+          </p:nvSpPr>
+          <p:spPr>
+            <a:xfrm>
+              <a:off x="457201" y="2505075"/>
+              <a:ext cx="1790700" cy="876300"/>
+            </a:xfrm>
+            <a:prstGeom prst="rect">
+              <a:avLst/>
+            </a:prstGeom>
+          </p:spPr>
+          <p:style>
+            <a:lnRef idx="2">
+              <a:schemeClr val="accent4">
+                <a:shade val="50000"/>
+              </a:schemeClr>
+            </a:lnRef>
+            <a:fillRef idx="1">
+              <a:schemeClr val="accent4"/>
+            </a:fillRef>
+            <a:effectRef idx="0">
+              <a:schemeClr val="accent4"/>
+            </a:effectRef>
+            <a:fontRef idx="minor">
+              <a:schemeClr val="lt1"/>
+            </a:fontRef>
+          </p:style>
+          <p:txBody>
+            <a:bodyPr rtlCol="0" anchor="ctr"/>
+            <a:lstStyle/>
+            <a:p>
+              <a:pPr algn="ctr"/>
+              <a:r>
+                <a:rPr lang="en-US" dirty="0"/>
+                <a:t>Pod</a:t>
+              </a:r>
+            </a:p>
+            <a:p>
+              <a:pPr algn="ctr"/>
+              <a:r>
+                <a:rPr lang="en-US" dirty="0"/>
+                <a:t>C – V1</a:t>
+              </a:r>
+            </a:p>
+          </p:txBody>
+        </p:sp>
+        <p:sp>
+          <p:nvSpPr>
+            <p:cNvPr id="34" name="Rectangle 33">
+              <a:extLst>
+                <a:ext uri="{FF2B5EF4-FFF2-40B4-BE49-F238E27FC236}">
+                  <a16:creationId xmlns:a16="http://schemas.microsoft.com/office/drawing/2014/main" id="{E172BF78-1170-41B1-8446-2A162C92D91B}"/>
+                </a:ext>
+              </a:extLst>
+            </p:cNvPr>
+            <p:cNvSpPr/>
+            <p:nvPr/>
+          </p:nvSpPr>
+          <p:spPr>
+            <a:xfrm>
+              <a:off x="2714626" y="2505075"/>
+              <a:ext cx="1790700" cy="876300"/>
+            </a:xfrm>
+            <a:prstGeom prst="rect">
+              <a:avLst/>
+            </a:prstGeom>
+          </p:spPr>
+          <p:style>
+            <a:lnRef idx="2">
+              <a:schemeClr val="accent4">
+                <a:shade val="50000"/>
+              </a:schemeClr>
+            </a:lnRef>
+            <a:fillRef idx="1">
+              <a:schemeClr val="accent4"/>
+            </a:fillRef>
+            <a:effectRef idx="0">
+              <a:schemeClr val="accent4"/>
+            </a:effectRef>
+            <a:fontRef idx="minor">
+              <a:schemeClr val="lt1"/>
+            </a:fontRef>
+          </p:style>
+          <p:txBody>
+            <a:bodyPr rtlCol="0" anchor="ctr"/>
+            <a:lstStyle/>
+            <a:p>
+              <a:pPr algn="ctr"/>
+              <a:r>
+                <a:rPr lang="en-US" dirty="0"/>
+                <a:t>Pod</a:t>
+              </a:r>
+            </a:p>
+            <a:p>
+              <a:pPr algn="ctr"/>
+              <a:r>
+                <a:rPr lang="en-US" dirty="0"/>
+                <a:t>C – V1</a:t>
+              </a:r>
+            </a:p>
+          </p:txBody>
+        </p:sp>
+        <p:sp>
+          <p:nvSpPr>
+            <p:cNvPr id="35" name="Rectangle 34">
+              <a:extLst>
+                <a:ext uri="{FF2B5EF4-FFF2-40B4-BE49-F238E27FC236}">
+                  <a16:creationId xmlns:a16="http://schemas.microsoft.com/office/drawing/2014/main" id="{55387BB3-C509-4CCE-A5D6-9F62A7F398AA}"/>
+                </a:ext>
+              </a:extLst>
+            </p:cNvPr>
+            <p:cNvSpPr/>
+            <p:nvPr/>
+          </p:nvSpPr>
+          <p:spPr>
+            <a:xfrm>
+              <a:off x="4972051" y="2505075"/>
+              <a:ext cx="1790700" cy="876300"/>
+            </a:xfrm>
+            <a:prstGeom prst="rect">
+              <a:avLst/>
+            </a:prstGeom>
+            <a:ln/>
+          </p:spPr>
+          <p:style>
+            <a:lnRef idx="2">
+              <a:schemeClr val="accent4">
+                <a:shade val="50000"/>
+              </a:schemeClr>
+            </a:lnRef>
+            <a:fillRef idx="1">
+              <a:schemeClr val="accent4"/>
+            </a:fillRef>
+            <a:effectRef idx="0">
+              <a:schemeClr val="accent4"/>
+            </a:effectRef>
+            <a:fontRef idx="minor">
+              <a:schemeClr val="lt1"/>
+            </a:fontRef>
+          </p:style>
+          <p:txBody>
+            <a:bodyPr rtlCol="0" anchor="ctr"/>
+            <a:lstStyle/>
+            <a:p>
+              <a:pPr algn="ctr"/>
+              <a:r>
+                <a:rPr lang="en-US" dirty="0"/>
+                <a:t>Pod</a:t>
+              </a:r>
+            </a:p>
+            <a:p>
+              <a:pPr algn="ctr"/>
+              <a:r>
+                <a:rPr lang="en-US" dirty="0"/>
+                <a:t>C- V1</a:t>
+              </a:r>
+            </a:p>
+          </p:txBody>
+        </p:sp>
+        <p:sp>
+          <p:nvSpPr>
+            <p:cNvPr id="36" name="Oval 35">
+              <a:extLst>
+                <a:ext uri="{FF2B5EF4-FFF2-40B4-BE49-F238E27FC236}">
+                  <a16:creationId xmlns:a16="http://schemas.microsoft.com/office/drawing/2014/main" id="{48EA8D38-20F0-4D8E-A766-732A181C25A4}"/>
+                </a:ext>
+              </a:extLst>
+            </p:cNvPr>
+            <p:cNvSpPr/>
+            <p:nvPr/>
+          </p:nvSpPr>
+          <p:spPr>
+            <a:xfrm>
+              <a:off x="2447925" y="200025"/>
+              <a:ext cx="2152650" cy="876300"/>
+            </a:xfrm>
+            <a:prstGeom prst="ellipse">
+              <a:avLst/>
+            </a:prstGeom>
+          </p:spPr>
+          <p:style>
+            <a:lnRef idx="2">
+              <a:schemeClr val="accent1">
+                <a:shade val="50000"/>
+              </a:schemeClr>
+            </a:lnRef>
+            <a:fillRef idx="1">
+              <a:schemeClr val="accent1"/>
+            </a:fillRef>
+            <a:effectRef idx="0">
+              <a:schemeClr val="accent1"/>
+            </a:effectRef>
+            <a:fontRef idx="minor">
+              <a:schemeClr val="lt1"/>
+            </a:fontRef>
+          </p:style>
+          <p:txBody>
+            <a:bodyPr rtlCol="0" anchor="ctr"/>
+            <a:lstStyle/>
+            <a:p>
+              <a:pPr algn="ctr"/>
+              <a:r>
+                <a:rPr lang="en-US" dirty="0"/>
+                <a:t>Service</a:t>
+              </a:r>
+            </a:p>
+          </p:txBody>
+        </p:sp>
+        <p:sp>
+          <p:nvSpPr>
+            <p:cNvPr id="42" name="Rectangle 41">
+              <a:extLst>
+                <a:ext uri="{FF2B5EF4-FFF2-40B4-BE49-F238E27FC236}">
+                  <a16:creationId xmlns:a16="http://schemas.microsoft.com/office/drawing/2014/main" id="{70EA798E-A6EB-45D4-8A0D-763EC84A0F66}"/>
+                </a:ext>
+              </a:extLst>
+            </p:cNvPr>
+            <p:cNvSpPr/>
+            <p:nvPr/>
+          </p:nvSpPr>
+          <p:spPr>
+            <a:xfrm>
+              <a:off x="1414463" y="4238624"/>
+              <a:ext cx="4391025" cy="876296"/>
+            </a:xfrm>
+            <a:prstGeom prst="rect">
+              <a:avLst/>
+            </a:prstGeom>
+          </p:spPr>
+          <p:style>
+            <a:lnRef idx="2">
+              <a:schemeClr val="accent4">
+                <a:shade val="50000"/>
+              </a:schemeClr>
+            </a:lnRef>
+            <a:fillRef idx="1">
+              <a:schemeClr val="accent4"/>
+            </a:fillRef>
+            <a:effectRef idx="0">
+              <a:schemeClr val="accent4"/>
+            </a:effectRef>
+            <a:fontRef idx="minor">
+              <a:schemeClr val="lt1"/>
+            </a:fontRef>
+          </p:style>
+          <p:txBody>
+            <a:bodyPr rtlCol="0" anchor="ctr"/>
+            <a:lstStyle/>
+            <a:p>
+              <a:pPr algn="ctr"/>
+              <a:r>
+                <a:rPr lang="en-US" dirty="0"/>
+                <a:t>Replica Set 1</a:t>
+              </a:r>
+            </a:p>
+            <a:p>
+              <a:pPr algn="ctr"/>
+              <a:r>
+                <a:rPr lang="en-US" dirty="0"/>
+                <a:t>C – V1</a:t>
+              </a:r>
+            </a:p>
+          </p:txBody>
+        </p:sp>
+        <p:cxnSp>
+          <p:nvCxnSpPr>
+            <p:cNvPr id="43" name="Straight Arrow Connector 42">
+              <a:extLst>
+                <a:ext uri="{FF2B5EF4-FFF2-40B4-BE49-F238E27FC236}">
+                  <a16:creationId xmlns:a16="http://schemas.microsoft.com/office/drawing/2014/main" id="{A6DB1EBC-13C0-4F92-A64F-14BD0BFC10A7}"/>
+                </a:ext>
+              </a:extLst>
+            </p:cNvPr>
+            <p:cNvCxnSpPr>
+              <a:stCxn id="42" idx="0"/>
+              <a:endCxn id="34" idx="2"/>
+            </p:cNvCxnSpPr>
+            <p:nvPr/>
+          </p:nvCxnSpPr>
+          <p:spPr>
+            <a:xfrm flipV="1">
+              <a:off x="3609976" y="3381375"/>
+              <a:ext cx="0" cy="857249"/>
+            </a:xfrm>
+            <a:prstGeom prst="straightConnector1">
+              <a:avLst/>
+            </a:prstGeom>
+            <a:ln>
+              <a:prstDash val="dash"/>
+              <a:tailEnd type="triangle"/>
+            </a:ln>
+          </p:spPr>
+          <p:style>
+            <a:lnRef idx="1">
+              <a:schemeClr val="accent1"/>
+            </a:lnRef>
+            <a:fillRef idx="0">
+              <a:schemeClr val="accent1"/>
+            </a:fillRef>
+            <a:effectRef idx="0">
+              <a:schemeClr val="accent1"/>
+            </a:effectRef>
+            <a:fontRef idx="minor">
+              <a:schemeClr val="tx1"/>
+            </a:fontRef>
+          </p:style>
+        </p:cxnSp>
+        <p:cxnSp>
+          <p:nvCxnSpPr>
+            <p:cNvPr id="44" name="Straight Arrow Connector 43">
+              <a:extLst>
+                <a:ext uri="{FF2B5EF4-FFF2-40B4-BE49-F238E27FC236}">
+                  <a16:creationId xmlns:a16="http://schemas.microsoft.com/office/drawing/2014/main" id="{3EC22D9C-0CA4-45B7-84DA-82D6E669B489}"/>
+                </a:ext>
+              </a:extLst>
+            </p:cNvPr>
+            <p:cNvCxnSpPr>
+              <a:stCxn id="42" idx="0"/>
+              <a:endCxn id="33" idx="2"/>
+            </p:cNvCxnSpPr>
+            <p:nvPr/>
+          </p:nvCxnSpPr>
+          <p:spPr>
+            <a:xfrm flipH="1" flipV="1">
+              <a:off x="1352551" y="3381375"/>
+              <a:ext cx="2257425" cy="857249"/>
+            </a:xfrm>
+            <a:prstGeom prst="straightConnector1">
+              <a:avLst/>
+            </a:prstGeom>
+            <a:ln>
+              <a:prstDash val="lgDash"/>
+              <a:tailEnd type="triangle"/>
+            </a:ln>
+          </p:spPr>
+          <p:style>
+            <a:lnRef idx="1">
+              <a:schemeClr val="accent1"/>
+            </a:lnRef>
+            <a:fillRef idx="0">
+              <a:schemeClr val="accent1"/>
+            </a:fillRef>
+            <a:effectRef idx="0">
+              <a:schemeClr val="accent1"/>
+            </a:effectRef>
+            <a:fontRef idx="minor">
+              <a:schemeClr val="tx1"/>
+            </a:fontRef>
+          </p:style>
+        </p:cxnSp>
+        <p:cxnSp>
+          <p:nvCxnSpPr>
+            <p:cNvPr id="45" name="Straight Arrow Connector 44">
+              <a:extLst>
+                <a:ext uri="{FF2B5EF4-FFF2-40B4-BE49-F238E27FC236}">
+                  <a16:creationId xmlns:a16="http://schemas.microsoft.com/office/drawing/2014/main" id="{B52333DC-B383-46D5-9D65-EF3FDF4EB256}"/>
+                </a:ext>
+              </a:extLst>
+            </p:cNvPr>
+            <p:cNvCxnSpPr>
+              <a:stCxn id="42" idx="0"/>
+            </p:cNvCxnSpPr>
+            <p:nvPr/>
+          </p:nvCxnSpPr>
+          <p:spPr>
+            <a:xfrm flipV="1">
+              <a:off x="3609976" y="3457575"/>
+              <a:ext cx="2362199" cy="781049"/>
+            </a:xfrm>
+            <a:prstGeom prst="straightConnector1">
+              <a:avLst/>
+            </a:prstGeom>
+            <a:ln>
+              <a:prstDash val="dash"/>
+              <a:tailEnd type="triangle"/>
+            </a:ln>
+          </p:spPr>
+          <p:style>
+            <a:lnRef idx="1">
+              <a:schemeClr val="accent1"/>
+            </a:lnRef>
+            <a:fillRef idx="0">
+              <a:schemeClr val="accent1"/>
+            </a:fillRef>
+            <a:effectRef idx="0">
+              <a:schemeClr val="accent1"/>
+            </a:effectRef>
+            <a:fontRef idx="minor">
+              <a:schemeClr val="tx1"/>
+            </a:fontRef>
+          </p:style>
+        </p:cxnSp>
+      </p:grpSp>
+      <p:cxnSp>
+        <p:nvCxnSpPr>
+          <p:cNvPr id="47" name="Straight Arrow Connector 46">
+            <a:extLst>
+              <a:ext uri="{FF2B5EF4-FFF2-40B4-BE49-F238E27FC236}">
+                <a16:creationId xmlns:a16="http://schemas.microsoft.com/office/drawing/2014/main" id="{84BE8A64-F589-42D3-8CA0-1251536CEED1}"/>
+              </a:ext>
+            </a:extLst>
+          </p:cNvPr>
+          <p:cNvCxnSpPr>
+            <a:stCxn id="36" idx="2"/>
+            <a:endCxn id="20" idx="0"/>
+          </p:cNvCxnSpPr>
+          <p:nvPr/>
+        </p:nvCxnSpPr>
+        <p:spPr>
+          <a:xfrm flipH="1">
+            <a:off x="6096000" y="562566"/>
+            <a:ext cx="3147134" cy="1217577"/>
+          </a:xfrm>
+          <a:prstGeom prst="straightConnector1">
+            <a:avLst/>
+          </a:prstGeom>
+          <a:ln>
+            <a:tailEnd type="triangle"/>
+          </a:ln>
+        </p:spPr>
+        <p:style>
+          <a:lnRef idx="1">
+            <a:schemeClr val="accent1"/>
+          </a:lnRef>
+          <a:fillRef idx="0">
+            <a:schemeClr val="accent1"/>
+          </a:fillRef>
+          <a:effectRef idx="0">
+            <a:schemeClr val="accent1"/>
+          </a:effectRef>
+          <a:fontRef idx="minor">
+            <a:schemeClr val="tx1"/>
+          </a:fontRef>
+        </p:style>
+      </p:cxnSp>
+      <p:cxnSp>
+        <p:nvCxnSpPr>
+          <p:cNvPr id="49" name="Straight Arrow Connector 48">
+            <a:extLst>
+              <a:ext uri="{FF2B5EF4-FFF2-40B4-BE49-F238E27FC236}">
+                <a16:creationId xmlns:a16="http://schemas.microsoft.com/office/drawing/2014/main" id="{707F08F7-F27A-4E7F-BB8F-F1FBB433520C}"/>
+              </a:ext>
+            </a:extLst>
+          </p:cNvPr>
+          <p:cNvCxnSpPr>
+            <a:stCxn id="36" idx="2"/>
+            <a:endCxn id="21" idx="0"/>
+          </p:cNvCxnSpPr>
+          <p:nvPr/>
+        </p:nvCxnSpPr>
+        <p:spPr>
+          <a:xfrm flipH="1">
+            <a:off x="7176972" y="562566"/>
+            <a:ext cx="2066162" cy="1217577"/>
+          </a:xfrm>
+          <a:prstGeom prst="straightConnector1">
+            <a:avLst/>
+          </a:prstGeom>
+          <a:ln>
+            <a:tailEnd type="triangle"/>
+          </a:ln>
+        </p:spPr>
+        <p:style>
+          <a:lnRef idx="1">
+            <a:schemeClr val="accent1"/>
+          </a:lnRef>
+          <a:fillRef idx="0">
+            <a:schemeClr val="accent1"/>
+          </a:fillRef>
+          <a:effectRef idx="0">
+            <a:schemeClr val="accent1"/>
+          </a:effectRef>
+          <a:fontRef idx="minor">
+            <a:schemeClr val="tx1"/>
+          </a:fontRef>
+        </p:style>
+      </p:cxnSp>
+      <p:cxnSp>
+        <p:nvCxnSpPr>
+          <p:cNvPr id="51" name="Straight Arrow Connector 50">
+            <a:extLst>
+              <a:ext uri="{FF2B5EF4-FFF2-40B4-BE49-F238E27FC236}">
+                <a16:creationId xmlns:a16="http://schemas.microsoft.com/office/drawing/2014/main" id="{63BB4CBC-BC02-4312-B3F1-C28286D0446E}"/>
+              </a:ext>
+            </a:extLst>
+          </p:cNvPr>
+          <p:cNvCxnSpPr>
+            <a:stCxn id="36" idx="2"/>
+            <a:endCxn id="19" idx="0"/>
+          </p:cNvCxnSpPr>
+          <p:nvPr/>
+        </p:nvCxnSpPr>
+        <p:spPr>
+          <a:xfrm flipH="1">
+            <a:off x="5015028" y="562566"/>
+            <a:ext cx="4228106" cy="1217577"/>
+          </a:xfrm>
+          <a:prstGeom prst="straightConnector1">
+            <a:avLst/>
+          </a:prstGeom>
+          <a:ln>
+            <a:tailEnd type="triangle"/>
+          </a:ln>
+        </p:spPr>
+        <p:style>
+          <a:lnRef idx="1">
+            <a:schemeClr val="accent1"/>
+          </a:lnRef>
+          <a:fillRef idx="0">
+            <a:schemeClr val="accent1"/>
+          </a:fillRef>
+          <a:effectRef idx="0">
+            <a:schemeClr val="accent1"/>
+          </a:effectRef>
+          <a:fontRef idx="minor">
+            <a:schemeClr val="tx1"/>
+          </a:fontRef>
+        </p:style>
+      </p:cxnSp>
+    </p:spTree>
+    <p:extLst>
+      <p:ext uri="{BB962C8B-B14F-4D97-AF65-F5344CB8AC3E}">
+        <p14:creationId xmlns:p14="http://schemas.microsoft.com/office/powerpoint/2010/main" val="2926897755"/>
+      </p:ext>
+    </p:extLst>
+  </p:cSld>
+  <p:clrMapOvr>
+    <a:masterClrMapping/>
+  </p:clrMapOvr>
+</p:sld>
+</file>
+
+<file path=ppt/slides/slide38.xml><?xml version="1.0" encoding="utf-8"?>
+<p:sld xmlns:a="http://schemas.openxmlformats.org/drawingml/2006/main" xmlns:r="http://schemas.openxmlformats.org/officeDocument/2006/relationships" xmlns:p="http://schemas.openxmlformats.org/presentationml/2006/main">
+  <p:cSld>
+    <p:spTree>
+      <p:nvGrpSpPr>
+        <p:cNvPr id="1" name=""/>
+        <p:cNvGrpSpPr/>
+        <p:nvPr/>
+      </p:nvGrpSpPr>
+      <p:grpSpPr>
+        <a:xfrm>
+          <a:off x="0" y="0"/>
+          <a:ext cx="0" cy="0"/>
+          <a:chOff x="0" y="0"/>
+          <a:chExt cx="0" cy="0"/>
+        </a:xfrm>
+      </p:grpSpPr>
+      <p:sp>
+        <p:nvSpPr>
+          <p:cNvPr id="2" name="Title 1">
+            <a:extLst>
+              <a:ext uri="{FF2B5EF4-FFF2-40B4-BE49-F238E27FC236}">
+                <a16:creationId xmlns:a16="http://schemas.microsoft.com/office/drawing/2014/main" id="{B922F854-4ECE-4D15-B540-B9FAC9C79234}"/>
+              </a:ext>
+            </a:extLst>
+          </p:cNvPr>
+          <p:cNvSpPr>
+            <a:spLocks noGrp="1"/>
+          </p:cNvSpPr>
+          <p:nvPr>
+            <p:ph type="title"/>
+          </p:nvPr>
+        </p:nvSpPr>
+        <p:spPr/>
+        <p:txBody>
+          <a:bodyPr/>
+          <a:lstStyle/>
+          <a:p>
+            <a:endParaRPr lang="en-US"/>
+          </a:p>
+        </p:txBody>
+      </p:sp>
+      <p:sp>
+        <p:nvSpPr>
+          <p:cNvPr id="3" name="Content Placeholder 2">
+            <a:extLst>
+              <a:ext uri="{FF2B5EF4-FFF2-40B4-BE49-F238E27FC236}">
+                <a16:creationId xmlns:a16="http://schemas.microsoft.com/office/drawing/2014/main" id="{1DE5BF2D-C5E8-4049-AD65-B0F4D8215399}"/>
+              </a:ext>
+            </a:extLst>
+          </p:cNvPr>
+          <p:cNvSpPr>
+            <a:spLocks noGrp="1"/>
+          </p:cNvSpPr>
+          <p:nvPr>
+            <p:ph idx="1"/>
+          </p:nvPr>
+        </p:nvSpPr>
+        <p:spPr/>
+        <p:txBody>
+          <a:bodyPr/>
+          <a:lstStyle/>
+          <a:p>
+            <a:r>
+              <a:rPr lang="en-US" dirty="0"/>
+              <a:t>Deployment Strategy</a:t>
+            </a:r>
+          </a:p>
+          <a:p>
+            <a:pPr lvl="1"/>
+            <a:r>
+              <a:rPr lang="en-US" dirty="0"/>
+              <a:t>Rolling Updates – Zero Downtime</a:t>
+            </a:r>
+          </a:p>
+          <a:p>
+            <a:pPr lvl="1"/>
+            <a:r>
+              <a:rPr lang="en-US" dirty="0"/>
+              <a:t>Blue – Green Deployment</a:t>
+            </a:r>
+          </a:p>
+          <a:p>
+            <a:pPr lvl="1"/>
+            <a:r>
+              <a:rPr lang="en-US" dirty="0"/>
+              <a:t>Canary Deployment</a:t>
+            </a:r>
+          </a:p>
+          <a:p>
+            <a:pPr lvl="1"/>
+            <a:r>
+              <a:rPr lang="en-US" dirty="0"/>
+              <a:t>Roll Back if something goes wrong with new deployed version</a:t>
+            </a:r>
+          </a:p>
+        </p:txBody>
+      </p:sp>
+      <p:sp>
+        <p:nvSpPr>
+          <p:cNvPr id="4" name="Rectangle 3">
+            <a:extLst>
+              <a:ext uri="{FF2B5EF4-FFF2-40B4-BE49-F238E27FC236}">
+                <a16:creationId xmlns:a16="http://schemas.microsoft.com/office/drawing/2014/main" id="{F2618C6C-2FAA-475E-B9B1-AE04B8A74347}"/>
+              </a:ext>
+            </a:extLst>
+          </p:cNvPr>
+          <p:cNvSpPr/>
+          <p:nvPr/>
+        </p:nvSpPr>
+        <p:spPr>
+          <a:xfrm>
+            <a:off x="8115300" y="4695824"/>
+            <a:ext cx="1276350" cy="790575"/>
+          </a:xfrm>
+          <a:prstGeom prst="rect">
+            <a:avLst/>
+          </a:prstGeom>
+        </p:spPr>
+        <p:style>
+          <a:lnRef idx="2">
+            <a:schemeClr val="accent2">
+              <a:shade val="50000"/>
+            </a:schemeClr>
+          </a:lnRef>
+          <a:fillRef idx="1">
+            <a:schemeClr val="accent2"/>
+          </a:fillRef>
+          <a:effectRef idx="0">
+            <a:schemeClr val="accent2"/>
+          </a:effectRef>
+          <a:fontRef idx="minor">
+            <a:schemeClr val="lt1"/>
+          </a:fontRef>
+        </p:style>
+        <p:txBody>
+          <a:bodyPr rtlCol="0" anchor="ctr"/>
+          <a:lstStyle/>
+          <a:p>
+            <a:pPr algn="ctr"/>
+            <a:r>
+              <a:rPr lang="en-US" dirty="0"/>
+              <a:t>Pods</a:t>
+            </a:r>
+          </a:p>
+        </p:txBody>
+      </p:sp>
+      <p:sp>
+        <p:nvSpPr>
+          <p:cNvPr id="5" name="Rectangle 4">
+            <a:extLst>
+              <a:ext uri="{FF2B5EF4-FFF2-40B4-BE49-F238E27FC236}">
+                <a16:creationId xmlns:a16="http://schemas.microsoft.com/office/drawing/2014/main" id="{FEFC681B-A944-4715-8410-264E181FC11B}"/>
+              </a:ext>
+            </a:extLst>
+          </p:cNvPr>
+          <p:cNvSpPr/>
+          <p:nvPr/>
+        </p:nvSpPr>
+        <p:spPr>
+          <a:xfrm>
+            <a:off x="5953127" y="4695825"/>
+            <a:ext cx="1181100" cy="790575"/>
+          </a:xfrm>
+          <a:prstGeom prst="rect">
+            <a:avLst/>
+          </a:prstGeom>
+        </p:spPr>
+        <p:style>
+          <a:lnRef idx="2">
+            <a:schemeClr val="accent2">
+              <a:shade val="50000"/>
+            </a:schemeClr>
+          </a:lnRef>
+          <a:fillRef idx="1">
+            <a:schemeClr val="accent2"/>
+          </a:fillRef>
+          <a:effectRef idx="0">
+            <a:schemeClr val="accent2"/>
+          </a:effectRef>
+          <a:fontRef idx="minor">
+            <a:schemeClr val="lt1"/>
+          </a:fontRef>
+        </p:style>
+        <p:txBody>
+          <a:bodyPr rtlCol="0" anchor="ctr"/>
+          <a:lstStyle/>
+          <a:p>
+            <a:pPr algn="ctr"/>
+            <a:r>
+              <a:rPr lang="en-US" dirty="0"/>
+              <a:t>Replica Set</a:t>
+            </a:r>
+          </a:p>
+        </p:txBody>
+      </p:sp>
+      <p:sp>
+        <p:nvSpPr>
+          <p:cNvPr id="6" name="Rectangle 5">
+            <a:extLst>
+              <a:ext uri="{FF2B5EF4-FFF2-40B4-BE49-F238E27FC236}">
+                <a16:creationId xmlns:a16="http://schemas.microsoft.com/office/drawing/2014/main" id="{B844AEFE-E7BB-4B42-B581-A11BBA8287E9}"/>
+              </a:ext>
+            </a:extLst>
+          </p:cNvPr>
+          <p:cNvSpPr/>
+          <p:nvPr/>
+        </p:nvSpPr>
+        <p:spPr>
+          <a:xfrm>
+            <a:off x="3505200" y="4695824"/>
+            <a:ext cx="1552575" cy="790575"/>
+          </a:xfrm>
+          <a:prstGeom prst="rect">
+            <a:avLst/>
+          </a:prstGeom>
+        </p:spPr>
+        <p:style>
+          <a:lnRef idx="2">
+            <a:schemeClr val="accent1">
+              <a:shade val="50000"/>
+            </a:schemeClr>
+          </a:lnRef>
+          <a:fillRef idx="1">
+            <a:schemeClr val="accent1"/>
+          </a:fillRef>
+          <a:effectRef idx="0">
+            <a:schemeClr val="accent1"/>
+          </a:effectRef>
+          <a:fontRef idx="minor">
+            <a:schemeClr val="lt1"/>
+          </a:fontRef>
+        </p:style>
+        <p:txBody>
+          <a:bodyPr rtlCol="0" anchor="ctr"/>
+          <a:lstStyle/>
+          <a:p>
+            <a:pPr algn="ctr"/>
+            <a:r>
+              <a:rPr lang="en-US" dirty="0"/>
+              <a:t>Deployment</a:t>
+            </a:r>
+          </a:p>
+        </p:txBody>
+      </p:sp>
+      <p:cxnSp>
+        <p:nvCxnSpPr>
+          <p:cNvPr id="8" name="Straight Arrow Connector 7">
+            <a:extLst>
+              <a:ext uri="{FF2B5EF4-FFF2-40B4-BE49-F238E27FC236}">
+                <a16:creationId xmlns:a16="http://schemas.microsoft.com/office/drawing/2014/main" id="{84B5E809-A743-4F53-A14D-1FAC40663ED3}"/>
+              </a:ext>
+            </a:extLst>
+          </p:cNvPr>
+          <p:cNvCxnSpPr>
+            <a:stCxn id="6" idx="3"/>
+            <a:endCxn id="5" idx="1"/>
+          </p:cNvCxnSpPr>
+          <p:nvPr/>
+        </p:nvCxnSpPr>
+        <p:spPr>
+          <a:xfrm>
+            <a:off x="5057775" y="5091112"/>
+            <a:ext cx="895352" cy="1"/>
+          </a:xfrm>
+          <a:prstGeom prst="straightConnector1">
+            <a:avLst/>
+          </a:prstGeom>
+          <a:ln>
+            <a:tailEnd type="triangle"/>
+          </a:ln>
+        </p:spPr>
+        <p:style>
+          <a:lnRef idx="1">
+            <a:schemeClr val="accent1"/>
+          </a:lnRef>
+          <a:fillRef idx="0">
+            <a:schemeClr val="accent1"/>
+          </a:fillRef>
+          <a:effectRef idx="0">
+            <a:schemeClr val="accent1"/>
+          </a:effectRef>
+          <a:fontRef idx="minor">
+            <a:schemeClr val="tx1"/>
+          </a:fontRef>
+        </p:style>
+      </p:cxnSp>
+      <p:cxnSp>
+        <p:nvCxnSpPr>
+          <p:cNvPr id="10" name="Straight Arrow Connector 9">
+            <a:extLst>
+              <a:ext uri="{FF2B5EF4-FFF2-40B4-BE49-F238E27FC236}">
+                <a16:creationId xmlns:a16="http://schemas.microsoft.com/office/drawing/2014/main" id="{AE4446CF-D446-416A-AE33-B02238FF6A47}"/>
+              </a:ext>
+            </a:extLst>
+          </p:cNvPr>
+          <p:cNvCxnSpPr>
+            <a:stCxn id="5" idx="3"/>
+            <a:endCxn id="4" idx="1"/>
+          </p:cNvCxnSpPr>
+          <p:nvPr/>
+        </p:nvCxnSpPr>
+        <p:spPr>
+          <a:xfrm flipV="1">
+            <a:off x="7134227" y="5091112"/>
+            <a:ext cx="981073" cy="1"/>
+          </a:xfrm>
+          <a:prstGeom prst="straightConnector1">
+            <a:avLst/>
+          </a:prstGeom>
+          <a:ln>
+            <a:tailEnd type="triangle"/>
+          </a:ln>
+        </p:spPr>
+        <p:style>
+          <a:lnRef idx="1">
+            <a:schemeClr val="accent1"/>
+          </a:lnRef>
+          <a:fillRef idx="0">
+            <a:schemeClr val="accent1"/>
+          </a:fillRef>
+          <a:effectRef idx="0">
+            <a:schemeClr val="accent1"/>
+          </a:effectRef>
+          <a:fontRef idx="minor">
+            <a:schemeClr val="tx1"/>
+          </a:fontRef>
+        </p:style>
+      </p:cxnSp>
+    </p:spTree>
+    <p:extLst>
+      <p:ext uri="{BB962C8B-B14F-4D97-AF65-F5344CB8AC3E}">
+        <p14:creationId xmlns:p14="http://schemas.microsoft.com/office/powerpoint/2010/main" val="3698698865"/>
+      </p:ext>
+    </p:extLst>
+  </p:cSld>
+  <p:clrMapOvr>
+    <a:masterClrMapping/>
+  </p:clrMapOvr>
+</p:sld>
+</file>
+
 <file path=ppt/slides/slide4.xml><?xml version="1.0" encoding="utf-8"?>
 <p:sld xmlns:a="http://schemas.openxmlformats.org/drawingml/2006/main" xmlns:r="http://schemas.openxmlformats.org/officeDocument/2006/relationships" xmlns:p="http://schemas.openxmlformats.org/presentationml/2006/main">
   <p:cSld>
@@ -24437,6 +29869,12 @@
 </file>
 
 <file path=customXml/item1.xml><?xml version="1.0" encoding="utf-8"?>
+<p:properties xmlns:p="http://schemas.microsoft.com/office/2006/metadata/properties" xmlns:xsi="http://www.w3.org/2001/XMLSchema-instance" xmlns:pc="http://schemas.microsoft.com/office/infopath/2007/PartnerControls">
+  <documentManagement/>
+</p:properties>
+</file>
+
+<file path=customXml/item2.xml><?xml version="1.0" encoding="utf-8"?>
 <ct:contentTypeSchema xmlns:ct="http://schemas.microsoft.com/office/2006/metadata/contentType" xmlns:ma="http://schemas.microsoft.com/office/2006/metadata/properties/metaAttributes" ct:_="" ma:_="" ma:contentTypeName="Document" ma:contentTypeID="0x01010033F4F5A3748BFE479746A408EC85AAEE" ma:contentTypeVersion="5" ma:contentTypeDescription="Create a new document." ma:contentTypeScope="" ma:versionID="b483ae7272e6aa661ad209855a8a7db0">
   <xsd:schema xmlns:xsd="http://www.w3.org/2001/XMLSchema" xmlns:xs="http://www.w3.org/2001/XMLSchema" xmlns:p="http://schemas.microsoft.com/office/2006/metadata/properties" xmlns:ns3="0baf3534-126a-473e-acc5-3e4621356205" xmlns:ns4="fff74fba-6d05-41c6-86dc-eabd5d6ae9f9" targetNamespace="http://schemas.microsoft.com/office/2006/metadata/properties" ma:root="true" ma:fieldsID="17c24ebdbbac02217b1b6bef06916b85" ns3:_="" ns4:_="">
     <xsd:import namespace="0baf3534-126a-473e-acc5-3e4621356205"/>
@@ -24607,12 +30045,6 @@
 </ct:contentTypeSchema>
 </file>
 
-<file path=customXml/item2.xml><?xml version="1.0" encoding="utf-8"?>
-<p:properties xmlns:p="http://schemas.microsoft.com/office/2006/metadata/properties" xmlns:xsi="http://www.w3.org/2001/XMLSchema-instance" xmlns:pc="http://schemas.microsoft.com/office/infopath/2007/PartnerControls">
-  <documentManagement/>
-</p:properties>
-</file>
-
 <file path=customXml/item3.xml><?xml version="1.0" encoding="utf-8"?>
 <?mso-contentType ?>
 <FormTemplates xmlns="http://schemas.microsoft.com/sharepoint/v3/contenttype/forms">
@@ -24623,6 +30055,23 @@
 </file>
 
 <file path=customXml/itemProps1.xml><?xml version="1.0" encoding="utf-8"?>
+<ds:datastoreItem xmlns:ds="http://schemas.openxmlformats.org/officeDocument/2006/customXml" ds:itemID="{47E664A0-7CDF-41AB-936B-25CEB3E28BA3}">
+  <ds:schemaRefs>
+    <ds:schemaRef ds:uri="http://schemas.microsoft.com/office/2006/documentManagement/types"/>
+    <ds:schemaRef ds:uri="http://purl.org/dc/dcmitype/"/>
+    <ds:schemaRef ds:uri="http://www.w3.org/XML/1998/namespace"/>
+    <ds:schemaRef ds:uri="http://purl.org/dc/elements/1.1/"/>
+    <ds:schemaRef ds:uri="http://schemas.microsoft.com/office/infopath/2007/PartnerControls"/>
+    <ds:schemaRef ds:uri="http://purl.org/dc/terms/"/>
+    <ds:schemaRef ds:uri="http://schemas.openxmlformats.org/package/2006/metadata/core-properties"/>
+    <ds:schemaRef ds:uri="fff74fba-6d05-41c6-86dc-eabd5d6ae9f9"/>
+    <ds:schemaRef ds:uri="0baf3534-126a-473e-acc5-3e4621356205"/>
+    <ds:schemaRef ds:uri="http://schemas.microsoft.com/office/2006/metadata/properties"/>
+  </ds:schemaRefs>
+</ds:datastoreItem>
+</file>
+
+<file path=customXml/itemProps2.xml><?xml version="1.0" encoding="utf-8"?>
 <ds:datastoreItem xmlns:ds="http://schemas.openxmlformats.org/officeDocument/2006/customXml" ds:itemID="{830098E8-DE11-44E4-8993-D1705412FAAF}">
   <ds:schemaRefs>
     <ds:schemaRef ds:uri="http://schemas.microsoft.com/office/2006/metadata/contentType"/>
@@ -24641,23 +30090,6 @@
 </ds:datastoreItem>
 </file>
 
-<file path=customXml/itemProps2.xml><?xml version="1.0" encoding="utf-8"?>
-<ds:datastoreItem xmlns:ds="http://schemas.openxmlformats.org/officeDocument/2006/customXml" ds:itemID="{47E664A0-7CDF-41AB-936B-25CEB3E28BA3}">
-  <ds:schemaRefs>
-    <ds:schemaRef ds:uri="http://schemas.microsoft.com/office/2006/documentManagement/types"/>
-    <ds:schemaRef ds:uri="http://purl.org/dc/dcmitype/"/>
-    <ds:schemaRef ds:uri="http://www.w3.org/XML/1998/namespace"/>
-    <ds:schemaRef ds:uri="http://purl.org/dc/elements/1.1/"/>
-    <ds:schemaRef ds:uri="http://schemas.microsoft.com/office/infopath/2007/PartnerControls"/>
-    <ds:schemaRef ds:uri="http://purl.org/dc/terms/"/>
-    <ds:schemaRef ds:uri="http://schemas.openxmlformats.org/package/2006/metadata/core-properties"/>
-    <ds:schemaRef ds:uri="fff74fba-6d05-41c6-86dc-eabd5d6ae9f9"/>
-    <ds:schemaRef ds:uri="0baf3534-126a-473e-acc5-3e4621356205"/>
-    <ds:schemaRef ds:uri="http://schemas.microsoft.com/office/2006/metadata/properties"/>
-  </ds:schemaRefs>
-</ds:datastoreItem>
-</file>
-
 <file path=customXml/itemProps3.xml><?xml version="1.0" encoding="utf-8"?>
 <ds:datastoreItem xmlns:ds="http://schemas.openxmlformats.org/officeDocument/2006/customXml" ds:itemID="{9E0EA9B7-E59A-4EC5-928D-C173B3508EA4}">
   <ds:schemaRefs>

--- a/WhiteBoard.pptx
+++ b/WhiteBoard.pptx
@@ -43,6 +43,12 @@
     <p:sldId id="291" r:id="rId40"/>
     <p:sldId id="292" r:id="rId41"/>
     <p:sldId id="293" r:id="rId42"/>
+    <p:sldId id="294" r:id="rId43"/>
+    <p:sldId id="295" r:id="rId44"/>
+    <p:sldId id="296" r:id="rId45"/>
+    <p:sldId id="297" r:id="rId46"/>
+    <p:sldId id="298" r:id="rId47"/>
+    <p:sldId id="299" r:id="rId48"/>
   </p:sldIdLst>
   <p:sldSz cx="12192000" cy="6858000"/>
   <p:notesSz cx="6858000" cy="9144000"/>
@@ -25560,6 +25566,211 @@
 </p:sld>
 </file>
 
+<file path=ppt/slides/slide39.xml><?xml version="1.0" encoding="utf-8"?>
+<p:sld xmlns:a="http://schemas.openxmlformats.org/drawingml/2006/main" xmlns:r="http://schemas.openxmlformats.org/officeDocument/2006/relationships" xmlns:p="http://schemas.openxmlformats.org/presentationml/2006/main">
+  <p:cSld>
+    <p:spTree>
+      <p:nvGrpSpPr>
+        <p:cNvPr id="1" name=""/>
+        <p:cNvGrpSpPr/>
+        <p:nvPr/>
+      </p:nvGrpSpPr>
+      <p:grpSpPr>
+        <a:xfrm>
+          <a:off x="0" y="0"/>
+          <a:ext cx="0" cy="0"/>
+          <a:chOff x="0" y="0"/>
+          <a:chExt cx="0" cy="0"/>
+        </a:xfrm>
+      </p:grpSpPr>
+      <p:sp>
+        <p:nvSpPr>
+          <p:cNvPr id="4" name="Rectangle 3">
+            <a:extLst>
+              <a:ext uri="{FF2B5EF4-FFF2-40B4-BE49-F238E27FC236}">
+                <a16:creationId xmlns:a16="http://schemas.microsoft.com/office/drawing/2014/main" id="{9B100C41-79B3-45F0-A7AE-5D274EBA9343}"/>
+              </a:ext>
+            </a:extLst>
+          </p:cNvPr>
+          <p:cNvSpPr/>
+          <p:nvPr/>
+        </p:nvSpPr>
+        <p:spPr>
+          <a:xfrm>
+            <a:off x="4114800" y="1019175"/>
+            <a:ext cx="3524250" cy="3705225"/>
+          </a:xfrm>
+          <a:prstGeom prst="rect">
+            <a:avLst/>
+          </a:prstGeom>
+        </p:spPr>
+        <p:style>
+          <a:lnRef idx="2">
+            <a:schemeClr val="accent1">
+              <a:shade val="50000"/>
+            </a:schemeClr>
+          </a:lnRef>
+          <a:fillRef idx="1">
+            <a:schemeClr val="accent1"/>
+          </a:fillRef>
+          <a:effectRef idx="0">
+            <a:schemeClr val="accent1"/>
+          </a:effectRef>
+          <a:fontRef idx="minor">
+            <a:schemeClr val="lt1"/>
+          </a:fontRef>
+        </p:style>
+        <p:txBody>
+          <a:bodyPr rtlCol="0" anchor="ctr"/>
+          <a:lstStyle/>
+          <a:p>
+            <a:pPr algn="ctr"/>
+            <a:endParaRPr lang="en-US" dirty="0"/>
+          </a:p>
+        </p:txBody>
+      </p:sp>
+      <p:sp>
+        <p:nvSpPr>
+          <p:cNvPr id="5" name="TextBox 4">
+            <a:extLst>
+              <a:ext uri="{FF2B5EF4-FFF2-40B4-BE49-F238E27FC236}">
+                <a16:creationId xmlns:a16="http://schemas.microsoft.com/office/drawing/2014/main" id="{79135B50-8217-4DA3-8261-FC669018FA4F}"/>
+              </a:ext>
+            </a:extLst>
+          </p:cNvPr>
+          <p:cNvSpPr txBox="1"/>
+          <p:nvPr/>
+        </p:nvSpPr>
+        <p:spPr>
+          <a:xfrm>
+            <a:off x="4333874" y="1082159"/>
+            <a:ext cx="2200275" cy="369332"/>
+          </a:xfrm>
+          <a:prstGeom prst="rect">
+            <a:avLst/>
+          </a:prstGeom>
+          <a:noFill/>
+        </p:spPr>
+        <p:txBody>
+          <a:bodyPr wrap="square" rtlCol="0">
+            <a:spAutoFit/>
+          </a:bodyPr>
+          <a:lstStyle/>
+          <a:p>
+            <a:r>
+              <a:rPr lang="en-US" dirty="0">
+                <a:solidFill>
+                  <a:schemeClr val="bg1"/>
+                </a:solidFill>
+              </a:rPr>
+              <a:t>Pod - Terminated</a:t>
+            </a:r>
+          </a:p>
+        </p:txBody>
+      </p:sp>
+      <p:sp>
+        <p:nvSpPr>
+          <p:cNvPr id="6" name="Rectangle 5">
+            <a:extLst>
+              <a:ext uri="{FF2B5EF4-FFF2-40B4-BE49-F238E27FC236}">
+                <a16:creationId xmlns:a16="http://schemas.microsoft.com/office/drawing/2014/main" id="{C34C45FC-B413-46C1-83D5-2F196888A697}"/>
+              </a:ext>
+            </a:extLst>
+          </p:cNvPr>
+          <p:cNvSpPr/>
+          <p:nvPr/>
+        </p:nvSpPr>
+        <p:spPr>
+          <a:xfrm>
+            <a:off x="4733925" y="2171700"/>
+            <a:ext cx="2200275" cy="1257300"/>
+          </a:xfrm>
+          <a:prstGeom prst="rect">
+            <a:avLst/>
+          </a:prstGeom>
+        </p:spPr>
+        <p:style>
+          <a:lnRef idx="2">
+            <a:schemeClr val="dk1">
+              <a:shade val="50000"/>
+            </a:schemeClr>
+          </a:lnRef>
+          <a:fillRef idx="1">
+            <a:schemeClr val="dk1"/>
+          </a:fillRef>
+          <a:effectRef idx="0">
+            <a:schemeClr val="dk1"/>
+          </a:effectRef>
+          <a:fontRef idx="minor">
+            <a:schemeClr val="lt1"/>
+          </a:fontRef>
+        </p:style>
+        <p:txBody>
+          <a:bodyPr rtlCol="0" anchor="ctr"/>
+          <a:lstStyle/>
+          <a:p>
+            <a:pPr algn="ctr"/>
+            <a:r>
+              <a:rPr lang="en-US" dirty="0"/>
+              <a:t>Container</a:t>
+            </a:r>
+          </a:p>
+        </p:txBody>
+      </p:sp>
+      <p:cxnSp>
+        <p:nvCxnSpPr>
+          <p:cNvPr id="8" name="Straight Arrow Connector 7">
+            <a:extLst>
+              <a:ext uri="{FF2B5EF4-FFF2-40B4-BE49-F238E27FC236}">
+                <a16:creationId xmlns:a16="http://schemas.microsoft.com/office/drawing/2014/main" id="{4B8FD8F8-14C6-4DB5-8053-ED122B525880}"/>
+              </a:ext>
+            </a:extLst>
+          </p:cNvPr>
+          <p:cNvCxnSpPr>
+            <a:cxnSpLocks/>
+          </p:cNvCxnSpPr>
+          <p:nvPr/>
+        </p:nvCxnSpPr>
+        <p:spPr>
+          <a:xfrm>
+            <a:off x="1590675" y="2905125"/>
+            <a:ext cx="3143250" cy="0"/>
+          </a:xfrm>
+          <a:prstGeom prst="straightConnector1">
+            <a:avLst/>
+          </a:prstGeom>
+          <a:ln>
+            <a:tailEnd type="triangle"/>
+          </a:ln>
+        </p:spPr>
+        <p:style>
+          <a:lnRef idx="1">
+            <a:schemeClr val="dk1"/>
+          </a:lnRef>
+          <a:fillRef idx="0">
+            <a:schemeClr val="dk1"/>
+          </a:fillRef>
+          <a:effectRef idx="0">
+            <a:schemeClr val="dk1"/>
+          </a:effectRef>
+          <a:fontRef idx="minor">
+            <a:schemeClr val="tx1"/>
+          </a:fontRef>
+        </p:style>
+      </p:cxnSp>
+    </p:spTree>
+    <p:extLst>
+      <p:ext uri="{BB962C8B-B14F-4D97-AF65-F5344CB8AC3E}">
+        <p14:creationId xmlns:p14="http://schemas.microsoft.com/office/powerpoint/2010/main" val="3253256207"/>
+      </p:ext>
+    </p:extLst>
+  </p:cSld>
+  <p:clrMapOvr>
+    <a:masterClrMapping/>
+  </p:clrMapOvr>
+</p:sld>
+</file>
+
 <file path=ppt/slides/slide4.xml><?xml version="1.0" encoding="utf-8"?>
 <p:sld xmlns:a="http://schemas.openxmlformats.org/drawingml/2006/main" xmlns:r="http://schemas.openxmlformats.org/officeDocument/2006/relationships" xmlns:p="http://schemas.openxmlformats.org/presentationml/2006/main">
   <p:cSld>
@@ -26590,6 +26801,2127 @@
     <p:extLst>
       <p:ext uri="{BB962C8B-B14F-4D97-AF65-F5344CB8AC3E}">
         <p14:creationId xmlns:p14="http://schemas.microsoft.com/office/powerpoint/2010/main" val="3869987871"/>
+      </p:ext>
+    </p:extLst>
+  </p:cSld>
+  <p:clrMapOvr>
+    <a:masterClrMapping/>
+  </p:clrMapOvr>
+</p:sld>
+</file>
+
+<file path=ppt/slides/slide40.xml><?xml version="1.0" encoding="utf-8"?>
+<p:sld xmlns:a="http://schemas.openxmlformats.org/drawingml/2006/main" xmlns:r="http://schemas.openxmlformats.org/officeDocument/2006/relationships" xmlns:p="http://schemas.openxmlformats.org/presentationml/2006/main">
+  <p:cSld>
+    <p:spTree>
+      <p:nvGrpSpPr>
+        <p:cNvPr id="1" name=""/>
+        <p:cNvGrpSpPr/>
+        <p:nvPr/>
+      </p:nvGrpSpPr>
+      <p:grpSpPr>
+        <a:xfrm>
+          <a:off x="0" y="0"/>
+          <a:ext cx="0" cy="0"/>
+          <a:chOff x="0" y="0"/>
+          <a:chExt cx="0" cy="0"/>
+        </a:xfrm>
+      </p:grpSpPr>
+      <p:sp>
+        <p:nvSpPr>
+          <p:cNvPr id="2" name="Title 1">
+            <a:extLst>
+              <a:ext uri="{FF2B5EF4-FFF2-40B4-BE49-F238E27FC236}">
+                <a16:creationId xmlns:a16="http://schemas.microsoft.com/office/drawing/2014/main" id="{52103F4D-ACE4-498D-8C7B-34E734C2F67D}"/>
+              </a:ext>
+            </a:extLst>
+          </p:cNvPr>
+          <p:cNvSpPr>
+            <a:spLocks noGrp="1"/>
+          </p:cNvSpPr>
+          <p:nvPr>
+            <p:ph type="title"/>
+          </p:nvPr>
+        </p:nvSpPr>
+        <p:spPr/>
+        <p:txBody>
+          <a:bodyPr/>
+          <a:lstStyle/>
+          <a:p>
+            <a:r>
+              <a:rPr lang="en-US" dirty="0"/>
+              <a:t>Readiness</a:t>
+            </a:r>
+          </a:p>
+        </p:txBody>
+      </p:sp>
+      <p:sp>
+        <p:nvSpPr>
+          <p:cNvPr id="4" name="Rectangle 3">
+            <a:extLst>
+              <a:ext uri="{FF2B5EF4-FFF2-40B4-BE49-F238E27FC236}">
+                <a16:creationId xmlns:a16="http://schemas.microsoft.com/office/drawing/2014/main" id="{A9663E90-F0DC-400D-B505-B13796F0C47D}"/>
+              </a:ext>
+            </a:extLst>
+          </p:cNvPr>
+          <p:cNvSpPr/>
+          <p:nvPr/>
+        </p:nvSpPr>
+        <p:spPr>
+          <a:xfrm>
+            <a:off x="2571751" y="3995738"/>
+            <a:ext cx="1790700" cy="876300"/>
+          </a:xfrm>
+          <a:prstGeom prst="rect">
+            <a:avLst/>
+          </a:prstGeom>
+        </p:spPr>
+        <p:style>
+          <a:lnRef idx="2">
+            <a:schemeClr val="accent1">
+              <a:shade val="50000"/>
+            </a:schemeClr>
+          </a:lnRef>
+          <a:fillRef idx="1">
+            <a:schemeClr val="accent1"/>
+          </a:fillRef>
+          <a:effectRef idx="0">
+            <a:schemeClr val="accent1"/>
+          </a:effectRef>
+          <a:fontRef idx="minor">
+            <a:schemeClr val="lt1"/>
+          </a:fontRef>
+        </p:style>
+        <p:txBody>
+          <a:bodyPr rtlCol="0" anchor="ctr"/>
+          <a:lstStyle/>
+          <a:p>
+            <a:pPr algn="ctr"/>
+            <a:r>
+              <a:rPr lang="en-US" dirty="0"/>
+              <a:t>Pod</a:t>
+            </a:r>
+          </a:p>
+          <a:p>
+            <a:pPr algn="ctr"/>
+            <a:r>
+              <a:rPr lang="en-US" dirty="0"/>
+              <a:t>C – V1</a:t>
+            </a:r>
+          </a:p>
+        </p:txBody>
+      </p:sp>
+      <p:sp>
+        <p:nvSpPr>
+          <p:cNvPr id="5" name="Rectangle 4">
+            <a:extLst>
+              <a:ext uri="{FF2B5EF4-FFF2-40B4-BE49-F238E27FC236}">
+                <a16:creationId xmlns:a16="http://schemas.microsoft.com/office/drawing/2014/main" id="{3678618C-8874-409A-8A2F-6B185FDCF09D}"/>
+              </a:ext>
+            </a:extLst>
+          </p:cNvPr>
+          <p:cNvSpPr/>
+          <p:nvPr/>
+        </p:nvSpPr>
+        <p:spPr>
+          <a:xfrm>
+            <a:off x="4829176" y="3995738"/>
+            <a:ext cx="1790700" cy="876300"/>
+          </a:xfrm>
+          <a:prstGeom prst="rect">
+            <a:avLst/>
+          </a:prstGeom>
+        </p:spPr>
+        <p:style>
+          <a:lnRef idx="2">
+            <a:schemeClr val="accent1">
+              <a:shade val="50000"/>
+            </a:schemeClr>
+          </a:lnRef>
+          <a:fillRef idx="1">
+            <a:schemeClr val="accent1"/>
+          </a:fillRef>
+          <a:effectRef idx="0">
+            <a:schemeClr val="accent1"/>
+          </a:effectRef>
+          <a:fontRef idx="minor">
+            <a:schemeClr val="lt1"/>
+          </a:fontRef>
+        </p:style>
+        <p:txBody>
+          <a:bodyPr rtlCol="0" anchor="ctr"/>
+          <a:lstStyle/>
+          <a:p>
+            <a:pPr algn="ctr"/>
+            <a:r>
+              <a:rPr lang="en-US" dirty="0"/>
+              <a:t>Pod</a:t>
+            </a:r>
+          </a:p>
+          <a:p>
+            <a:pPr algn="ctr"/>
+            <a:r>
+              <a:rPr lang="en-US" dirty="0"/>
+              <a:t>C – V1</a:t>
+            </a:r>
+          </a:p>
+        </p:txBody>
+      </p:sp>
+      <p:sp>
+        <p:nvSpPr>
+          <p:cNvPr id="6" name="Rectangle 5">
+            <a:extLst>
+              <a:ext uri="{FF2B5EF4-FFF2-40B4-BE49-F238E27FC236}">
+                <a16:creationId xmlns:a16="http://schemas.microsoft.com/office/drawing/2014/main" id="{C02855A9-2C4B-44C9-81E5-71B35123D942}"/>
+              </a:ext>
+            </a:extLst>
+          </p:cNvPr>
+          <p:cNvSpPr/>
+          <p:nvPr/>
+        </p:nvSpPr>
+        <p:spPr>
+          <a:xfrm>
+            <a:off x="7086601" y="3995738"/>
+            <a:ext cx="1790700" cy="876300"/>
+          </a:xfrm>
+          <a:prstGeom prst="rect">
+            <a:avLst/>
+          </a:prstGeom>
+        </p:spPr>
+        <p:style>
+          <a:lnRef idx="2">
+            <a:schemeClr val="accent2">
+              <a:shade val="50000"/>
+            </a:schemeClr>
+          </a:lnRef>
+          <a:fillRef idx="1">
+            <a:schemeClr val="accent2"/>
+          </a:fillRef>
+          <a:effectRef idx="0">
+            <a:schemeClr val="accent2"/>
+          </a:effectRef>
+          <a:fontRef idx="minor">
+            <a:schemeClr val="lt1"/>
+          </a:fontRef>
+        </p:style>
+        <p:txBody>
+          <a:bodyPr rtlCol="0" anchor="ctr"/>
+          <a:lstStyle/>
+          <a:p>
+            <a:pPr algn="ctr"/>
+            <a:r>
+              <a:rPr lang="en-US" dirty="0"/>
+              <a:t>Pod</a:t>
+            </a:r>
+          </a:p>
+          <a:p>
+            <a:pPr algn="ctr"/>
+            <a:r>
+              <a:rPr lang="en-US" dirty="0"/>
+              <a:t>C- V1</a:t>
+            </a:r>
+          </a:p>
+        </p:txBody>
+      </p:sp>
+      <p:sp>
+        <p:nvSpPr>
+          <p:cNvPr id="7" name="Oval 6">
+            <a:extLst>
+              <a:ext uri="{FF2B5EF4-FFF2-40B4-BE49-F238E27FC236}">
+                <a16:creationId xmlns:a16="http://schemas.microsoft.com/office/drawing/2014/main" id="{8E285F4D-6388-45A6-9C75-C16E1980507F}"/>
+              </a:ext>
+            </a:extLst>
+          </p:cNvPr>
+          <p:cNvSpPr/>
+          <p:nvPr/>
+        </p:nvSpPr>
+        <p:spPr>
+          <a:xfrm>
+            <a:off x="4562475" y="1690688"/>
+            <a:ext cx="2152650" cy="876300"/>
+          </a:xfrm>
+          <a:prstGeom prst="ellipse">
+            <a:avLst/>
+          </a:prstGeom>
+        </p:spPr>
+        <p:style>
+          <a:lnRef idx="2">
+            <a:schemeClr val="accent1">
+              <a:shade val="50000"/>
+            </a:schemeClr>
+          </a:lnRef>
+          <a:fillRef idx="1">
+            <a:schemeClr val="accent1"/>
+          </a:fillRef>
+          <a:effectRef idx="0">
+            <a:schemeClr val="accent1"/>
+          </a:effectRef>
+          <a:fontRef idx="minor">
+            <a:schemeClr val="lt1"/>
+          </a:fontRef>
+        </p:style>
+        <p:txBody>
+          <a:bodyPr rtlCol="0" anchor="ctr"/>
+          <a:lstStyle/>
+          <a:p>
+            <a:pPr algn="ctr"/>
+            <a:r>
+              <a:rPr lang="en-US" dirty="0"/>
+              <a:t>Service</a:t>
+            </a:r>
+          </a:p>
+        </p:txBody>
+      </p:sp>
+      <p:cxnSp>
+        <p:nvCxnSpPr>
+          <p:cNvPr id="8" name="Straight Connector 7">
+            <a:extLst>
+              <a:ext uri="{FF2B5EF4-FFF2-40B4-BE49-F238E27FC236}">
+                <a16:creationId xmlns:a16="http://schemas.microsoft.com/office/drawing/2014/main" id="{3716D438-036D-428B-94DC-C771F7695A60}"/>
+              </a:ext>
+            </a:extLst>
+          </p:cNvPr>
+          <p:cNvCxnSpPr>
+            <a:stCxn id="7" idx="4"/>
+          </p:cNvCxnSpPr>
+          <p:nvPr/>
+        </p:nvCxnSpPr>
+        <p:spPr>
+          <a:xfrm>
+            <a:off x="5638800" y="2566988"/>
+            <a:ext cx="0" cy="514350"/>
+          </a:xfrm>
+          <a:prstGeom prst="line">
+            <a:avLst/>
+          </a:prstGeom>
+        </p:spPr>
+        <p:style>
+          <a:lnRef idx="1">
+            <a:schemeClr val="accent1"/>
+          </a:lnRef>
+          <a:fillRef idx="0">
+            <a:schemeClr val="accent1"/>
+          </a:fillRef>
+          <a:effectRef idx="0">
+            <a:schemeClr val="accent1"/>
+          </a:effectRef>
+          <a:fontRef idx="minor">
+            <a:schemeClr val="tx1"/>
+          </a:fontRef>
+        </p:style>
+      </p:cxnSp>
+      <p:cxnSp>
+        <p:nvCxnSpPr>
+          <p:cNvPr id="9" name="Straight Connector 8">
+            <a:extLst>
+              <a:ext uri="{FF2B5EF4-FFF2-40B4-BE49-F238E27FC236}">
+                <a16:creationId xmlns:a16="http://schemas.microsoft.com/office/drawing/2014/main" id="{F7F1AA44-5DDB-4DD3-9554-B3C090C3A467}"/>
+              </a:ext>
+            </a:extLst>
+          </p:cNvPr>
+          <p:cNvCxnSpPr>
+            <a:cxnSpLocks/>
+          </p:cNvCxnSpPr>
+          <p:nvPr/>
+        </p:nvCxnSpPr>
+        <p:spPr>
+          <a:xfrm>
+            <a:off x="2924175" y="3138488"/>
+            <a:ext cx="5276850" cy="0"/>
+          </a:xfrm>
+          <a:prstGeom prst="line">
+            <a:avLst/>
+          </a:prstGeom>
+        </p:spPr>
+        <p:style>
+          <a:lnRef idx="1">
+            <a:schemeClr val="accent1"/>
+          </a:lnRef>
+          <a:fillRef idx="0">
+            <a:schemeClr val="accent1"/>
+          </a:fillRef>
+          <a:effectRef idx="0">
+            <a:schemeClr val="accent1"/>
+          </a:effectRef>
+          <a:fontRef idx="minor">
+            <a:schemeClr val="tx1"/>
+          </a:fontRef>
+        </p:style>
+      </p:cxnSp>
+      <p:cxnSp>
+        <p:nvCxnSpPr>
+          <p:cNvPr id="10" name="Straight Arrow Connector 9">
+            <a:extLst>
+              <a:ext uri="{FF2B5EF4-FFF2-40B4-BE49-F238E27FC236}">
+                <a16:creationId xmlns:a16="http://schemas.microsoft.com/office/drawing/2014/main" id="{77769BB2-5FB9-4E94-8E45-77B21536C4E3}"/>
+              </a:ext>
+            </a:extLst>
+          </p:cNvPr>
+          <p:cNvCxnSpPr/>
+          <p:nvPr/>
+        </p:nvCxnSpPr>
+        <p:spPr>
+          <a:xfrm>
+            <a:off x="2933700" y="3176588"/>
+            <a:ext cx="0" cy="819150"/>
+          </a:xfrm>
+          <a:prstGeom prst="straightConnector1">
+            <a:avLst/>
+          </a:prstGeom>
+          <a:ln>
+            <a:tailEnd type="triangle"/>
+          </a:ln>
+        </p:spPr>
+        <p:style>
+          <a:lnRef idx="1">
+            <a:schemeClr val="accent1"/>
+          </a:lnRef>
+          <a:fillRef idx="0">
+            <a:schemeClr val="accent1"/>
+          </a:fillRef>
+          <a:effectRef idx="0">
+            <a:schemeClr val="accent1"/>
+          </a:effectRef>
+          <a:fontRef idx="minor">
+            <a:schemeClr val="tx1"/>
+          </a:fontRef>
+        </p:style>
+      </p:cxnSp>
+      <p:cxnSp>
+        <p:nvCxnSpPr>
+          <p:cNvPr id="11" name="Straight Arrow Connector 10">
+            <a:extLst>
+              <a:ext uri="{FF2B5EF4-FFF2-40B4-BE49-F238E27FC236}">
+                <a16:creationId xmlns:a16="http://schemas.microsoft.com/office/drawing/2014/main" id="{FF0B5919-40B9-43DA-9F85-70082E22951F}"/>
+              </a:ext>
+            </a:extLst>
+          </p:cNvPr>
+          <p:cNvCxnSpPr/>
+          <p:nvPr/>
+        </p:nvCxnSpPr>
+        <p:spPr>
+          <a:xfrm>
+            <a:off x="5819775" y="3138488"/>
+            <a:ext cx="0" cy="781050"/>
+          </a:xfrm>
+          <a:prstGeom prst="straightConnector1">
+            <a:avLst/>
+          </a:prstGeom>
+          <a:ln>
+            <a:tailEnd type="triangle"/>
+          </a:ln>
+        </p:spPr>
+        <p:style>
+          <a:lnRef idx="1">
+            <a:schemeClr val="accent1"/>
+          </a:lnRef>
+          <a:fillRef idx="0">
+            <a:schemeClr val="accent1"/>
+          </a:fillRef>
+          <a:effectRef idx="0">
+            <a:schemeClr val="accent1"/>
+          </a:effectRef>
+          <a:fontRef idx="minor">
+            <a:schemeClr val="tx1"/>
+          </a:fontRef>
+        </p:style>
+      </p:cxnSp>
+      <p:cxnSp>
+        <p:nvCxnSpPr>
+          <p:cNvPr id="12" name="Straight Arrow Connector 11">
+            <a:extLst>
+              <a:ext uri="{FF2B5EF4-FFF2-40B4-BE49-F238E27FC236}">
+                <a16:creationId xmlns:a16="http://schemas.microsoft.com/office/drawing/2014/main" id="{77CE7128-E7E5-49BE-ACEF-F3B61A11F65F}"/>
+              </a:ext>
+            </a:extLst>
+          </p:cNvPr>
+          <p:cNvCxnSpPr/>
+          <p:nvPr/>
+        </p:nvCxnSpPr>
+        <p:spPr>
+          <a:xfrm>
+            <a:off x="8201025" y="3176588"/>
+            <a:ext cx="0" cy="819150"/>
+          </a:xfrm>
+          <a:prstGeom prst="straightConnector1">
+            <a:avLst/>
+          </a:prstGeom>
+          <a:ln>
+            <a:tailEnd type="triangle"/>
+          </a:ln>
+        </p:spPr>
+        <p:style>
+          <a:lnRef idx="1">
+            <a:schemeClr val="accent1"/>
+          </a:lnRef>
+          <a:fillRef idx="0">
+            <a:schemeClr val="accent1"/>
+          </a:fillRef>
+          <a:effectRef idx="0">
+            <a:schemeClr val="accent1"/>
+          </a:effectRef>
+          <a:fontRef idx="minor">
+            <a:schemeClr val="tx1"/>
+          </a:fontRef>
+        </p:style>
+      </p:cxnSp>
+      <p:cxnSp>
+        <p:nvCxnSpPr>
+          <p:cNvPr id="14" name="Straight Arrow Connector 13">
+            <a:extLst>
+              <a:ext uri="{FF2B5EF4-FFF2-40B4-BE49-F238E27FC236}">
+                <a16:creationId xmlns:a16="http://schemas.microsoft.com/office/drawing/2014/main" id="{58F049DB-7883-4231-AE07-0E024BCAE3F3}"/>
+              </a:ext>
+            </a:extLst>
+          </p:cNvPr>
+          <p:cNvCxnSpPr>
+            <a:cxnSpLocks/>
+            <a:endCxn id="7" idx="2"/>
+          </p:cNvCxnSpPr>
+          <p:nvPr/>
+        </p:nvCxnSpPr>
+        <p:spPr>
+          <a:xfrm>
+            <a:off x="1638300" y="2128838"/>
+            <a:ext cx="2924175" cy="0"/>
+          </a:xfrm>
+          <a:prstGeom prst="straightConnector1">
+            <a:avLst/>
+          </a:prstGeom>
+          <a:ln>
+            <a:tailEnd type="triangle"/>
+          </a:ln>
+        </p:spPr>
+        <p:style>
+          <a:lnRef idx="1">
+            <a:schemeClr val="accent1"/>
+          </a:lnRef>
+          <a:fillRef idx="0">
+            <a:schemeClr val="accent1"/>
+          </a:fillRef>
+          <a:effectRef idx="0">
+            <a:schemeClr val="accent1"/>
+          </a:effectRef>
+          <a:fontRef idx="minor">
+            <a:schemeClr val="tx1"/>
+          </a:fontRef>
+        </p:style>
+      </p:cxnSp>
+      <p:sp>
+        <p:nvSpPr>
+          <p:cNvPr id="16" name="TextBox 15">
+            <a:extLst>
+              <a:ext uri="{FF2B5EF4-FFF2-40B4-BE49-F238E27FC236}">
+                <a16:creationId xmlns:a16="http://schemas.microsoft.com/office/drawing/2014/main" id="{DE2C5F1C-7503-4A8B-B1DF-025D2F319604}"/>
+              </a:ext>
+            </a:extLst>
+          </p:cNvPr>
+          <p:cNvSpPr txBox="1"/>
+          <p:nvPr/>
+        </p:nvSpPr>
+        <p:spPr>
+          <a:xfrm>
+            <a:off x="9372600" y="3705225"/>
+            <a:ext cx="2066921" cy="2308324"/>
+          </a:xfrm>
+          <a:prstGeom prst="rect">
+            <a:avLst/>
+          </a:prstGeom>
+          <a:noFill/>
+        </p:spPr>
+        <p:txBody>
+          <a:bodyPr wrap="square" rtlCol="0">
+            <a:spAutoFit/>
+          </a:bodyPr>
+          <a:lstStyle/>
+          <a:p>
+            <a:r>
+              <a:rPr lang="en-US" dirty="0"/>
+              <a:t>Exec – Running some commands in container like ls</a:t>
+            </a:r>
+          </a:p>
+          <a:p>
+            <a:r>
+              <a:rPr lang="en-US" dirty="0"/>
+              <a:t>HTTP-GET – </a:t>
+            </a:r>
+            <a:r>
+              <a:rPr lang="en-US" dirty="0" err="1"/>
+              <a:t>Hre</a:t>
+            </a:r>
+            <a:r>
+              <a:rPr lang="en-US" dirty="0"/>
+              <a:t> it will do communicate on http </a:t>
+            </a:r>
+            <a:r>
+              <a:rPr lang="en-US" dirty="0" err="1"/>
+              <a:t>url</a:t>
+            </a:r>
+            <a:endParaRPr lang="en-US" dirty="0"/>
+          </a:p>
+          <a:p>
+            <a:r>
+              <a:rPr lang="en-US" dirty="0"/>
+              <a:t>TCP Socket </a:t>
+            </a:r>
+          </a:p>
+        </p:txBody>
+      </p:sp>
+      <p:sp>
+        <p:nvSpPr>
+          <p:cNvPr id="17" name="TextBox 16">
+            <a:extLst>
+              <a:ext uri="{FF2B5EF4-FFF2-40B4-BE49-F238E27FC236}">
+                <a16:creationId xmlns:a16="http://schemas.microsoft.com/office/drawing/2014/main" id="{90E3A8E7-F100-4B89-A659-0D4520963BAD}"/>
+              </a:ext>
+            </a:extLst>
+          </p:cNvPr>
+          <p:cNvSpPr txBox="1"/>
+          <p:nvPr/>
+        </p:nvSpPr>
+        <p:spPr>
+          <a:xfrm>
+            <a:off x="1638300" y="5591175"/>
+            <a:ext cx="2924175" cy="369332"/>
+          </a:xfrm>
+          <a:prstGeom prst="rect">
+            <a:avLst/>
+          </a:prstGeom>
+          <a:noFill/>
+        </p:spPr>
+        <p:txBody>
+          <a:bodyPr wrap="square" rtlCol="0">
+            <a:spAutoFit/>
+          </a:bodyPr>
+          <a:lstStyle/>
+          <a:p>
+            <a:r>
+              <a:rPr lang="en-US" dirty="0"/>
+              <a:t>/health</a:t>
+            </a:r>
+          </a:p>
+        </p:txBody>
+      </p:sp>
+    </p:spTree>
+    <p:extLst>
+      <p:ext uri="{BB962C8B-B14F-4D97-AF65-F5344CB8AC3E}">
+        <p14:creationId xmlns:p14="http://schemas.microsoft.com/office/powerpoint/2010/main" val="3840018616"/>
+      </p:ext>
+    </p:extLst>
+  </p:cSld>
+  <p:clrMapOvr>
+    <a:masterClrMapping/>
+  </p:clrMapOvr>
+</p:sld>
+</file>
+
+<file path=ppt/slides/slide41.xml><?xml version="1.0" encoding="utf-8"?>
+<p:sld xmlns:a="http://schemas.openxmlformats.org/drawingml/2006/main" xmlns:r="http://schemas.openxmlformats.org/officeDocument/2006/relationships" xmlns:p="http://schemas.openxmlformats.org/presentationml/2006/main">
+  <p:cSld>
+    <p:spTree>
+      <p:nvGrpSpPr>
+        <p:cNvPr id="1" name=""/>
+        <p:cNvGrpSpPr/>
+        <p:nvPr/>
+      </p:nvGrpSpPr>
+      <p:grpSpPr>
+        <a:xfrm>
+          <a:off x="0" y="0"/>
+          <a:ext cx="0" cy="0"/>
+          <a:chOff x="0" y="0"/>
+          <a:chExt cx="0" cy="0"/>
+        </a:xfrm>
+      </p:grpSpPr>
+      <p:sp>
+        <p:nvSpPr>
+          <p:cNvPr id="2" name="Title 1">
+            <a:extLst>
+              <a:ext uri="{FF2B5EF4-FFF2-40B4-BE49-F238E27FC236}">
+                <a16:creationId xmlns:a16="http://schemas.microsoft.com/office/drawing/2014/main" id="{B6C5848C-7F4A-488C-BE4B-FF62C583C871}"/>
+              </a:ext>
+            </a:extLst>
+          </p:cNvPr>
+          <p:cNvSpPr>
+            <a:spLocks noGrp="1"/>
+          </p:cNvSpPr>
+          <p:nvPr>
+            <p:ph type="title"/>
+          </p:nvPr>
+        </p:nvSpPr>
+        <p:spPr/>
+        <p:txBody>
+          <a:bodyPr/>
+          <a:lstStyle/>
+          <a:p>
+            <a:r>
+              <a:rPr lang="en-US" dirty="0"/>
+              <a:t>liveness</a:t>
+            </a:r>
+          </a:p>
+        </p:txBody>
+      </p:sp>
+      <p:sp>
+        <p:nvSpPr>
+          <p:cNvPr id="4" name="Rectangle 3">
+            <a:extLst>
+              <a:ext uri="{FF2B5EF4-FFF2-40B4-BE49-F238E27FC236}">
+                <a16:creationId xmlns:a16="http://schemas.microsoft.com/office/drawing/2014/main" id="{CE10B0AE-0BC1-4A38-8C45-297C9EEA983F}"/>
+              </a:ext>
+            </a:extLst>
+          </p:cNvPr>
+          <p:cNvSpPr/>
+          <p:nvPr/>
+        </p:nvSpPr>
+        <p:spPr>
+          <a:xfrm>
+            <a:off x="3886200" y="2675731"/>
+            <a:ext cx="2457450" cy="1506538"/>
+          </a:xfrm>
+          <a:prstGeom prst="rect">
+            <a:avLst/>
+          </a:prstGeom>
+        </p:spPr>
+        <p:style>
+          <a:lnRef idx="2">
+            <a:schemeClr val="accent1">
+              <a:shade val="50000"/>
+            </a:schemeClr>
+          </a:lnRef>
+          <a:fillRef idx="1">
+            <a:schemeClr val="accent1"/>
+          </a:fillRef>
+          <a:effectRef idx="0">
+            <a:schemeClr val="accent1"/>
+          </a:effectRef>
+          <a:fontRef idx="minor">
+            <a:schemeClr val="lt1"/>
+          </a:fontRef>
+        </p:style>
+        <p:txBody>
+          <a:bodyPr rtlCol="0" anchor="ctr"/>
+          <a:lstStyle/>
+          <a:p>
+            <a:pPr algn="ctr"/>
+            <a:endParaRPr lang="en-US"/>
+          </a:p>
+        </p:txBody>
+      </p:sp>
+      <p:sp>
+        <p:nvSpPr>
+          <p:cNvPr id="5" name="Rectangle 4">
+            <a:extLst>
+              <a:ext uri="{FF2B5EF4-FFF2-40B4-BE49-F238E27FC236}">
+                <a16:creationId xmlns:a16="http://schemas.microsoft.com/office/drawing/2014/main" id="{191FDA0E-DE97-49D3-90A2-1FE52D562F41}"/>
+              </a:ext>
+            </a:extLst>
+          </p:cNvPr>
+          <p:cNvSpPr/>
+          <p:nvPr/>
+        </p:nvSpPr>
+        <p:spPr>
+          <a:xfrm>
+            <a:off x="4362450" y="3158331"/>
+            <a:ext cx="1504950" cy="832644"/>
+          </a:xfrm>
+          <a:prstGeom prst="rect">
+            <a:avLst/>
+          </a:prstGeom>
+        </p:spPr>
+        <p:style>
+          <a:lnRef idx="2">
+            <a:schemeClr val="dk1">
+              <a:shade val="50000"/>
+            </a:schemeClr>
+          </a:lnRef>
+          <a:fillRef idx="1">
+            <a:schemeClr val="dk1"/>
+          </a:fillRef>
+          <a:effectRef idx="0">
+            <a:schemeClr val="dk1"/>
+          </a:effectRef>
+          <a:fontRef idx="minor">
+            <a:schemeClr val="lt1"/>
+          </a:fontRef>
+        </p:style>
+        <p:txBody>
+          <a:bodyPr rtlCol="0" anchor="ctr"/>
+          <a:lstStyle/>
+          <a:p>
+            <a:pPr algn="ctr"/>
+            <a:r>
+              <a:rPr lang="en-US" dirty="0"/>
+              <a:t>Container</a:t>
+            </a:r>
+          </a:p>
+        </p:txBody>
+      </p:sp>
+      <p:sp>
+        <p:nvSpPr>
+          <p:cNvPr id="6" name="Oval 5">
+            <a:extLst>
+              <a:ext uri="{FF2B5EF4-FFF2-40B4-BE49-F238E27FC236}">
+                <a16:creationId xmlns:a16="http://schemas.microsoft.com/office/drawing/2014/main" id="{3477F90B-7999-46DD-9AE4-A800420C6AE2}"/>
+              </a:ext>
+            </a:extLst>
+          </p:cNvPr>
+          <p:cNvSpPr/>
+          <p:nvPr/>
+        </p:nvSpPr>
+        <p:spPr>
+          <a:xfrm>
+            <a:off x="4191000" y="709613"/>
+            <a:ext cx="2152650" cy="876300"/>
+          </a:xfrm>
+          <a:prstGeom prst="ellipse">
+            <a:avLst/>
+          </a:prstGeom>
+        </p:spPr>
+        <p:style>
+          <a:lnRef idx="2">
+            <a:schemeClr val="accent1">
+              <a:shade val="50000"/>
+            </a:schemeClr>
+          </a:lnRef>
+          <a:fillRef idx="1">
+            <a:schemeClr val="accent1"/>
+          </a:fillRef>
+          <a:effectRef idx="0">
+            <a:schemeClr val="accent1"/>
+          </a:effectRef>
+          <a:fontRef idx="minor">
+            <a:schemeClr val="lt1"/>
+          </a:fontRef>
+        </p:style>
+        <p:txBody>
+          <a:bodyPr rtlCol="0" anchor="ctr"/>
+          <a:lstStyle/>
+          <a:p>
+            <a:pPr algn="ctr"/>
+            <a:r>
+              <a:rPr lang="en-US" dirty="0"/>
+              <a:t>Service</a:t>
+            </a:r>
+          </a:p>
+        </p:txBody>
+      </p:sp>
+      <p:cxnSp>
+        <p:nvCxnSpPr>
+          <p:cNvPr id="8" name="Straight Arrow Connector 7">
+            <a:extLst>
+              <a:ext uri="{FF2B5EF4-FFF2-40B4-BE49-F238E27FC236}">
+                <a16:creationId xmlns:a16="http://schemas.microsoft.com/office/drawing/2014/main" id="{BD82A1BC-BAF9-45E6-B5D9-6BBDDF4B105F}"/>
+              </a:ext>
+            </a:extLst>
+          </p:cNvPr>
+          <p:cNvCxnSpPr>
+            <a:stCxn id="6" idx="4"/>
+          </p:cNvCxnSpPr>
+          <p:nvPr/>
+        </p:nvCxnSpPr>
+        <p:spPr>
+          <a:xfrm>
+            <a:off x="5267325" y="1585913"/>
+            <a:ext cx="0" cy="1089818"/>
+          </a:xfrm>
+          <a:prstGeom prst="straightConnector1">
+            <a:avLst/>
+          </a:prstGeom>
+          <a:ln>
+            <a:tailEnd type="triangle"/>
+          </a:ln>
+        </p:spPr>
+        <p:style>
+          <a:lnRef idx="1">
+            <a:schemeClr val="accent1"/>
+          </a:lnRef>
+          <a:fillRef idx="0">
+            <a:schemeClr val="accent1"/>
+          </a:fillRef>
+          <a:effectRef idx="0">
+            <a:schemeClr val="accent1"/>
+          </a:effectRef>
+          <a:fontRef idx="minor">
+            <a:schemeClr val="tx1"/>
+          </a:fontRef>
+        </p:style>
+      </p:cxnSp>
+    </p:spTree>
+    <p:extLst>
+      <p:ext uri="{BB962C8B-B14F-4D97-AF65-F5344CB8AC3E}">
+        <p14:creationId xmlns:p14="http://schemas.microsoft.com/office/powerpoint/2010/main" val="783188245"/>
+      </p:ext>
+    </p:extLst>
+  </p:cSld>
+  <p:clrMapOvr>
+    <a:masterClrMapping/>
+  </p:clrMapOvr>
+</p:sld>
+</file>
+
+<file path=ppt/slides/slide42.xml><?xml version="1.0" encoding="utf-8"?>
+<p:sld xmlns:a="http://schemas.openxmlformats.org/drawingml/2006/main" xmlns:r="http://schemas.openxmlformats.org/officeDocument/2006/relationships" xmlns:p="http://schemas.openxmlformats.org/presentationml/2006/main">
+  <p:cSld>
+    <p:spTree>
+      <p:nvGrpSpPr>
+        <p:cNvPr id="1" name=""/>
+        <p:cNvGrpSpPr/>
+        <p:nvPr/>
+      </p:nvGrpSpPr>
+      <p:grpSpPr>
+        <a:xfrm>
+          <a:off x="0" y="0"/>
+          <a:ext cx="0" cy="0"/>
+          <a:chOff x="0" y="0"/>
+          <a:chExt cx="0" cy="0"/>
+        </a:xfrm>
+      </p:grpSpPr>
+      <p:sp>
+        <p:nvSpPr>
+          <p:cNvPr id="4" name="Rectangle 3">
+            <a:extLst>
+              <a:ext uri="{FF2B5EF4-FFF2-40B4-BE49-F238E27FC236}">
+                <a16:creationId xmlns:a16="http://schemas.microsoft.com/office/drawing/2014/main" id="{01673636-7509-476B-9516-5205920AA970}"/>
+              </a:ext>
+            </a:extLst>
+          </p:cNvPr>
+          <p:cNvSpPr/>
+          <p:nvPr/>
+        </p:nvSpPr>
+        <p:spPr>
+          <a:xfrm>
+            <a:off x="1152525" y="1771650"/>
+            <a:ext cx="2000250" cy="2581275"/>
+          </a:xfrm>
+          <a:prstGeom prst="rect">
+            <a:avLst/>
+          </a:prstGeom>
+        </p:spPr>
+        <p:style>
+          <a:lnRef idx="2">
+            <a:schemeClr val="accent1">
+              <a:shade val="50000"/>
+            </a:schemeClr>
+          </a:lnRef>
+          <a:fillRef idx="1">
+            <a:schemeClr val="accent1"/>
+          </a:fillRef>
+          <a:effectRef idx="0">
+            <a:schemeClr val="accent1"/>
+          </a:effectRef>
+          <a:fontRef idx="minor">
+            <a:schemeClr val="lt1"/>
+          </a:fontRef>
+        </p:style>
+        <p:txBody>
+          <a:bodyPr rtlCol="0" anchor="ctr"/>
+          <a:lstStyle/>
+          <a:p>
+            <a:pPr algn="ctr"/>
+            <a:r>
+              <a:rPr lang="en-US" dirty="0"/>
+              <a:t>Node 1</a:t>
+            </a:r>
+          </a:p>
+        </p:txBody>
+      </p:sp>
+      <p:sp>
+        <p:nvSpPr>
+          <p:cNvPr id="5" name="Rectangle 4">
+            <a:extLst>
+              <a:ext uri="{FF2B5EF4-FFF2-40B4-BE49-F238E27FC236}">
+                <a16:creationId xmlns:a16="http://schemas.microsoft.com/office/drawing/2014/main" id="{E51D8FD8-CEDD-4060-BB5B-4796637B5744}"/>
+              </a:ext>
+            </a:extLst>
+          </p:cNvPr>
+          <p:cNvSpPr/>
+          <p:nvPr/>
+        </p:nvSpPr>
+        <p:spPr>
+          <a:xfrm>
+            <a:off x="4538662" y="1771647"/>
+            <a:ext cx="2000250" cy="2581275"/>
+          </a:xfrm>
+          <a:prstGeom prst="rect">
+            <a:avLst/>
+          </a:prstGeom>
+        </p:spPr>
+        <p:style>
+          <a:lnRef idx="2">
+            <a:schemeClr val="accent1">
+              <a:shade val="50000"/>
+            </a:schemeClr>
+          </a:lnRef>
+          <a:fillRef idx="1">
+            <a:schemeClr val="accent1"/>
+          </a:fillRef>
+          <a:effectRef idx="0">
+            <a:schemeClr val="accent1"/>
+          </a:effectRef>
+          <a:fontRef idx="minor">
+            <a:schemeClr val="lt1"/>
+          </a:fontRef>
+        </p:style>
+        <p:txBody>
+          <a:bodyPr rtlCol="0" anchor="ctr"/>
+          <a:lstStyle/>
+          <a:p>
+            <a:pPr algn="ctr"/>
+            <a:r>
+              <a:rPr lang="en-US" dirty="0"/>
+              <a:t>Node 2</a:t>
+            </a:r>
+          </a:p>
+        </p:txBody>
+      </p:sp>
+      <p:sp>
+        <p:nvSpPr>
+          <p:cNvPr id="6" name="Rectangle 5">
+            <a:extLst>
+              <a:ext uri="{FF2B5EF4-FFF2-40B4-BE49-F238E27FC236}">
+                <a16:creationId xmlns:a16="http://schemas.microsoft.com/office/drawing/2014/main" id="{E64D6565-BBC8-416F-91C1-E28E59DD0BFC}"/>
+              </a:ext>
+            </a:extLst>
+          </p:cNvPr>
+          <p:cNvSpPr/>
+          <p:nvPr/>
+        </p:nvSpPr>
+        <p:spPr>
+          <a:xfrm>
+            <a:off x="7924800" y="1771648"/>
+            <a:ext cx="2000250" cy="2581275"/>
+          </a:xfrm>
+          <a:prstGeom prst="rect">
+            <a:avLst/>
+          </a:prstGeom>
+        </p:spPr>
+        <p:style>
+          <a:lnRef idx="2">
+            <a:schemeClr val="accent1">
+              <a:shade val="50000"/>
+            </a:schemeClr>
+          </a:lnRef>
+          <a:fillRef idx="1">
+            <a:schemeClr val="accent1"/>
+          </a:fillRef>
+          <a:effectRef idx="0">
+            <a:schemeClr val="accent1"/>
+          </a:effectRef>
+          <a:fontRef idx="minor">
+            <a:schemeClr val="lt1"/>
+          </a:fontRef>
+        </p:style>
+        <p:txBody>
+          <a:bodyPr rtlCol="0" anchor="ctr"/>
+          <a:lstStyle/>
+          <a:p>
+            <a:pPr algn="ctr"/>
+            <a:r>
+              <a:rPr lang="en-US" dirty="0"/>
+              <a:t>Node 3</a:t>
+            </a:r>
+          </a:p>
+        </p:txBody>
+      </p:sp>
+      <p:sp>
+        <p:nvSpPr>
+          <p:cNvPr id="7" name="Rectangle 6">
+            <a:extLst>
+              <a:ext uri="{FF2B5EF4-FFF2-40B4-BE49-F238E27FC236}">
+                <a16:creationId xmlns:a16="http://schemas.microsoft.com/office/drawing/2014/main" id="{57B00563-C644-445C-969A-74413A77763F}"/>
+              </a:ext>
+            </a:extLst>
+          </p:cNvPr>
+          <p:cNvSpPr/>
+          <p:nvPr/>
+        </p:nvSpPr>
+        <p:spPr>
+          <a:xfrm>
+            <a:off x="5214937" y="5314950"/>
+            <a:ext cx="1495425" cy="933450"/>
+          </a:xfrm>
+          <a:prstGeom prst="rect">
+            <a:avLst/>
+          </a:prstGeom>
+        </p:spPr>
+        <p:style>
+          <a:lnRef idx="2">
+            <a:schemeClr val="accent1">
+              <a:shade val="50000"/>
+            </a:schemeClr>
+          </a:lnRef>
+          <a:fillRef idx="1">
+            <a:schemeClr val="accent1"/>
+          </a:fillRef>
+          <a:effectRef idx="0">
+            <a:schemeClr val="accent1"/>
+          </a:effectRef>
+          <a:fontRef idx="minor">
+            <a:schemeClr val="lt1"/>
+          </a:fontRef>
+        </p:style>
+        <p:txBody>
+          <a:bodyPr rtlCol="0" anchor="ctr"/>
+          <a:lstStyle/>
+          <a:p>
+            <a:pPr algn="ctr"/>
+            <a:r>
+              <a:rPr lang="en-US" dirty="0"/>
+              <a:t>Pod</a:t>
+            </a:r>
+          </a:p>
+          <a:p>
+            <a:pPr algn="ctr"/>
+            <a:r>
+              <a:rPr lang="en-US" dirty="0" err="1"/>
+              <a:t>Nodeselector</a:t>
+            </a:r>
+            <a:r>
+              <a:rPr lang="en-US" dirty="0"/>
+              <a:t> </a:t>
+            </a:r>
+          </a:p>
+          <a:p>
+            <a:pPr algn="ctr"/>
+            <a:r>
+              <a:rPr lang="en-US" dirty="0" err="1"/>
+              <a:t>Ssd</a:t>
+            </a:r>
+            <a:r>
+              <a:rPr lang="en-US" dirty="0"/>
+              <a:t> eq true</a:t>
+            </a:r>
+          </a:p>
+        </p:txBody>
+      </p:sp>
+      <p:sp>
+        <p:nvSpPr>
+          <p:cNvPr id="8" name="Rectangle 7">
+            <a:extLst>
+              <a:ext uri="{FF2B5EF4-FFF2-40B4-BE49-F238E27FC236}">
+                <a16:creationId xmlns:a16="http://schemas.microsoft.com/office/drawing/2014/main" id="{5CAD5F2A-05E4-43F9-912C-A1691DE073B4}"/>
+              </a:ext>
+            </a:extLst>
+          </p:cNvPr>
+          <p:cNvSpPr/>
+          <p:nvPr/>
+        </p:nvSpPr>
+        <p:spPr>
+          <a:xfrm>
+            <a:off x="2495550" y="1590675"/>
+            <a:ext cx="1247775" cy="561975"/>
+          </a:xfrm>
+          <a:prstGeom prst="rect">
+            <a:avLst/>
+          </a:prstGeom>
+        </p:spPr>
+        <p:style>
+          <a:lnRef idx="2">
+            <a:schemeClr val="dk1">
+              <a:shade val="50000"/>
+            </a:schemeClr>
+          </a:lnRef>
+          <a:fillRef idx="1">
+            <a:schemeClr val="dk1"/>
+          </a:fillRef>
+          <a:effectRef idx="0">
+            <a:schemeClr val="dk1"/>
+          </a:effectRef>
+          <a:fontRef idx="minor">
+            <a:schemeClr val="lt1"/>
+          </a:fontRef>
+        </p:style>
+        <p:txBody>
+          <a:bodyPr rtlCol="0" anchor="ctr"/>
+          <a:lstStyle/>
+          <a:p>
+            <a:pPr algn="ctr"/>
+            <a:r>
+              <a:rPr lang="en-US" dirty="0" err="1"/>
+              <a:t>ssd</a:t>
+            </a:r>
+            <a:r>
+              <a:rPr lang="en-US" dirty="0"/>
+              <a:t> = true</a:t>
+            </a:r>
+          </a:p>
+        </p:txBody>
+      </p:sp>
+      <p:sp>
+        <p:nvSpPr>
+          <p:cNvPr id="9" name="Rectangle 8">
+            <a:extLst>
+              <a:ext uri="{FF2B5EF4-FFF2-40B4-BE49-F238E27FC236}">
+                <a16:creationId xmlns:a16="http://schemas.microsoft.com/office/drawing/2014/main" id="{91A61372-3AA1-40F1-B110-C452C19B419C}"/>
+              </a:ext>
+            </a:extLst>
+          </p:cNvPr>
+          <p:cNvSpPr/>
+          <p:nvPr/>
+        </p:nvSpPr>
+        <p:spPr>
+          <a:xfrm>
+            <a:off x="5962649" y="1581147"/>
+            <a:ext cx="1247775" cy="561975"/>
+          </a:xfrm>
+          <a:prstGeom prst="rect">
+            <a:avLst/>
+          </a:prstGeom>
+        </p:spPr>
+        <p:style>
+          <a:lnRef idx="2">
+            <a:schemeClr val="dk1">
+              <a:shade val="50000"/>
+            </a:schemeClr>
+          </a:lnRef>
+          <a:fillRef idx="1">
+            <a:schemeClr val="dk1"/>
+          </a:fillRef>
+          <a:effectRef idx="0">
+            <a:schemeClr val="dk1"/>
+          </a:effectRef>
+          <a:fontRef idx="minor">
+            <a:schemeClr val="lt1"/>
+          </a:fontRef>
+        </p:style>
+        <p:txBody>
+          <a:bodyPr rtlCol="0" anchor="ctr"/>
+          <a:lstStyle/>
+          <a:p>
+            <a:pPr algn="ctr"/>
+            <a:r>
+              <a:rPr lang="en-US" dirty="0" err="1"/>
+              <a:t>ssd</a:t>
+            </a:r>
+            <a:r>
+              <a:rPr lang="en-US" dirty="0"/>
+              <a:t> = true</a:t>
+            </a:r>
+          </a:p>
+        </p:txBody>
+      </p:sp>
+      <p:sp>
+        <p:nvSpPr>
+          <p:cNvPr id="10" name="Rectangle 9">
+            <a:extLst>
+              <a:ext uri="{FF2B5EF4-FFF2-40B4-BE49-F238E27FC236}">
+                <a16:creationId xmlns:a16="http://schemas.microsoft.com/office/drawing/2014/main" id="{2C74E3B6-0A24-4184-839F-3C4F9DAB420E}"/>
+              </a:ext>
+            </a:extLst>
+          </p:cNvPr>
+          <p:cNvSpPr/>
+          <p:nvPr/>
+        </p:nvSpPr>
+        <p:spPr>
+          <a:xfrm>
+            <a:off x="9301162" y="1571619"/>
+            <a:ext cx="1247775" cy="561975"/>
+          </a:xfrm>
+          <a:prstGeom prst="rect">
+            <a:avLst/>
+          </a:prstGeom>
+        </p:spPr>
+        <p:style>
+          <a:lnRef idx="2">
+            <a:schemeClr val="dk1">
+              <a:shade val="50000"/>
+            </a:schemeClr>
+          </a:lnRef>
+          <a:fillRef idx="1">
+            <a:schemeClr val="dk1"/>
+          </a:fillRef>
+          <a:effectRef idx="0">
+            <a:schemeClr val="dk1"/>
+          </a:effectRef>
+          <a:fontRef idx="minor">
+            <a:schemeClr val="lt1"/>
+          </a:fontRef>
+        </p:style>
+        <p:txBody>
+          <a:bodyPr rtlCol="0" anchor="ctr"/>
+          <a:lstStyle/>
+          <a:p>
+            <a:pPr algn="ctr"/>
+            <a:r>
+              <a:rPr lang="en-US" dirty="0" err="1"/>
+              <a:t>ssd</a:t>
+            </a:r>
+            <a:r>
+              <a:rPr lang="en-US" dirty="0"/>
+              <a:t> = false</a:t>
+            </a:r>
+          </a:p>
+        </p:txBody>
+      </p:sp>
+      <p:cxnSp>
+        <p:nvCxnSpPr>
+          <p:cNvPr id="12" name="Straight Arrow Connector 11">
+            <a:extLst>
+              <a:ext uri="{FF2B5EF4-FFF2-40B4-BE49-F238E27FC236}">
+                <a16:creationId xmlns:a16="http://schemas.microsoft.com/office/drawing/2014/main" id="{9D69E78F-F905-453F-BF92-27BEF3E380F4}"/>
+              </a:ext>
+            </a:extLst>
+          </p:cNvPr>
+          <p:cNvCxnSpPr>
+            <a:stCxn id="7" idx="1"/>
+          </p:cNvCxnSpPr>
+          <p:nvPr/>
+        </p:nvCxnSpPr>
+        <p:spPr>
+          <a:xfrm flipH="1" flipV="1">
+            <a:off x="2495550" y="4352922"/>
+            <a:ext cx="2719387" cy="1428753"/>
+          </a:xfrm>
+          <a:prstGeom prst="straightConnector1">
+            <a:avLst/>
+          </a:prstGeom>
+          <a:ln>
+            <a:tailEnd type="triangle"/>
+          </a:ln>
+        </p:spPr>
+        <p:style>
+          <a:lnRef idx="1">
+            <a:schemeClr val="accent1"/>
+          </a:lnRef>
+          <a:fillRef idx="0">
+            <a:schemeClr val="accent1"/>
+          </a:fillRef>
+          <a:effectRef idx="0">
+            <a:schemeClr val="accent1"/>
+          </a:effectRef>
+          <a:fontRef idx="minor">
+            <a:schemeClr val="tx1"/>
+          </a:fontRef>
+        </p:style>
+      </p:cxnSp>
+      <p:cxnSp>
+        <p:nvCxnSpPr>
+          <p:cNvPr id="14" name="Straight Arrow Connector 13">
+            <a:extLst>
+              <a:ext uri="{FF2B5EF4-FFF2-40B4-BE49-F238E27FC236}">
+                <a16:creationId xmlns:a16="http://schemas.microsoft.com/office/drawing/2014/main" id="{FC67B777-7C08-482C-956E-E05BE0B085A2}"/>
+              </a:ext>
+            </a:extLst>
+          </p:cNvPr>
+          <p:cNvCxnSpPr>
+            <a:stCxn id="7" idx="0"/>
+            <a:endCxn id="5" idx="2"/>
+          </p:cNvCxnSpPr>
+          <p:nvPr/>
+        </p:nvCxnSpPr>
+        <p:spPr>
+          <a:xfrm flipH="1" flipV="1">
+            <a:off x="5538787" y="4352922"/>
+            <a:ext cx="423863" cy="962028"/>
+          </a:xfrm>
+          <a:prstGeom prst="straightConnector1">
+            <a:avLst/>
+          </a:prstGeom>
+          <a:ln>
+            <a:tailEnd type="triangle"/>
+          </a:ln>
+        </p:spPr>
+        <p:style>
+          <a:lnRef idx="1">
+            <a:schemeClr val="accent1"/>
+          </a:lnRef>
+          <a:fillRef idx="0">
+            <a:schemeClr val="accent1"/>
+          </a:fillRef>
+          <a:effectRef idx="0">
+            <a:schemeClr val="accent1"/>
+          </a:effectRef>
+          <a:fontRef idx="minor">
+            <a:schemeClr val="tx1"/>
+          </a:fontRef>
+        </p:style>
+      </p:cxnSp>
+    </p:spTree>
+    <p:extLst>
+      <p:ext uri="{BB962C8B-B14F-4D97-AF65-F5344CB8AC3E}">
+        <p14:creationId xmlns:p14="http://schemas.microsoft.com/office/powerpoint/2010/main" val="2724244039"/>
+      </p:ext>
+    </p:extLst>
+  </p:cSld>
+  <p:clrMapOvr>
+    <a:masterClrMapping/>
+  </p:clrMapOvr>
+</p:sld>
+</file>
+
+<file path=ppt/slides/slide43.xml><?xml version="1.0" encoding="utf-8"?>
+<p:sld xmlns:a="http://schemas.openxmlformats.org/drawingml/2006/main" xmlns:r="http://schemas.openxmlformats.org/officeDocument/2006/relationships" xmlns:p="http://schemas.openxmlformats.org/presentationml/2006/main">
+  <p:cSld>
+    <p:spTree>
+      <p:nvGrpSpPr>
+        <p:cNvPr id="1" name=""/>
+        <p:cNvGrpSpPr/>
+        <p:nvPr/>
+      </p:nvGrpSpPr>
+      <p:grpSpPr>
+        <a:xfrm>
+          <a:off x="0" y="0"/>
+          <a:ext cx="0" cy="0"/>
+          <a:chOff x="0" y="0"/>
+          <a:chExt cx="0" cy="0"/>
+        </a:xfrm>
+      </p:grpSpPr>
+      <p:sp>
+        <p:nvSpPr>
+          <p:cNvPr id="4" name="Rectangle 3">
+            <a:extLst>
+              <a:ext uri="{FF2B5EF4-FFF2-40B4-BE49-F238E27FC236}">
+                <a16:creationId xmlns:a16="http://schemas.microsoft.com/office/drawing/2014/main" id="{D6215B81-902F-470B-9EB4-CFA545679B15}"/>
+              </a:ext>
+            </a:extLst>
+          </p:cNvPr>
+          <p:cNvSpPr/>
+          <p:nvPr/>
+        </p:nvSpPr>
+        <p:spPr>
+          <a:xfrm>
+            <a:off x="7162800" y="1152525"/>
+            <a:ext cx="1724025" cy="1638300"/>
+          </a:xfrm>
+          <a:prstGeom prst="rect">
+            <a:avLst/>
+          </a:prstGeom>
+        </p:spPr>
+        <p:style>
+          <a:lnRef idx="2">
+            <a:schemeClr val="accent1">
+              <a:shade val="50000"/>
+            </a:schemeClr>
+          </a:lnRef>
+          <a:fillRef idx="1">
+            <a:schemeClr val="accent1"/>
+          </a:fillRef>
+          <a:effectRef idx="0">
+            <a:schemeClr val="accent1"/>
+          </a:effectRef>
+          <a:fontRef idx="minor">
+            <a:schemeClr val="lt1"/>
+          </a:fontRef>
+        </p:style>
+        <p:txBody>
+          <a:bodyPr rtlCol="0" anchor="ctr"/>
+          <a:lstStyle/>
+          <a:p>
+            <a:pPr algn="ctr"/>
+            <a:r>
+              <a:rPr lang="en-US" dirty="0"/>
+              <a:t>Node</a:t>
+            </a:r>
+          </a:p>
+        </p:txBody>
+      </p:sp>
+      <p:sp>
+        <p:nvSpPr>
+          <p:cNvPr id="5" name="Rectangle 4">
+            <a:extLst>
+              <a:ext uri="{FF2B5EF4-FFF2-40B4-BE49-F238E27FC236}">
+                <a16:creationId xmlns:a16="http://schemas.microsoft.com/office/drawing/2014/main" id="{AFCB9B94-F4AA-4F20-992A-69F5C6ED4A69}"/>
+              </a:ext>
+            </a:extLst>
+          </p:cNvPr>
+          <p:cNvSpPr/>
+          <p:nvPr/>
+        </p:nvSpPr>
+        <p:spPr>
+          <a:xfrm>
+            <a:off x="1981200" y="1152525"/>
+            <a:ext cx="1724025" cy="1638300"/>
+          </a:xfrm>
+          <a:prstGeom prst="rect">
+            <a:avLst/>
+          </a:prstGeom>
+        </p:spPr>
+        <p:style>
+          <a:lnRef idx="2">
+            <a:schemeClr val="accent1">
+              <a:shade val="50000"/>
+            </a:schemeClr>
+          </a:lnRef>
+          <a:fillRef idx="1">
+            <a:schemeClr val="accent1"/>
+          </a:fillRef>
+          <a:effectRef idx="0">
+            <a:schemeClr val="accent1"/>
+          </a:effectRef>
+          <a:fontRef idx="minor">
+            <a:schemeClr val="lt1"/>
+          </a:fontRef>
+        </p:style>
+        <p:txBody>
+          <a:bodyPr rtlCol="0" anchor="ctr"/>
+          <a:lstStyle/>
+          <a:p>
+            <a:pPr algn="ctr"/>
+            <a:r>
+              <a:rPr lang="en-US" dirty="0"/>
+              <a:t>Pod</a:t>
+            </a:r>
+          </a:p>
+        </p:txBody>
+      </p:sp>
+      <p:cxnSp>
+        <p:nvCxnSpPr>
+          <p:cNvPr id="7" name="Straight Arrow Connector 6">
+            <a:extLst>
+              <a:ext uri="{FF2B5EF4-FFF2-40B4-BE49-F238E27FC236}">
+                <a16:creationId xmlns:a16="http://schemas.microsoft.com/office/drawing/2014/main" id="{42236403-31D9-4018-9A7A-F3FE4731876F}"/>
+              </a:ext>
+            </a:extLst>
+          </p:cNvPr>
+          <p:cNvCxnSpPr>
+            <a:stCxn id="5" idx="3"/>
+            <a:endCxn id="4" idx="1"/>
+          </p:cNvCxnSpPr>
+          <p:nvPr/>
+        </p:nvCxnSpPr>
+        <p:spPr>
+          <a:xfrm>
+            <a:off x="3705225" y="1971675"/>
+            <a:ext cx="3457575" cy="0"/>
+          </a:xfrm>
+          <a:prstGeom prst="straightConnector1">
+            <a:avLst/>
+          </a:prstGeom>
+          <a:ln>
+            <a:tailEnd type="triangle"/>
+          </a:ln>
+        </p:spPr>
+        <p:style>
+          <a:lnRef idx="1">
+            <a:schemeClr val="accent1"/>
+          </a:lnRef>
+          <a:fillRef idx="0">
+            <a:schemeClr val="accent1"/>
+          </a:fillRef>
+          <a:effectRef idx="0">
+            <a:schemeClr val="accent1"/>
+          </a:effectRef>
+          <a:fontRef idx="minor">
+            <a:schemeClr val="tx1"/>
+          </a:fontRef>
+        </p:style>
+      </p:cxnSp>
+      <p:sp>
+        <p:nvSpPr>
+          <p:cNvPr id="10" name="TextBox 9">
+            <a:extLst>
+              <a:ext uri="{FF2B5EF4-FFF2-40B4-BE49-F238E27FC236}">
+                <a16:creationId xmlns:a16="http://schemas.microsoft.com/office/drawing/2014/main" id="{72C955C7-7078-4E52-B8DE-8AA1149C5AE1}"/>
+              </a:ext>
+            </a:extLst>
+          </p:cNvPr>
+          <p:cNvSpPr txBox="1"/>
+          <p:nvPr/>
+        </p:nvSpPr>
+        <p:spPr>
+          <a:xfrm>
+            <a:off x="4229100" y="1409699"/>
+            <a:ext cx="2085975" cy="369332"/>
+          </a:xfrm>
+          <a:prstGeom prst="rect">
+            <a:avLst/>
+          </a:prstGeom>
+          <a:noFill/>
+        </p:spPr>
+        <p:txBody>
+          <a:bodyPr wrap="square" rtlCol="0">
+            <a:spAutoFit/>
+          </a:bodyPr>
+          <a:lstStyle/>
+          <a:p>
+            <a:r>
+              <a:rPr lang="en-US" dirty="0"/>
+              <a:t>Node Affinity</a:t>
+            </a:r>
+          </a:p>
+        </p:txBody>
+      </p:sp>
+      <p:sp>
+        <p:nvSpPr>
+          <p:cNvPr id="11" name="Rectangle 10">
+            <a:extLst>
+              <a:ext uri="{FF2B5EF4-FFF2-40B4-BE49-F238E27FC236}">
+                <a16:creationId xmlns:a16="http://schemas.microsoft.com/office/drawing/2014/main" id="{DFA50DEA-8DAB-45A6-9E9C-63C9E983A54E}"/>
+              </a:ext>
+            </a:extLst>
+          </p:cNvPr>
+          <p:cNvSpPr/>
+          <p:nvPr/>
+        </p:nvSpPr>
+        <p:spPr>
+          <a:xfrm>
+            <a:off x="7162800" y="3248026"/>
+            <a:ext cx="1724025" cy="1638300"/>
+          </a:xfrm>
+          <a:prstGeom prst="rect">
+            <a:avLst/>
+          </a:prstGeom>
+        </p:spPr>
+        <p:style>
+          <a:lnRef idx="2">
+            <a:schemeClr val="accent1">
+              <a:shade val="50000"/>
+            </a:schemeClr>
+          </a:lnRef>
+          <a:fillRef idx="1">
+            <a:schemeClr val="accent1"/>
+          </a:fillRef>
+          <a:effectRef idx="0">
+            <a:schemeClr val="accent1"/>
+          </a:effectRef>
+          <a:fontRef idx="minor">
+            <a:schemeClr val="lt1"/>
+          </a:fontRef>
+        </p:style>
+        <p:txBody>
+          <a:bodyPr rtlCol="0" anchor="ctr"/>
+          <a:lstStyle/>
+          <a:p>
+            <a:pPr algn="ctr"/>
+            <a:r>
+              <a:rPr lang="en-US" dirty="0"/>
+              <a:t>Pod A –Node 1</a:t>
+            </a:r>
+          </a:p>
+        </p:txBody>
+      </p:sp>
+      <p:sp>
+        <p:nvSpPr>
+          <p:cNvPr id="12" name="Rectangle 11">
+            <a:extLst>
+              <a:ext uri="{FF2B5EF4-FFF2-40B4-BE49-F238E27FC236}">
+                <a16:creationId xmlns:a16="http://schemas.microsoft.com/office/drawing/2014/main" id="{E010C728-AB45-4F9E-AB75-A63993D36E29}"/>
+              </a:ext>
+            </a:extLst>
+          </p:cNvPr>
+          <p:cNvSpPr/>
+          <p:nvPr/>
+        </p:nvSpPr>
+        <p:spPr>
+          <a:xfrm>
+            <a:off x="1981200" y="3248026"/>
+            <a:ext cx="1724025" cy="1638300"/>
+          </a:xfrm>
+          <a:prstGeom prst="rect">
+            <a:avLst/>
+          </a:prstGeom>
+        </p:spPr>
+        <p:style>
+          <a:lnRef idx="2">
+            <a:schemeClr val="accent1">
+              <a:shade val="50000"/>
+            </a:schemeClr>
+          </a:lnRef>
+          <a:fillRef idx="1">
+            <a:schemeClr val="accent1"/>
+          </a:fillRef>
+          <a:effectRef idx="0">
+            <a:schemeClr val="accent1"/>
+          </a:effectRef>
+          <a:fontRef idx="minor">
+            <a:schemeClr val="lt1"/>
+          </a:fontRef>
+        </p:style>
+        <p:txBody>
+          <a:bodyPr rtlCol="0" anchor="ctr"/>
+          <a:lstStyle/>
+          <a:p>
+            <a:pPr algn="ctr"/>
+            <a:r>
+              <a:rPr lang="en-US" dirty="0"/>
+              <a:t>Pod B</a:t>
+            </a:r>
+          </a:p>
+        </p:txBody>
+      </p:sp>
+      <p:cxnSp>
+        <p:nvCxnSpPr>
+          <p:cNvPr id="13" name="Straight Arrow Connector 12">
+            <a:extLst>
+              <a:ext uri="{FF2B5EF4-FFF2-40B4-BE49-F238E27FC236}">
+                <a16:creationId xmlns:a16="http://schemas.microsoft.com/office/drawing/2014/main" id="{151CF35A-292D-48F1-B12C-227A923BA4A5}"/>
+              </a:ext>
+            </a:extLst>
+          </p:cNvPr>
+          <p:cNvCxnSpPr>
+            <a:stCxn id="12" idx="3"/>
+            <a:endCxn id="11" idx="1"/>
+          </p:cNvCxnSpPr>
+          <p:nvPr/>
+        </p:nvCxnSpPr>
+        <p:spPr>
+          <a:xfrm>
+            <a:off x="3705225" y="4067176"/>
+            <a:ext cx="3457575" cy="0"/>
+          </a:xfrm>
+          <a:prstGeom prst="straightConnector1">
+            <a:avLst/>
+          </a:prstGeom>
+          <a:ln>
+            <a:tailEnd type="triangle"/>
+          </a:ln>
+        </p:spPr>
+        <p:style>
+          <a:lnRef idx="1">
+            <a:schemeClr val="accent1"/>
+          </a:lnRef>
+          <a:fillRef idx="0">
+            <a:schemeClr val="accent1"/>
+          </a:fillRef>
+          <a:effectRef idx="0">
+            <a:schemeClr val="accent1"/>
+          </a:effectRef>
+          <a:fontRef idx="minor">
+            <a:schemeClr val="tx1"/>
+          </a:fontRef>
+        </p:style>
+      </p:cxnSp>
+      <p:sp>
+        <p:nvSpPr>
+          <p:cNvPr id="14" name="TextBox 13">
+            <a:extLst>
+              <a:ext uri="{FF2B5EF4-FFF2-40B4-BE49-F238E27FC236}">
+                <a16:creationId xmlns:a16="http://schemas.microsoft.com/office/drawing/2014/main" id="{176D499F-29C2-45F2-ACE7-417577E8C3C3}"/>
+              </a:ext>
+            </a:extLst>
+          </p:cNvPr>
+          <p:cNvSpPr txBox="1"/>
+          <p:nvPr/>
+        </p:nvSpPr>
+        <p:spPr>
+          <a:xfrm>
+            <a:off x="4391025" y="3520559"/>
+            <a:ext cx="2085975" cy="369332"/>
+          </a:xfrm>
+          <a:prstGeom prst="rect">
+            <a:avLst/>
+          </a:prstGeom>
+          <a:noFill/>
+        </p:spPr>
+        <p:txBody>
+          <a:bodyPr wrap="square" rtlCol="0">
+            <a:spAutoFit/>
+          </a:bodyPr>
+          <a:lstStyle/>
+          <a:p>
+            <a:r>
+              <a:rPr lang="en-US" dirty="0"/>
+              <a:t>Pod Affinity</a:t>
+            </a:r>
+          </a:p>
+        </p:txBody>
+      </p:sp>
+    </p:spTree>
+    <p:extLst>
+      <p:ext uri="{BB962C8B-B14F-4D97-AF65-F5344CB8AC3E}">
+        <p14:creationId xmlns:p14="http://schemas.microsoft.com/office/powerpoint/2010/main" val="1625865391"/>
+      </p:ext>
+    </p:extLst>
+  </p:cSld>
+  <p:clrMapOvr>
+    <a:masterClrMapping/>
+  </p:clrMapOvr>
+</p:sld>
+</file>
+
+<file path=ppt/slides/slide44.xml><?xml version="1.0" encoding="utf-8"?>
+<p:sld xmlns:a="http://schemas.openxmlformats.org/drawingml/2006/main" xmlns:r="http://schemas.openxmlformats.org/officeDocument/2006/relationships" xmlns:p="http://schemas.openxmlformats.org/presentationml/2006/main">
+  <p:cSld>
+    <p:spTree>
+      <p:nvGrpSpPr>
+        <p:cNvPr id="1" name=""/>
+        <p:cNvGrpSpPr/>
+        <p:nvPr/>
+      </p:nvGrpSpPr>
+      <p:grpSpPr>
+        <a:xfrm>
+          <a:off x="0" y="0"/>
+          <a:ext cx="0" cy="0"/>
+          <a:chOff x="0" y="0"/>
+          <a:chExt cx="0" cy="0"/>
+        </a:xfrm>
+      </p:grpSpPr>
+      <p:sp>
+        <p:nvSpPr>
+          <p:cNvPr id="4" name="Rectangle 3">
+            <a:extLst>
+              <a:ext uri="{FF2B5EF4-FFF2-40B4-BE49-F238E27FC236}">
+                <a16:creationId xmlns:a16="http://schemas.microsoft.com/office/drawing/2014/main" id="{8EADE547-B07C-4F87-8B5C-A0D623A8C619}"/>
+              </a:ext>
+            </a:extLst>
+          </p:cNvPr>
+          <p:cNvSpPr/>
+          <p:nvPr/>
+        </p:nvSpPr>
+        <p:spPr>
+          <a:xfrm>
+            <a:off x="2009775" y="1428750"/>
+            <a:ext cx="2162175" cy="2971800"/>
+          </a:xfrm>
+          <a:prstGeom prst="rect">
+            <a:avLst/>
+          </a:prstGeom>
+        </p:spPr>
+        <p:style>
+          <a:lnRef idx="2">
+            <a:schemeClr val="accent1">
+              <a:shade val="50000"/>
+            </a:schemeClr>
+          </a:lnRef>
+          <a:fillRef idx="1">
+            <a:schemeClr val="accent1"/>
+          </a:fillRef>
+          <a:effectRef idx="0">
+            <a:schemeClr val="accent1"/>
+          </a:effectRef>
+          <a:fontRef idx="minor">
+            <a:schemeClr val="lt1"/>
+          </a:fontRef>
+        </p:style>
+        <p:txBody>
+          <a:bodyPr rtlCol="0" anchor="ctr"/>
+          <a:lstStyle/>
+          <a:p>
+            <a:pPr algn="ctr"/>
+            <a:endParaRPr lang="en-US" dirty="0"/>
+          </a:p>
+        </p:txBody>
+      </p:sp>
+      <p:sp>
+        <p:nvSpPr>
+          <p:cNvPr id="5" name="Rectangle 4">
+            <a:extLst>
+              <a:ext uri="{FF2B5EF4-FFF2-40B4-BE49-F238E27FC236}">
+                <a16:creationId xmlns:a16="http://schemas.microsoft.com/office/drawing/2014/main" id="{09A9A631-AF69-4430-833B-71CB900FF0D9}"/>
+              </a:ext>
+            </a:extLst>
+          </p:cNvPr>
+          <p:cNvSpPr/>
+          <p:nvPr/>
+        </p:nvSpPr>
+        <p:spPr>
+          <a:xfrm>
+            <a:off x="5419725" y="1428749"/>
+            <a:ext cx="2038350" cy="2971799"/>
+          </a:xfrm>
+          <a:prstGeom prst="rect">
+            <a:avLst/>
+          </a:prstGeom>
+        </p:spPr>
+        <p:style>
+          <a:lnRef idx="2">
+            <a:schemeClr val="accent1">
+              <a:shade val="50000"/>
+            </a:schemeClr>
+          </a:lnRef>
+          <a:fillRef idx="1">
+            <a:schemeClr val="accent1"/>
+          </a:fillRef>
+          <a:effectRef idx="0">
+            <a:schemeClr val="accent1"/>
+          </a:effectRef>
+          <a:fontRef idx="minor">
+            <a:schemeClr val="lt1"/>
+          </a:fontRef>
+        </p:style>
+        <p:txBody>
+          <a:bodyPr rtlCol="0" anchor="ctr"/>
+          <a:lstStyle/>
+          <a:p>
+            <a:pPr algn="ctr"/>
+            <a:endParaRPr lang="en-US" dirty="0"/>
+          </a:p>
+        </p:txBody>
+      </p:sp>
+      <p:sp>
+        <p:nvSpPr>
+          <p:cNvPr id="6" name="TextBox 5">
+            <a:extLst>
+              <a:ext uri="{FF2B5EF4-FFF2-40B4-BE49-F238E27FC236}">
+                <a16:creationId xmlns:a16="http://schemas.microsoft.com/office/drawing/2014/main" id="{1790AB57-6C0D-481A-859E-A819898BDC7A}"/>
+              </a:ext>
+            </a:extLst>
+          </p:cNvPr>
+          <p:cNvSpPr txBox="1"/>
+          <p:nvPr/>
+        </p:nvSpPr>
+        <p:spPr>
+          <a:xfrm>
+            <a:off x="2266950" y="1529834"/>
+            <a:ext cx="1019175" cy="369332"/>
+          </a:xfrm>
+          <a:prstGeom prst="rect">
+            <a:avLst/>
+          </a:prstGeom>
+          <a:noFill/>
+        </p:spPr>
+        <p:txBody>
+          <a:bodyPr wrap="square" rtlCol="0">
+            <a:spAutoFit/>
+          </a:bodyPr>
+          <a:lstStyle/>
+          <a:p>
+            <a:r>
+              <a:rPr lang="en-US" dirty="0">
+                <a:solidFill>
+                  <a:schemeClr val="bg1"/>
+                </a:solidFill>
+              </a:rPr>
+              <a:t>Node 1</a:t>
+            </a:r>
+          </a:p>
+        </p:txBody>
+      </p:sp>
+      <p:sp>
+        <p:nvSpPr>
+          <p:cNvPr id="7" name="TextBox 6">
+            <a:extLst>
+              <a:ext uri="{FF2B5EF4-FFF2-40B4-BE49-F238E27FC236}">
+                <a16:creationId xmlns:a16="http://schemas.microsoft.com/office/drawing/2014/main" id="{59AAA35A-DA68-429A-8D88-13916C47CFBE}"/>
+              </a:ext>
+            </a:extLst>
+          </p:cNvPr>
+          <p:cNvSpPr txBox="1"/>
+          <p:nvPr/>
+        </p:nvSpPr>
+        <p:spPr>
+          <a:xfrm>
+            <a:off x="5486400" y="1529834"/>
+            <a:ext cx="1019175" cy="369332"/>
+          </a:xfrm>
+          <a:prstGeom prst="rect">
+            <a:avLst/>
+          </a:prstGeom>
+          <a:noFill/>
+        </p:spPr>
+        <p:txBody>
+          <a:bodyPr wrap="square" rtlCol="0">
+            <a:spAutoFit/>
+          </a:bodyPr>
+          <a:lstStyle/>
+          <a:p>
+            <a:r>
+              <a:rPr lang="en-US" dirty="0">
+                <a:solidFill>
+                  <a:schemeClr val="bg1"/>
+                </a:solidFill>
+              </a:rPr>
+              <a:t>Node 2</a:t>
+            </a:r>
+          </a:p>
+        </p:txBody>
+      </p:sp>
+      <p:sp>
+        <p:nvSpPr>
+          <p:cNvPr id="8" name="Rectangle 7">
+            <a:extLst>
+              <a:ext uri="{FF2B5EF4-FFF2-40B4-BE49-F238E27FC236}">
+                <a16:creationId xmlns:a16="http://schemas.microsoft.com/office/drawing/2014/main" id="{B23E7EFC-EE10-42E5-B75E-1B26EE47BA54}"/>
+              </a:ext>
+            </a:extLst>
+          </p:cNvPr>
+          <p:cNvSpPr/>
+          <p:nvPr/>
+        </p:nvSpPr>
+        <p:spPr>
+          <a:xfrm>
+            <a:off x="2152649" y="2300285"/>
+            <a:ext cx="1762125" cy="1228725"/>
+          </a:xfrm>
+          <a:prstGeom prst="rect">
+            <a:avLst/>
+          </a:prstGeom>
+        </p:spPr>
+        <p:style>
+          <a:lnRef idx="2">
+            <a:schemeClr val="dk1">
+              <a:shade val="50000"/>
+            </a:schemeClr>
+          </a:lnRef>
+          <a:fillRef idx="1">
+            <a:schemeClr val="dk1"/>
+          </a:fillRef>
+          <a:effectRef idx="0">
+            <a:schemeClr val="dk1"/>
+          </a:effectRef>
+          <a:fontRef idx="minor">
+            <a:schemeClr val="lt1"/>
+          </a:fontRef>
+        </p:style>
+        <p:txBody>
+          <a:bodyPr rtlCol="0" anchor="ctr"/>
+          <a:lstStyle/>
+          <a:p>
+            <a:pPr algn="ctr"/>
+            <a:r>
+              <a:rPr lang="en-US" dirty="0"/>
+              <a:t>Backend Pod</a:t>
+            </a:r>
+          </a:p>
+          <a:p>
+            <a:pPr algn="ctr"/>
+            <a:r>
+              <a:rPr lang="en-US" dirty="0"/>
+              <a:t>Label </a:t>
+            </a:r>
+          </a:p>
+          <a:p>
+            <a:pPr algn="ctr"/>
+            <a:r>
+              <a:rPr lang="en-US" dirty="0"/>
+              <a:t>app: Backend</a:t>
+            </a:r>
+          </a:p>
+        </p:txBody>
+      </p:sp>
+      <p:sp>
+        <p:nvSpPr>
+          <p:cNvPr id="9" name="Rectangle 8">
+            <a:extLst>
+              <a:ext uri="{FF2B5EF4-FFF2-40B4-BE49-F238E27FC236}">
+                <a16:creationId xmlns:a16="http://schemas.microsoft.com/office/drawing/2014/main" id="{3D38B0F3-F341-4ABE-830D-DFF9A98CD27B}"/>
+              </a:ext>
+            </a:extLst>
+          </p:cNvPr>
+          <p:cNvSpPr/>
+          <p:nvPr/>
+        </p:nvSpPr>
+        <p:spPr>
+          <a:xfrm>
+            <a:off x="3667125" y="5019675"/>
+            <a:ext cx="3286125" cy="1590675"/>
+          </a:xfrm>
+          <a:prstGeom prst="rect">
+            <a:avLst/>
+          </a:prstGeom>
+        </p:spPr>
+        <p:style>
+          <a:lnRef idx="2">
+            <a:schemeClr val="accent6"/>
+          </a:lnRef>
+          <a:fillRef idx="1">
+            <a:schemeClr val="lt1"/>
+          </a:fillRef>
+          <a:effectRef idx="0">
+            <a:schemeClr val="accent6"/>
+          </a:effectRef>
+          <a:fontRef idx="minor">
+            <a:schemeClr val="dk1"/>
+          </a:fontRef>
+        </p:style>
+        <p:txBody>
+          <a:bodyPr rtlCol="0" anchor="ctr"/>
+          <a:lstStyle/>
+          <a:p>
+            <a:pPr algn="ctr"/>
+            <a:r>
+              <a:rPr lang="en-US" dirty="0"/>
+              <a:t>Frontend Pod</a:t>
+            </a:r>
+          </a:p>
+          <a:p>
+            <a:pPr algn="ctr"/>
+            <a:r>
+              <a:rPr lang="en-US" dirty="0" err="1"/>
+              <a:t>podaffinity</a:t>
+            </a:r>
+            <a:endParaRPr lang="en-US" dirty="0"/>
+          </a:p>
+          <a:p>
+            <a:pPr algn="ctr"/>
+            <a:r>
+              <a:rPr lang="en-US" b="0" dirty="0">
+                <a:solidFill>
+                  <a:srgbClr val="569CD6"/>
+                </a:solidFill>
+                <a:effectLst/>
+                <a:latin typeface="Consolas" panose="020B0609020204030204" pitchFamily="49" charset="0"/>
+              </a:rPr>
+              <a:t>app</a:t>
+            </a:r>
+            <a:r>
+              <a:rPr lang="en-US" b="0" dirty="0">
+                <a:solidFill>
+                  <a:srgbClr val="D4D4D4"/>
+                </a:solidFill>
+                <a:effectLst/>
+                <a:latin typeface="Consolas" panose="020B0609020204030204" pitchFamily="49" charset="0"/>
+              </a:rPr>
+              <a:t>: </a:t>
+            </a:r>
+            <a:r>
+              <a:rPr lang="en-US" b="0" dirty="0">
+                <a:solidFill>
+                  <a:srgbClr val="CE9178"/>
+                </a:solidFill>
+                <a:effectLst/>
+                <a:latin typeface="Consolas" panose="020B0609020204030204" pitchFamily="49" charset="0"/>
+              </a:rPr>
+              <a:t>backend</a:t>
+            </a:r>
+            <a:endParaRPr lang="en-US" b="0" dirty="0">
+              <a:solidFill>
+                <a:srgbClr val="D4D4D4"/>
+              </a:solidFill>
+              <a:effectLst/>
+              <a:latin typeface="Consolas" panose="020B0609020204030204" pitchFamily="49" charset="0"/>
+            </a:endParaRPr>
+          </a:p>
+          <a:p>
+            <a:pPr algn="ctr"/>
+            <a:endParaRPr lang="en-US" dirty="0"/>
+          </a:p>
+        </p:txBody>
+      </p:sp>
+      <p:cxnSp>
+        <p:nvCxnSpPr>
+          <p:cNvPr id="11" name="Connector: Elbow 10">
+            <a:extLst>
+              <a:ext uri="{FF2B5EF4-FFF2-40B4-BE49-F238E27FC236}">
+                <a16:creationId xmlns:a16="http://schemas.microsoft.com/office/drawing/2014/main" id="{9881B96B-1241-4D0E-8C95-E96B752D81ED}"/>
+              </a:ext>
+            </a:extLst>
+          </p:cNvPr>
+          <p:cNvCxnSpPr>
+            <a:stCxn id="9" idx="1"/>
+          </p:cNvCxnSpPr>
+          <p:nvPr/>
+        </p:nvCxnSpPr>
+        <p:spPr>
+          <a:xfrm rot="10800000">
+            <a:off x="2638425" y="4400549"/>
+            <a:ext cx="1028700" cy="1414465"/>
+          </a:xfrm>
+          <a:prstGeom prst="bentConnector2">
+            <a:avLst/>
+          </a:prstGeom>
+          <a:ln>
+            <a:tailEnd type="triangle"/>
+          </a:ln>
+        </p:spPr>
+        <p:style>
+          <a:lnRef idx="1">
+            <a:schemeClr val="accent1"/>
+          </a:lnRef>
+          <a:fillRef idx="0">
+            <a:schemeClr val="accent1"/>
+          </a:fillRef>
+          <a:effectRef idx="0">
+            <a:schemeClr val="accent1"/>
+          </a:effectRef>
+          <a:fontRef idx="minor">
+            <a:schemeClr val="tx1"/>
+          </a:fontRef>
+        </p:style>
+      </p:cxnSp>
+    </p:spTree>
+    <p:extLst>
+      <p:ext uri="{BB962C8B-B14F-4D97-AF65-F5344CB8AC3E}">
+        <p14:creationId xmlns:p14="http://schemas.microsoft.com/office/powerpoint/2010/main" val="1753728141"/>
       </p:ext>
     </p:extLst>
   </p:cSld>
@@ -29869,12 +32201,6 @@
 </file>
 
 <file path=customXml/item1.xml><?xml version="1.0" encoding="utf-8"?>
-<p:properties xmlns:p="http://schemas.microsoft.com/office/2006/metadata/properties" xmlns:xsi="http://www.w3.org/2001/XMLSchema-instance" xmlns:pc="http://schemas.microsoft.com/office/infopath/2007/PartnerControls">
-  <documentManagement/>
-</p:properties>
-</file>
-
-<file path=customXml/item2.xml><?xml version="1.0" encoding="utf-8"?>
 <ct:contentTypeSchema xmlns:ct="http://schemas.microsoft.com/office/2006/metadata/contentType" xmlns:ma="http://schemas.microsoft.com/office/2006/metadata/properties/metaAttributes" ct:_="" ma:_="" ma:contentTypeName="Document" ma:contentTypeID="0x01010033F4F5A3748BFE479746A408EC85AAEE" ma:contentTypeVersion="5" ma:contentTypeDescription="Create a new document." ma:contentTypeScope="" ma:versionID="b483ae7272e6aa661ad209855a8a7db0">
   <xsd:schema xmlns:xsd="http://www.w3.org/2001/XMLSchema" xmlns:xs="http://www.w3.org/2001/XMLSchema" xmlns:p="http://schemas.microsoft.com/office/2006/metadata/properties" xmlns:ns3="0baf3534-126a-473e-acc5-3e4621356205" xmlns:ns4="fff74fba-6d05-41c6-86dc-eabd5d6ae9f9" targetNamespace="http://schemas.microsoft.com/office/2006/metadata/properties" ma:root="true" ma:fieldsID="17c24ebdbbac02217b1b6bef06916b85" ns3:_="" ns4:_="">
     <xsd:import namespace="0baf3534-126a-473e-acc5-3e4621356205"/>
@@ -30045,6 +32371,12 @@
 </ct:contentTypeSchema>
 </file>
 
+<file path=customXml/item2.xml><?xml version="1.0" encoding="utf-8"?>
+<p:properties xmlns:p="http://schemas.microsoft.com/office/2006/metadata/properties" xmlns:xsi="http://www.w3.org/2001/XMLSchema-instance" xmlns:pc="http://schemas.microsoft.com/office/infopath/2007/PartnerControls">
+  <documentManagement/>
+</p:properties>
+</file>
+
 <file path=customXml/item3.xml><?xml version="1.0" encoding="utf-8"?>
 <?mso-contentType ?>
 <FormTemplates xmlns="http://schemas.microsoft.com/sharepoint/v3/contenttype/forms">
@@ -30055,23 +32387,6 @@
 </file>
 
 <file path=customXml/itemProps1.xml><?xml version="1.0" encoding="utf-8"?>
-<ds:datastoreItem xmlns:ds="http://schemas.openxmlformats.org/officeDocument/2006/customXml" ds:itemID="{47E664A0-7CDF-41AB-936B-25CEB3E28BA3}">
-  <ds:schemaRefs>
-    <ds:schemaRef ds:uri="http://schemas.microsoft.com/office/2006/documentManagement/types"/>
-    <ds:schemaRef ds:uri="http://purl.org/dc/dcmitype/"/>
-    <ds:schemaRef ds:uri="http://www.w3.org/XML/1998/namespace"/>
-    <ds:schemaRef ds:uri="http://purl.org/dc/elements/1.1/"/>
-    <ds:schemaRef ds:uri="http://schemas.microsoft.com/office/infopath/2007/PartnerControls"/>
-    <ds:schemaRef ds:uri="http://purl.org/dc/terms/"/>
-    <ds:schemaRef ds:uri="http://schemas.openxmlformats.org/package/2006/metadata/core-properties"/>
-    <ds:schemaRef ds:uri="fff74fba-6d05-41c6-86dc-eabd5d6ae9f9"/>
-    <ds:schemaRef ds:uri="0baf3534-126a-473e-acc5-3e4621356205"/>
-    <ds:schemaRef ds:uri="http://schemas.microsoft.com/office/2006/metadata/properties"/>
-  </ds:schemaRefs>
-</ds:datastoreItem>
-</file>
-
-<file path=customXml/itemProps2.xml><?xml version="1.0" encoding="utf-8"?>
 <ds:datastoreItem xmlns:ds="http://schemas.openxmlformats.org/officeDocument/2006/customXml" ds:itemID="{830098E8-DE11-44E4-8993-D1705412FAAF}">
   <ds:schemaRefs>
     <ds:schemaRef ds:uri="http://schemas.microsoft.com/office/2006/metadata/contentType"/>
@@ -30090,6 +32405,23 @@
 </ds:datastoreItem>
 </file>
 
+<file path=customXml/itemProps2.xml><?xml version="1.0" encoding="utf-8"?>
+<ds:datastoreItem xmlns:ds="http://schemas.openxmlformats.org/officeDocument/2006/customXml" ds:itemID="{47E664A0-7CDF-41AB-936B-25CEB3E28BA3}">
+  <ds:schemaRefs>
+    <ds:schemaRef ds:uri="http://schemas.microsoft.com/office/2006/documentManagement/types"/>
+    <ds:schemaRef ds:uri="http://purl.org/dc/dcmitype/"/>
+    <ds:schemaRef ds:uri="http://www.w3.org/XML/1998/namespace"/>
+    <ds:schemaRef ds:uri="http://purl.org/dc/elements/1.1/"/>
+    <ds:schemaRef ds:uri="http://schemas.microsoft.com/office/infopath/2007/PartnerControls"/>
+    <ds:schemaRef ds:uri="http://purl.org/dc/terms/"/>
+    <ds:schemaRef ds:uri="http://schemas.openxmlformats.org/package/2006/metadata/core-properties"/>
+    <ds:schemaRef ds:uri="fff74fba-6d05-41c6-86dc-eabd5d6ae9f9"/>
+    <ds:schemaRef ds:uri="0baf3534-126a-473e-acc5-3e4621356205"/>
+    <ds:schemaRef ds:uri="http://schemas.microsoft.com/office/2006/metadata/properties"/>
+  </ds:schemaRefs>
+</ds:datastoreItem>
+</file>
+
 <file path=customXml/itemProps3.xml><?xml version="1.0" encoding="utf-8"?>
 <ds:datastoreItem xmlns:ds="http://schemas.openxmlformats.org/officeDocument/2006/customXml" ds:itemID="{9E0EA9B7-E59A-4EC5-928D-C173B3508EA4}">
   <ds:schemaRefs>
